--- a/說明文件/Spring 5 MVC – 零XML.pptx
+++ b/說明文件/Spring 5 MVC – 零XML.pptx
@@ -33,7 +33,8 @@
     <p:sldId id="283" r:id="rId27"/>
     <p:sldId id="284" r:id="rId28"/>
     <p:sldId id="285" r:id="rId29"/>
-    <p:sldId id="265" r:id="rId30"/>
+    <p:sldId id="287" r:id="rId30"/>
+    <p:sldId id="265" r:id="rId31"/>
   </p:sldIdLst>
   <p:sldSz cx="9144000" cy="5143500" type="screen16x9"/>
   <p:notesSz cx="6858000" cy="9144000"/>
@@ -6958,16 +6959,6 @@
                 </a:solidFill>
               </a14:hiddenFill>
             </a:ext>
-            <a:ext uri="{91240B29-F687-4F45-9708-019B960494DF}">
-              <a14:hiddenLine xmlns:a14="http://schemas.microsoft.com/office/drawing/2010/main" w="9525">
-                <a:solidFill>
-                  <a:schemeClr val="tx1"/>
-                </a:solidFill>
-                <a:miter lim="800000"/>
-                <a:headEnd/>
-                <a:tailEnd/>
-              </a14:hiddenLine>
-            </a:ext>
           </a:extLst>
         </p:spPr>
       </p:pic>
@@ -7146,16 +7137,6 @@
                   <a:schemeClr val="accent1"/>
                 </a:solidFill>
               </a14:hiddenFill>
-            </a:ext>
-            <a:ext uri="{91240B29-F687-4F45-9708-019B960494DF}">
-              <a14:hiddenLine xmlns:a14="http://schemas.microsoft.com/office/drawing/2010/main" w="9525">
-                <a:solidFill>
-                  <a:schemeClr val="tx1"/>
-                </a:solidFill>
-                <a:miter lim="800000"/>
-                <a:headEnd/>
-                <a:tailEnd/>
-              </a14:hiddenLine>
             </a:ext>
           </a:extLst>
         </p:spPr>
@@ -7726,16 +7707,6 @@
                 </a:solidFill>
               </a14:hiddenFill>
             </a:ext>
-            <a:ext uri="{91240B29-F687-4F45-9708-019B960494DF}">
-              <a14:hiddenLine xmlns:a14="http://schemas.microsoft.com/office/drawing/2010/main" w="9525">
-                <a:solidFill>
-                  <a:schemeClr val="tx1"/>
-                </a:solidFill>
-                <a:miter lim="800000"/>
-                <a:headEnd/>
-                <a:tailEnd/>
-              </a14:hiddenLine>
-            </a:ext>
           </a:extLst>
         </p:spPr>
       </p:pic>
@@ -7955,16 +7926,6 @@
                   <a:schemeClr val="accent1"/>
                 </a:solidFill>
               </a14:hiddenFill>
-            </a:ext>
-            <a:ext uri="{91240B29-F687-4F45-9708-019B960494DF}">
-              <a14:hiddenLine xmlns:a14="http://schemas.microsoft.com/office/drawing/2010/main" w="9525">
-                <a:solidFill>
-                  <a:schemeClr val="tx1"/>
-                </a:solidFill>
-                <a:miter lim="800000"/>
-                <a:headEnd/>
-                <a:tailEnd/>
-              </a14:hiddenLine>
             </a:ext>
           </a:extLst>
         </p:spPr>
@@ -8051,16 +8012,6 @@
                 </a:solidFill>
               </a14:hiddenFill>
             </a:ext>
-            <a:ext uri="{91240B29-F687-4F45-9708-019B960494DF}">
-              <a14:hiddenLine xmlns:a14="http://schemas.microsoft.com/office/drawing/2010/main" w="9525">
-                <a:solidFill>
-                  <a:schemeClr val="tx1"/>
-                </a:solidFill>
-                <a:miter lim="800000"/>
-                <a:headEnd/>
-                <a:tailEnd/>
-              </a14:hiddenLine>
-            </a:ext>
           </a:extLst>
         </p:spPr>
       </p:pic>
@@ -8254,6 +8205,887 @@
           <a:xfrm>
             <a:off x="5283688" y="595086"/>
             <a:ext cx="3797489" cy="4240439"/>
+          </a:xfrm>
+          <a:prstGeom prst="rect">
+            <a:avLst/>
+          </a:prstGeom>
+          <a:ln w="9525">
+            <a:solidFill>
+              <a:schemeClr val="tx1"/>
+            </a:solidFill>
+            <a:miter lim="800000"/>
+            <a:headEnd/>
+            <a:tailEnd/>
+          </a:ln>
+          <a:effectLst>
+            <a:outerShdw blurRad="190500" algn="tl" rotWithShape="0">
+              <a:srgbClr val="000000">
+                <a:alpha val="70000"/>
+              </a:srgbClr>
+            </a:outerShdw>
+          </a:effectLst>
+          <a:extLst>
+            <a:ext uri="{909E8E84-426E-40DD-AFC4-6F175D3DCCD1}">
+              <a14:hiddenFill xmlns:a14="http://schemas.microsoft.com/office/drawing/2010/main">
+                <a:solidFill>
+                  <a:schemeClr val="accent1"/>
+                </a:solidFill>
+              </a14:hiddenFill>
+            </a:ext>
+          </a:extLst>
+        </p:spPr>
+      </p:pic>
+    </p:spTree>
+    <p:extLst>
+      <p:ext uri="{BB962C8B-B14F-4D97-AF65-F5344CB8AC3E}">
+        <p14:creationId xmlns:p14="http://schemas.microsoft.com/office/powerpoint/2010/main" val="2106763565"/>
+      </p:ext>
+    </p:extLst>
+  </p:cSld>
+  <p:clrMapOvr>
+    <a:masterClrMapping/>
+  </p:clrMapOvr>
+</p:sld>
+</file>
+
+<file path=ppt/slides/slide26.xml><?xml version="1.0" encoding="utf-8"?>
+<p:sld xmlns:a="http://schemas.openxmlformats.org/drawingml/2006/main" xmlns:r="http://schemas.openxmlformats.org/officeDocument/2006/relationships" xmlns:p="http://schemas.openxmlformats.org/presentationml/2006/main">
+  <p:cSld>
+    <p:spTree>
+      <p:nvGrpSpPr>
+        <p:cNvPr id="1" name=""/>
+        <p:cNvGrpSpPr/>
+        <p:nvPr/>
+      </p:nvGrpSpPr>
+      <p:grpSpPr>
+        <a:xfrm>
+          <a:off x="0" y="0"/>
+          <a:ext cx="0" cy="0"/>
+          <a:chOff x="0" y="0"/>
+          <a:chExt cx="0" cy="0"/>
+        </a:xfrm>
+      </p:grpSpPr>
+      <p:sp>
+        <p:nvSpPr>
+          <p:cNvPr id="2" name="標題 1"/>
+          <p:cNvSpPr>
+            <a:spLocks noGrp="1"/>
+          </p:cNvSpPr>
+          <p:nvPr>
+            <p:ph type="ctrTitle"/>
+          </p:nvPr>
+        </p:nvSpPr>
+        <p:spPr>
+          <a:xfrm>
+            <a:off x="0" y="-8603"/>
+            <a:ext cx="9144000" cy="392061"/>
+          </a:xfrm>
+          <a:solidFill>
+            <a:schemeClr val="bg1">
+              <a:lumMod val="50000"/>
+            </a:schemeClr>
+          </a:solidFill>
+        </p:spPr>
+        <p:style>
+          <a:lnRef idx="1">
+            <a:schemeClr val="dk1"/>
+          </a:lnRef>
+          <a:fillRef idx="3">
+            <a:schemeClr val="dk1"/>
+          </a:fillRef>
+          <a:effectRef idx="2">
+            <a:schemeClr val="dk1"/>
+          </a:effectRef>
+          <a:fontRef idx="minor">
+            <a:schemeClr val="lt1"/>
+          </a:fontRef>
+        </p:style>
+        <p:txBody>
+          <a:bodyPr vert="horz" lIns="91440" tIns="45720" rIns="91440" bIns="45720" rtlCol="0" anchor="ctr">
+            <a:noAutofit/>
+          </a:bodyPr>
+          <a:lstStyle/>
+          <a:p>
+            <a:r>
+              <a:rPr lang="en-US" altLang="zh-TW" sz="2000" b="1" dirty="0">
+                <a:effectLst>
+                  <a:outerShdw blurRad="38100" dist="38100" dir="2700000" algn="tl">
+                    <a:srgbClr val="000000">
+                      <a:alpha val="43137"/>
+                    </a:srgbClr>
+                  </a:outerShdw>
+                </a:effectLst>
+                <a:latin typeface="微軟正黑體" panose="020B0604030504040204" pitchFamily="34" charset="-120"/>
+                <a:ea typeface="微軟正黑體" panose="020B0604030504040204" pitchFamily="34" charset="-120"/>
+              </a:rPr>
+              <a:t>Spring 5</a:t>
+            </a:r>
+            <a:r>
+              <a:rPr lang="zh-TW" altLang="en-US" sz="2000" b="1" dirty="0">
+                <a:effectLst>
+                  <a:outerShdw blurRad="38100" dist="38100" dir="2700000" algn="tl">
+                    <a:srgbClr val="000000">
+                      <a:alpha val="43137"/>
+                    </a:srgbClr>
+                  </a:outerShdw>
+                </a:effectLst>
+                <a:latin typeface="微軟正黑體" panose="020B0604030504040204" pitchFamily="34" charset="-120"/>
+                <a:ea typeface="微軟正黑體" panose="020B0604030504040204" pitchFamily="34" charset="-120"/>
+              </a:rPr>
+              <a:t> </a:t>
+            </a:r>
+            <a:r>
+              <a:rPr lang="en-US" altLang="zh-TW" sz="2000" b="1" dirty="0">
+                <a:effectLst>
+                  <a:outerShdw blurRad="38100" dist="38100" dir="2700000" algn="tl">
+                    <a:srgbClr val="000000">
+                      <a:alpha val="43137"/>
+                    </a:srgbClr>
+                  </a:outerShdw>
+                </a:effectLst>
+                <a:latin typeface="微軟正黑體" panose="020B0604030504040204" pitchFamily="34" charset="-120"/>
+                <a:ea typeface="微軟正黑體" panose="020B0604030504040204" pitchFamily="34" charset="-120"/>
+              </a:rPr>
+              <a:t>MVC – </a:t>
+            </a:r>
+            <a:r>
+              <a:rPr lang="zh-TW" altLang="en-US" sz="2000" b="1" dirty="0">
+                <a:effectLst>
+                  <a:outerShdw blurRad="38100" dist="38100" dir="2700000" algn="tl">
+                    <a:srgbClr val="000000">
+                      <a:alpha val="43137"/>
+                    </a:srgbClr>
+                  </a:outerShdw>
+                </a:effectLst>
+                <a:latin typeface="微軟正黑體" panose="020B0604030504040204" pitchFamily="34" charset="-120"/>
+                <a:ea typeface="微軟正黑體" panose="020B0604030504040204" pitchFamily="34" charset="-120"/>
+              </a:rPr>
+              <a:t>零</a:t>
+            </a:r>
+            <a:r>
+              <a:rPr lang="en-US" altLang="zh-TW" sz="2000" b="1" dirty="0">
+                <a:effectLst>
+                  <a:outerShdw blurRad="38100" dist="38100" dir="2700000" algn="tl">
+                    <a:srgbClr val="000000">
+                      <a:alpha val="43137"/>
+                    </a:srgbClr>
+                  </a:outerShdw>
+                </a:effectLst>
+                <a:latin typeface="微軟正黑體" panose="020B0604030504040204" pitchFamily="34" charset="-120"/>
+                <a:ea typeface="微軟正黑體" panose="020B0604030504040204" pitchFamily="34" charset="-120"/>
+              </a:rPr>
+              <a:t>XML</a:t>
+            </a:r>
+            <a:endParaRPr lang="zh-TW" altLang="en-US" sz="2000" b="1" dirty="0">
+              <a:effectLst>
+                <a:outerShdw blurRad="38100" dist="38100" dir="2700000" algn="tl">
+                  <a:srgbClr val="000000">
+                    <a:alpha val="43137"/>
+                  </a:srgbClr>
+                </a:outerShdw>
+              </a:effectLst>
+              <a:latin typeface="微軟正黑體" panose="020B0604030504040204" pitchFamily="34" charset="-120"/>
+              <a:ea typeface="微軟正黑體" panose="020B0604030504040204" pitchFamily="34" charset="-120"/>
+            </a:endParaRPr>
+          </a:p>
+        </p:txBody>
+      </p:sp>
+      <p:pic>
+        <p:nvPicPr>
+          <p:cNvPr id="4098" name="Picture 2"/>
+          <p:cNvPicPr>
+            <a:picLocks noChangeAspect="1" noChangeArrowheads="1"/>
+          </p:cNvPicPr>
+          <p:nvPr/>
+        </p:nvPicPr>
+        <p:blipFill>
+          <a:blip r:embed="rId2">
+            <a:extLst>
+              <a:ext uri="{28A0092B-C50C-407E-A947-70E740481C1C}">
+                <a14:useLocalDpi xmlns:a14="http://schemas.microsoft.com/office/drawing/2010/main" val="0"/>
+              </a:ext>
+            </a:extLst>
+          </a:blip>
+          <a:srcRect/>
+          <a:stretch>
+            <a:fillRect/>
+          </a:stretch>
+        </p:blipFill>
+        <p:spPr bwMode="auto">
+          <a:xfrm>
+            <a:off x="5326662" y="1320800"/>
+            <a:ext cx="3594860" cy="3182257"/>
+          </a:xfrm>
+          <a:prstGeom prst="rect">
+            <a:avLst/>
+          </a:prstGeom>
+          <a:ln w="9525">
+            <a:solidFill>
+              <a:schemeClr val="tx1"/>
+            </a:solidFill>
+            <a:miter lim="800000"/>
+            <a:headEnd/>
+            <a:tailEnd/>
+          </a:ln>
+          <a:effectLst>
+            <a:outerShdw blurRad="190500" algn="tl" rotWithShape="0">
+              <a:srgbClr val="000000">
+                <a:alpha val="70000"/>
+              </a:srgbClr>
+            </a:outerShdw>
+          </a:effectLst>
+          <a:extLst>
+            <a:ext uri="{909E8E84-426E-40DD-AFC4-6F175D3DCCD1}">
+              <a14:hiddenFill xmlns:a14="http://schemas.microsoft.com/office/drawing/2010/main">
+                <a:solidFill>
+                  <a:schemeClr val="accent1"/>
+                </a:solidFill>
+              </a14:hiddenFill>
+            </a:ext>
+          </a:extLst>
+        </p:spPr>
+      </p:pic>
+      <p:pic>
+        <p:nvPicPr>
+          <p:cNvPr id="4" name="Picture 2"/>
+          <p:cNvPicPr>
+            <a:picLocks noChangeAspect="1" noChangeArrowheads="1"/>
+          </p:cNvPicPr>
+          <p:nvPr/>
+        </p:nvPicPr>
+        <p:blipFill>
+          <a:blip r:embed="rId3">
+            <a:extLst>
+              <a:ext uri="{28A0092B-C50C-407E-A947-70E740481C1C}">
+                <a14:useLocalDpi xmlns:a14="http://schemas.microsoft.com/office/drawing/2010/main" val="0"/>
+              </a:ext>
+            </a:extLst>
+          </a:blip>
+          <a:srcRect/>
+          <a:stretch>
+            <a:fillRect/>
+          </a:stretch>
+        </p:blipFill>
+        <p:spPr bwMode="auto">
+          <a:xfrm>
+            <a:off x="95513" y="533283"/>
+            <a:ext cx="4992915" cy="2689567"/>
+          </a:xfrm>
+          <a:prstGeom prst="rect">
+            <a:avLst/>
+          </a:prstGeom>
+          <a:ln w="9525">
+            <a:solidFill>
+              <a:schemeClr val="tx1"/>
+            </a:solidFill>
+            <a:miter lim="800000"/>
+            <a:headEnd/>
+            <a:tailEnd/>
+          </a:ln>
+          <a:effectLst>
+            <a:outerShdw blurRad="190500" algn="tl" rotWithShape="0">
+              <a:srgbClr val="000000">
+                <a:alpha val="70000"/>
+              </a:srgbClr>
+            </a:outerShdw>
+          </a:effectLst>
+          <a:extLst>
+            <a:ext uri="{909E8E84-426E-40DD-AFC4-6F175D3DCCD1}">
+              <a14:hiddenFill xmlns:a14="http://schemas.microsoft.com/office/drawing/2010/main">
+                <a:solidFill>
+                  <a:schemeClr val="accent1"/>
+                </a:solidFill>
+              </a14:hiddenFill>
+            </a:ext>
+          </a:extLst>
+        </p:spPr>
+      </p:pic>
+      <p:sp>
+        <p:nvSpPr>
+          <p:cNvPr id="5" name="向右箭號 4"/>
+          <p:cNvSpPr/>
+          <p:nvPr/>
+        </p:nvSpPr>
+        <p:spPr>
+          <a:xfrm rot="10800000">
+            <a:off x="747252" y="1563328"/>
+            <a:ext cx="462116" cy="452284"/>
+          </a:xfrm>
+          <a:prstGeom prst="rightArrow">
+            <a:avLst/>
+          </a:prstGeom>
+        </p:spPr>
+        <p:style>
+          <a:lnRef idx="2">
+            <a:schemeClr val="accent6">
+              <a:shade val="50000"/>
+            </a:schemeClr>
+          </a:lnRef>
+          <a:fillRef idx="1">
+            <a:schemeClr val="accent6"/>
+          </a:fillRef>
+          <a:effectRef idx="0">
+            <a:schemeClr val="accent6"/>
+          </a:effectRef>
+          <a:fontRef idx="minor">
+            <a:schemeClr val="lt1"/>
+          </a:fontRef>
+        </p:style>
+        <p:txBody>
+          <a:bodyPr rtlCol="0" anchor="ctr"/>
+          <a:lstStyle/>
+          <a:p>
+            <a:pPr algn="ctr"/>
+            <a:endParaRPr lang="zh-TW" altLang="en-US"/>
+          </a:p>
+        </p:txBody>
+      </p:sp>
+    </p:spTree>
+    <p:extLst>
+      <p:ext uri="{BB962C8B-B14F-4D97-AF65-F5344CB8AC3E}">
+        <p14:creationId xmlns:p14="http://schemas.microsoft.com/office/powerpoint/2010/main" val="1108628092"/>
+      </p:ext>
+    </p:extLst>
+  </p:cSld>
+  <p:clrMapOvr>
+    <a:masterClrMapping/>
+  </p:clrMapOvr>
+</p:sld>
+</file>
+
+<file path=ppt/slides/slide27.xml><?xml version="1.0" encoding="utf-8"?>
+<p:sld xmlns:a="http://schemas.openxmlformats.org/drawingml/2006/main" xmlns:r="http://schemas.openxmlformats.org/officeDocument/2006/relationships" xmlns:p="http://schemas.openxmlformats.org/presentationml/2006/main">
+  <p:cSld>
+    <p:spTree>
+      <p:nvGrpSpPr>
+        <p:cNvPr id="1" name=""/>
+        <p:cNvGrpSpPr/>
+        <p:nvPr/>
+      </p:nvGrpSpPr>
+      <p:grpSpPr>
+        <a:xfrm>
+          <a:off x="0" y="0"/>
+          <a:ext cx="0" cy="0"/>
+          <a:chOff x="0" y="0"/>
+          <a:chExt cx="0" cy="0"/>
+        </a:xfrm>
+      </p:grpSpPr>
+      <p:sp>
+        <p:nvSpPr>
+          <p:cNvPr id="2" name="標題 1"/>
+          <p:cNvSpPr>
+            <a:spLocks noGrp="1"/>
+          </p:cNvSpPr>
+          <p:nvPr>
+            <p:ph type="ctrTitle"/>
+          </p:nvPr>
+        </p:nvSpPr>
+        <p:spPr>
+          <a:xfrm>
+            <a:off x="0" y="-8603"/>
+            <a:ext cx="9144000" cy="392061"/>
+          </a:xfrm>
+          <a:solidFill>
+            <a:schemeClr val="bg1">
+              <a:lumMod val="50000"/>
+            </a:schemeClr>
+          </a:solidFill>
+        </p:spPr>
+        <p:style>
+          <a:lnRef idx="1">
+            <a:schemeClr val="dk1"/>
+          </a:lnRef>
+          <a:fillRef idx="3">
+            <a:schemeClr val="dk1"/>
+          </a:fillRef>
+          <a:effectRef idx="2">
+            <a:schemeClr val="dk1"/>
+          </a:effectRef>
+          <a:fontRef idx="minor">
+            <a:schemeClr val="lt1"/>
+          </a:fontRef>
+        </p:style>
+        <p:txBody>
+          <a:bodyPr vert="horz" lIns="91440" tIns="45720" rIns="91440" bIns="45720" rtlCol="0" anchor="ctr">
+            <a:noAutofit/>
+          </a:bodyPr>
+          <a:lstStyle/>
+          <a:p>
+            <a:r>
+              <a:rPr lang="en-US" altLang="zh-TW" sz="2000" b="1" dirty="0">
+                <a:effectLst>
+                  <a:outerShdw blurRad="38100" dist="38100" dir="2700000" algn="tl">
+                    <a:srgbClr val="000000">
+                      <a:alpha val="43137"/>
+                    </a:srgbClr>
+                  </a:outerShdw>
+                </a:effectLst>
+                <a:latin typeface="微軟正黑體" panose="020B0604030504040204" pitchFamily="34" charset="-120"/>
+                <a:ea typeface="微軟正黑體" panose="020B0604030504040204" pitchFamily="34" charset="-120"/>
+              </a:rPr>
+              <a:t>Spring 5</a:t>
+            </a:r>
+            <a:r>
+              <a:rPr lang="zh-TW" altLang="en-US" sz="2000" b="1" dirty="0">
+                <a:effectLst>
+                  <a:outerShdw blurRad="38100" dist="38100" dir="2700000" algn="tl">
+                    <a:srgbClr val="000000">
+                      <a:alpha val="43137"/>
+                    </a:srgbClr>
+                  </a:outerShdw>
+                </a:effectLst>
+                <a:latin typeface="微軟正黑體" panose="020B0604030504040204" pitchFamily="34" charset="-120"/>
+                <a:ea typeface="微軟正黑體" panose="020B0604030504040204" pitchFamily="34" charset="-120"/>
+              </a:rPr>
+              <a:t> </a:t>
+            </a:r>
+            <a:r>
+              <a:rPr lang="en-US" altLang="zh-TW" sz="2000" b="1" dirty="0">
+                <a:effectLst>
+                  <a:outerShdw blurRad="38100" dist="38100" dir="2700000" algn="tl">
+                    <a:srgbClr val="000000">
+                      <a:alpha val="43137"/>
+                    </a:srgbClr>
+                  </a:outerShdw>
+                </a:effectLst>
+                <a:latin typeface="微軟正黑體" panose="020B0604030504040204" pitchFamily="34" charset="-120"/>
+                <a:ea typeface="微軟正黑體" panose="020B0604030504040204" pitchFamily="34" charset="-120"/>
+              </a:rPr>
+              <a:t>MVC – </a:t>
+            </a:r>
+            <a:r>
+              <a:rPr lang="zh-TW" altLang="en-US" sz="2000" b="1" dirty="0">
+                <a:effectLst>
+                  <a:outerShdw blurRad="38100" dist="38100" dir="2700000" algn="tl">
+                    <a:srgbClr val="000000">
+                      <a:alpha val="43137"/>
+                    </a:srgbClr>
+                  </a:outerShdw>
+                </a:effectLst>
+                <a:latin typeface="微軟正黑體" panose="020B0604030504040204" pitchFamily="34" charset="-120"/>
+                <a:ea typeface="微軟正黑體" panose="020B0604030504040204" pitchFamily="34" charset="-120"/>
+              </a:rPr>
+              <a:t>零</a:t>
+            </a:r>
+            <a:r>
+              <a:rPr lang="en-US" altLang="zh-TW" sz="2000" b="1" dirty="0">
+                <a:effectLst>
+                  <a:outerShdw blurRad="38100" dist="38100" dir="2700000" algn="tl">
+                    <a:srgbClr val="000000">
+                      <a:alpha val="43137"/>
+                    </a:srgbClr>
+                  </a:outerShdw>
+                </a:effectLst>
+                <a:latin typeface="微軟正黑體" panose="020B0604030504040204" pitchFamily="34" charset="-120"/>
+                <a:ea typeface="微軟正黑體" panose="020B0604030504040204" pitchFamily="34" charset="-120"/>
+              </a:rPr>
+              <a:t>XML</a:t>
+            </a:r>
+            <a:endParaRPr lang="zh-TW" altLang="en-US" sz="2000" b="1" dirty="0">
+              <a:effectLst>
+                <a:outerShdw blurRad="38100" dist="38100" dir="2700000" algn="tl">
+                  <a:srgbClr val="000000">
+                    <a:alpha val="43137"/>
+                  </a:srgbClr>
+                </a:outerShdw>
+              </a:effectLst>
+              <a:latin typeface="微軟正黑體" panose="020B0604030504040204" pitchFamily="34" charset="-120"/>
+              <a:ea typeface="微軟正黑體" panose="020B0604030504040204" pitchFamily="34" charset="-120"/>
+            </a:endParaRPr>
+          </a:p>
+        </p:txBody>
+      </p:sp>
+      <p:pic>
+        <p:nvPicPr>
+          <p:cNvPr id="5122" name="Picture 2"/>
+          <p:cNvPicPr>
+            <a:picLocks noChangeAspect="1" noChangeArrowheads="1"/>
+          </p:cNvPicPr>
+          <p:nvPr/>
+        </p:nvPicPr>
+        <p:blipFill>
+          <a:blip r:embed="rId2">
+            <a:extLst>
+              <a:ext uri="{28A0092B-C50C-407E-A947-70E740481C1C}">
+                <a14:useLocalDpi xmlns:a14="http://schemas.microsoft.com/office/drawing/2010/main" val="0"/>
+              </a:ext>
+            </a:extLst>
+          </a:blip>
+          <a:srcRect/>
+          <a:stretch>
+            <a:fillRect/>
+          </a:stretch>
+        </p:blipFill>
+        <p:spPr bwMode="auto">
+          <a:xfrm>
+            <a:off x="5293457" y="812800"/>
+            <a:ext cx="3660042" cy="3757384"/>
+          </a:xfrm>
+          <a:prstGeom prst="rect">
+            <a:avLst/>
+          </a:prstGeom>
+          <a:ln w="9525">
+            <a:solidFill>
+              <a:schemeClr val="tx1"/>
+            </a:solidFill>
+            <a:miter lim="800000"/>
+            <a:headEnd/>
+            <a:tailEnd/>
+          </a:ln>
+          <a:effectLst>
+            <a:outerShdw blurRad="190500" algn="tl" rotWithShape="0">
+              <a:srgbClr val="000000">
+                <a:alpha val="70000"/>
+              </a:srgbClr>
+            </a:outerShdw>
+          </a:effectLst>
+          <a:extLst>
+            <a:ext uri="{909E8E84-426E-40DD-AFC4-6F175D3DCCD1}">
+              <a14:hiddenFill xmlns:a14="http://schemas.microsoft.com/office/drawing/2010/main">
+                <a:solidFill>
+                  <a:schemeClr val="accent1"/>
+                </a:solidFill>
+              </a14:hiddenFill>
+            </a:ext>
+          </a:extLst>
+        </p:spPr>
+      </p:pic>
+      <p:pic>
+        <p:nvPicPr>
+          <p:cNvPr id="4" name="Picture 2"/>
+          <p:cNvPicPr>
+            <a:picLocks noChangeAspect="1" noChangeArrowheads="1"/>
+          </p:cNvPicPr>
+          <p:nvPr/>
+        </p:nvPicPr>
+        <p:blipFill>
+          <a:blip r:embed="rId3">
+            <a:extLst>
+              <a:ext uri="{28A0092B-C50C-407E-A947-70E740481C1C}">
+                <a14:useLocalDpi xmlns:a14="http://schemas.microsoft.com/office/drawing/2010/main" val="0"/>
+              </a:ext>
+            </a:extLst>
+          </a:blip>
+          <a:srcRect/>
+          <a:stretch>
+            <a:fillRect/>
+          </a:stretch>
+        </p:blipFill>
+        <p:spPr bwMode="auto">
+          <a:xfrm>
+            <a:off x="95513" y="533283"/>
+            <a:ext cx="4992915" cy="2689567"/>
+          </a:xfrm>
+          <a:prstGeom prst="rect">
+            <a:avLst/>
+          </a:prstGeom>
+          <a:ln w="9525">
+            <a:solidFill>
+              <a:schemeClr val="tx1"/>
+            </a:solidFill>
+            <a:miter lim="800000"/>
+            <a:headEnd/>
+            <a:tailEnd/>
+          </a:ln>
+          <a:effectLst>
+            <a:outerShdw blurRad="190500" algn="tl" rotWithShape="0">
+              <a:srgbClr val="000000">
+                <a:alpha val="70000"/>
+              </a:srgbClr>
+            </a:outerShdw>
+          </a:effectLst>
+          <a:extLst>
+            <a:ext uri="{909E8E84-426E-40DD-AFC4-6F175D3DCCD1}">
+              <a14:hiddenFill xmlns:a14="http://schemas.microsoft.com/office/drawing/2010/main">
+                <a:solidFill>
+                  <a:schemeClr val="accent1"/>
+                </a:solidFill>
+              </a14:hiddenFill>
+            </a:ext>
+          </a:extLst>
+        </p:spPr>
+      </p:pic>
+      <p:sp>
+        <p:nvSpPr>
+          <p:cNvPr id="5" name="向右箭號 4"/>
+          <p:cNvSpPr/>
+          <p:nvPr/>
+        </p:nvSpPr>
+        <p:spPr>
+          <a:xfrm rot="8377278">
+            <a:off x="3299951" y="2604727"/>
+            <a:ext cx="462116" cy="452284"/>
+          </a:xfrm>
+          <a:prstGeom prst="rightArrow">
+            <a:avLst/>
+          </a:prstGeom>
+        </p:spPr>
+        <p:style>
+          <a:lnRef idx="2">
+            <a:schemeClr val="accent6">
+              <a:shade val="50000"/>
+            </a:schemeClr>
+          </a:lnRef>
+          <a:fillRef idx="1">
+            <a:schemeClr val="accent6"/>
+          </a:fillRef>
+          <a:effectRef idx="0">
+            <a:schemeClr val="accent6"/>
+          </a:effectRef>
+          <a:fontRef idx="minor">
+            <a:schemeClr val="lt1"/>
+          </a:fontRef>
+        </p:style>
+        <p:txBody>
+          <a:bodyPr rtlCol="0" anchor="ctr"/>
+          <a:lstStyle/>
+          <a:p>
+            <a:pPr algn="ctr"/>
+            <a:endParaRPr lang="zh-TW" altLang="en-US"/>
+          </a:p>
+        </p:txBody>
+      </p:sp>
+      <p:sp>
+        <p:nvSpPr>
+          <p:cNvPr id="6" name="矩形 5"/>
+          <p:cNvSpPr/>
+          <p:nvPr/>
+        </p:nvSpPr>
+        <p:spPr>
+          <a:xfrm>
+            <a:off x="5850339" y="2062870"/>
+            <a:ext cx="1642661" cy="667629"/>
+          </a:xfrm>
+          <a:prstGeom prst="rect">
+            <a:avLst/>
+          </a:prstGeom>
+          <a:solidFill>
+            <a:srgbClr val="FF0F0F">
+              <a:alpha val="30196"/>
+            </a:srgbClr>
+          </a:solidFill>
+          <a:ln w="3175">
+            <a:noFill/>
+            <a:prstDash val="sysDot"/>
+          </a:ln>
+        </p:spPr>
+        <p:style>
+          <a:lnRef idx="2">
+            <a:schemeClr val="accent1">
+              <a:shade val="50000"/>
+            </a:schemeClr>
+          </a:lnRef>
+          <a:fillRef idx="1">
+            <a:schemeClr val="accent1"/>
+          </a:fillRef>
+          <a:effectRef idx="0">
+            <a:schemeClr val="accent1"/>
+          </a:effectRef>
+          <a:fontRef idx="minor">
+            <a:schemeClr val="lt1"/>
+          </a:fontRef>
+        </p:style>
+        <p:txBody>
+          <a:bodyPr rtlCol="0" anchor="ctr"/>
+          <a:lstStyle/>
+          <a:p>
+            <a:pPr algn="ctr"/>
+            <a:endParaRPr lang="zh-TW" altLang="en-US"/>
+          </a:p>
+        </p:txBody>
+      </p:sp>
+      <p:sp>
+        <p:nvSpPr>
+          <p:cNvPr id="7" name="矩形 6"/>
+          <p:cNvSpPr/>
+          <p:nvPr/>
+        </p:nvSpPr>
+        <p:spPr>
+          <a:xfrm>
+            <a:off x="5812239" y="3663070"/>
+            <a:ext cx="1642661" cy="667629"/>
+          </a:xfrm>
+          <a:prstGeom prst="rect">
+            <a:avLst/>
+          </a:prstGeom>
+          <a:solidFill>
+            <a:srgbClr val="FF0F0F">
+              <a:alpha val="30196"/>
+            </a:srgbClr>
+          </a:solidFill>
+          <a:ln w="3175">
+            <a:noFill/>
+            <a:prstDash val="sysDot"/>
+          </a:ln>
+        </p:spPr>
+        <p:style>
+          <a:lnRef idx="2">
+            <a:schemeClr val="accent1">
+              <a:shade val="50000"/>
+            </a:schemeClr>
+          </a:lnRef>
+          <a:fillRef idx="1">
+            <a:schemeClr val="accent1"/>
+          </a:fillRef>
+          <a:effectRef idx="0">
+            <a:schemeClr val="accent1"/>
+          </a:effectRef>
+          <a:fontRef idx="minor">
+            <a:schemeClr val="lt1"/>
+          </a:fontRef>
+        </p:style>
+        <p:txBody>
+          <a:bodyPr rtlCol="0" anchor="ctr"/>
+          <a:lstStyle/>
+          <a:p>
+            <a:pPr algn="ctr"/>
+            <a:endParaRPr lang="zh-TW" altLang="en-US"/>
+          </a:p>
+        </p:txBody>
+      </p:sp>
+    </p:spTree>
+    <p:extLst>
+      <p:ext uri="{BB962C8B-B14F-4D97-AF65-F5344CB8AC3E}">
+        <p14:creationId xmlns:p14="http://schemas.microsoft.com/office/powerpoint/2010/main" val="1108628092"/>
+      </p:ext>
+    </p:extLst>
+  </p:cSld>
+  <p:clrMapOvr>
+    <a:masterClrMapping/>
+  </p:clrMapOvr>
+</p:sld>
+</file>
+
+<file path=ppt/slides/slide28.xml><?xml version="1.0" encoding="utf-8"?>
+<p:sld xmlns:a="http://schemas.openxmlformats.org/drawingml/2006/main" xmlns:r="http://schemas.openxmlformats.org/officeDocument/2006/relationships" xmlns:p="http://schemas.openxmlformats.org/presentationml/2006/main">
+  <p:cSld>
+    <p:spTree>
+      <p:nvGrpSpPr>
+        <p:cNvPr id="1" name=""/>
+        <p:cNvGrpSpPr/>
+        <p:nvPr/>
+      </p:nvGrpSpPr>
+      <p:grpSpPr>
+        <a:xfrm>
+          <a:off x="0" y="0"/>
+          <a:ext cx="0" cy="0"/>
+          <a:chOff x="0" y="0"/>
+          <a:chExt cx="0" cy="0"/>
+        </a:xfrm>
+      </p:grpSpPr>
+      <p:sp>
+        <p:nvSpPr>
+          <p:cNvPr id="2" name="標題 1"/>
+          <p:cNvSpPr>
+            <a:spLocks noGrp="1"/>
+          </p:cNvSpPr>
+          <p:nvPr>
+            <p:ph type="ctrTitle"/>
+          </p:nvPr>
+        </p:nvSpPr>
+        <p:spPr>
+          <a:xfrm>
+            <a:off x="0" y="-8603"/>
+            <a:ext cx="9144000" cy="392061"/>
+          </a:xfrm>
+          <a:solidFill>
+            <a:srgbClr val="C00000"/>
+          </a:solidFill>
+          <a:scene3d>
+            <a:camera prst="orthographicFront"/>
+            <a:lightRig rig="threePt" dir="t"/>
+          </a:scene3d>
+          <a:sp3d>
+            <a:bevelT/>
+          </a:sp3d>
+        </p:spPr>
+        <p:style>
+          <a:lnRef idx="1">
+            <a:schemeClr val="dk1"/>
+          </a:lnRef>
+          <a:fillRef idx="3">
+            <a:schemeClr val="dk1"/>
+          </a:fillRef>
+          <a:effectRef idx="2">
+            <a:schemeClr val="dk1"/>
+          </a:effectRef>
+          <a:fontRef idx="minor">
+            <a:schemeClr val="lt1"/>
+          </a:fontRef>
+        </p:style>
+        <p:txBody>
+          <a:bodyPr vert="horz" lIns="91440" tIns="45720" rIns="91440" bIns="45720" rtlCol="0" anchor="ctr">
+            <a:noAutofit/>
+          </a:bodyPr>
+          <a:lstStyle/>
+          <a:p>
+            <a:r>
+              <a:rPr lang="zh-TW" altLang="en-US" sz="2000" b="1" dirty="0" smtClean="0">
+                <a:effectLst>
+                  <a:outerShdw blurRad="38100" dist="38100" dir="2700000" algn="tl">
+                    <a:srgbClr val="000000">
+                      <a:alpha val="43137"/>
+                    </a:srgbClr>
+                  </a:outerShdw>
+                </a:effectLst>
+                <a:latin typeface="微軟正黑體" panose="020B0604030504040204" pitchFamily="34" charset="-120"/>
+                <a:ea typeface="微軟正黑體" panose="020B0604030504040204" pitchFamily="34" charset="-120"/>
+              </a:rPr>
+              <a:t>檔案 </a:t>
+            </a:r>
+            <a:r>
+              <a:rPr lang="en-US" altLang="zh-TW" sz="2000" b="1" dirty="0" smtClean="0">
+                <a:effectLst>
+                  <a:outerShdw blurRad="38100" dist="38100" dir="2700000" algn="tl">
+                    <a:srgbClr val="000000">
+                      <a:alpha val="43137"/>
+                    </a:srgbClr>
+                  </a:outerShdw>
+                </a:effectLst>
+                <a:latin typeface="微軟正黑體" panose="020B0604030504040204" pitchFamily="34" charset="-120"/>
+                <a:ea typeface="微軟正黑體" panose="020B0604030504040204" pitchFamily="34" charset="-120"/>
+              </a:rPr>
+              <a:t>- GitHub</a:t>
+            </a:r>
+            <a:endParaRPr lang="zh-TW" altLang="en-US" sz="2000" b="1" dirty="0">
+              <a:effectLst>
+                <a:outerShdw blurRad="38100" dist="38100" dir="2700000" algn="tl">
+                  <a:srgbClr val="000000">
+                    <a:alpha val="43137"/>
+                  </a:srgbClr>
+                </a:outerShdw>
+              </a:effectLst>
+              <a:latin typeface="微軟正黑體" panose="020B0604030504040204" pitchFamily="34" charset="-120"/>
+              <a:ea typeface="微軟正黑體" panose="020B0604030504040204" pitchFamily="34" charset="-120"/>
+            </a:endParaRPr>
+          </a:p>
+        </p:txBody>
+      </p:sp>
+      <p:pic>
+        <p:nvPicPr>
+          <p:cNvPr id="1026" name="Picture 2"/>
+          <p:cNvPicPr>
+            <a:picLocks noChangeAspect="1" noChangeArrowheads="1"/>
+          </p:cNvPicPr>
+          <p:nvPr/>
+        </p:nvPicPr>
+        <p:blipFill>
+          <a:blip r:embed="rId2">
+            <a:extLst>
+              <a:ext uri="{28A0092B-C50C-407E-A947-70E740481C1C}">
+                <a14:useLocalDpi xmlns:a14="http://schemas.microsoft.com/office/drawing/2010/main" val="0"/>
+              </a:ext>
+            </a:extLst>
+          </a:blip>
+          <a:srcRect/>
+          <a:stretch>
+            <a:fillRect/>
+          </a:stretch>
+        </p:blipFill>
+        <p:spPr bwMode="auto">
+          <a:xfrm>
+            <a:off x="1697038" y="600075"/>
+            <a:ext cx="5267325" cy="3714750"/>
           </a:xfrm>
           <a:prstGeom prst="rect">
             <a:avLst/>
@@ -8294,79 +9126,44 @@
           </a:extLst>
         </p:spPr>
       </p:pic>
-    </p:spTree>
-    <p:extLst>
-      <p:ext uri="{BB962C8B-B14F-4D97-AF65-F5344CB8AC3E}">
-        <p14:creationId xmlns:p14="http://schemas.microsoft.com/office/powerpoint/2010/main" val="2106763565"/>
-      </p:ext>
-    </p:extLst>
-  </p:cSld>
-  <p:clrMapOvr>
-    <a:masterClrMapping/>
-  </p:clrMapOvr>
-</p:sld>
-</file>
-
-<file path=ppt/slides/slide26.xml><?xml version="1.0" encoding="utf-8"?>
-<p:sld xmlns:a="http://schemas.openxmlformats.org/drawingml/2006/main" xmlns:r="http://schemas.openxmlformats.org/officeDocument/2006/relationships" xmlns:p="http://schemas.openxmlformats.org/presentationml/2006/main">
-  <p:cSld>
-    <p:spTree>
-      <p:nvGrpSpPr>
-        <p:cNvPr id="1" name=""/>
-        <p:cNvGrpSpPr/>
-        <p:nvPr/>
-      </p:nvGrpSpPr>
-      <p:grpSpPr>
-        <a:xfrm>
-          <a:off x="0" y="0"/>
-          <a:ext cx="0" cy="0"/>
-          <a:chOff x="0" y="0"/>
-          <a:chExt cx="0" cy="0"/>
-        </a:xfrm>
-      </p:grpSpPr>
-      <p:sp>
-        <p:nvSpPr>
-          <p:cNvPr id="2" name="標題 1"/>
-          <p:cNvSpPr>
-            <a:spLocks noGrp="1"/>
-          </p:cNvSpPr>
-          <p:nvPr>
-            <p:ph type="ctrTitle"/>
-          </p:nvPr>
+      <p:sp>
+        <p:nvSpPr>
+          <p:cNvPr id="3" name="矩形 2"/>
+          <p:cNvSpPr/>
+          <p:nvPr/>
         </p:nvSpPr>
         <p:spPr>
           <a:xfrm>
-            <a:off x="0" y="-8603"/>
-            <a:ext cx="9144000" cy="392061"/>
-          </a:xfrm>
-          <a:solidFill>
-            <a:schemeClr val="bg1">
-              <a:lumMod val="50000"/>
-            </a:schemeClr>
-          </a:solidFill>
+            <a:off x="3035300" y="4774168"/>
+            <a:ext cx="6108700" cy="369332"/>
+          </a:xfrm>
+          <a:prstGeom prst="rect">
+            <a:avLst/>
+          </a:prstGeom>
         </p:spPr>
         <p:style>
           <a:lnRef idx="1">
-            <a:schemeClr val="dk1"/>
+            <a:schemeClr val="accent2"/>
           </a:lnRef>
           <a:fillRef idx="3">
-            <a:schemeClr val="dk1"/>
+            <a:schemeClr val="accent2"/>
           </a:fillRef>
           <a:effectRef idx="2">
-            <a:schemeClr val="dk1"/>
+            <a:schemeClr val="accent2"/>
           </a:effectRef>
           <a:fontRef idx="minor">
             <a:schemeClr val="lt1"/>
           </a:fontRef>
         </p:style>
         <p:txBody>
-          <a:bodyPr vert="horz" lIns="91440" tIns="45720" rIns="91440" bIns="45720" rtlCol="0" anchor="ctr">
-            <a:noAutofit/>
+          <a:bodyPr wrap="square">
+            <a:spAutoFit/>
           </a:bodyPr>
           <a:lstStyle/>
           <a:p>
-            <a:r>
-              <a:rPr lang="en-US" altLang="zh-TW" sz="2000" b="1" dirty="0">
+            <a:pPr algn="ctr"/>
+            <a:r>
+              <a:rPr lang="en-US" altLang="zh-TW" b="1" dirty="0">
                 <a:effectLst>
                   <a:outerShdw blurRad="38100" dist="38100" dir="2700000" algn="tl">
                     <a:srgbClr val="000000">
@@ -8374,68 +9171,10 @@
                     </a:srgbClr>
                   </a:outerShdw>
                 </a:effectLst>
-                <a:latin typeface="微軟正黑體" panose="020B0604030504040204" pitchFamily="34" charset="-120"/>
-                <a:ea typeface="微軟正黑體" panose="020B0604030504040204" pitchFamily="34" charset="-120"/>
-              </a:rPr>
-              <a:t>Spring 5</a:t>
-            </a:r>
-            <a:r>
-              <a:rPr lang="zh-TW" altLang="en-US" sz="2000" b="1" dirty="0">
-                <a:effectLst>
-                  <a:outerShdw blurRad="38100" dist="38100" dir="2700000" algn="tl">
-                    <a:srgbClr val="000000">
-                      <a:alpha val="43137"/>
-                    </a:srgbClr>
-                  </a:outerShdw>
-                </a:effectLst>
-                <a:latin typeface="微軟正黑體" panose="020B0604030504040204" pitchFamily="34" charset="-120"/>
-                <a:ea typeface="微軟正黑體" panose="020B0604030504040204" pitchFamily="34" charset="-120"/>
-              </a:rPr>
-              <a:t> </a:t>
-            </a:r>
-            <a:r>
-              <a:rPr lang="en-US" altLang="zh-TW" sz="2000" b="1" dirty="0">
-                <a:effectLst>
-                  <a:outerShdw blurRad="38100" dist="38100" dir="2700000" algn="tl">
-                    <a:srgbClr val="000000">
-                      <a:alpha val="43137"/>
-                    </a:srgbClr>
-                  </a:outerShdw>
-                </a:effectLst>
-                <a:latin typeface="微軟正黑體" panose="020B0604030504040204" pitchFamily="34" charset="-120"/>
-                <a:ea typeface="微軟正黑體" panose="020B0604030504040204" pitchFamily="34" charset="-120"/>
-              </a:rPr>
-              <a:t>MVC – </a:t>
-            </a:r>
-            <a:r>
-              <a:rPr lang="zh-TW" altLang="en-US" sz="2000" b="1" dirty="0">
-                <a:effectLst>
-                  <a:outerShdw blurRad="38100" dist="38100" dir="2700000" algn="tl">
-                    <a:srgbClr val="000000">
-                      <a:alpha val="43137"/>
-                    </a:srgbClr>
-                  </a:outerShdw>
-                </a:effectLst>
-                <a:latin typeface="微軟正黑體" panose="020B0604030504040204" pitchFamily="34" charset="-120"/>
-                <a:ea typeface="微軟正黑體" panose="020B0604030504040204" pitchFamily="34" charset="-120"/>
-              </a:rPr>
-              <a:t>零</a:t>
-            </a:r>
-            <a:r>
-              <a:rPr lang="en-US" altLang="zh-TW" sz="2000" b="1" dirty="0">
-                <a:effectLst>
-                  <a:outerShdw blurRad="38100" dist="38100" dir="2700000" algn="tl">
-                    <a:srgbClr val="000000">
-                      <a:alpha val="43137"/>
-                    </a:srgbClr>
-                  </a:outerShdw>
-                </a:effectLst>
-                <a:latin typeface="微軟正黑體" panose="020B0604030504040204" pitchFamily="34" charset="-120"/>
-                <a:ea typeface="微軟正黑體" panose="020B0604030504040204" pitchFamily="34" charset="-120"/>
-              </a:rPr>
-              <a:t>XML</a:t>
-            </a:r>
-            <a:endParaRPr lang="zh-TW" altLang="en-US" sz="2000" b="1" dirty="0">
+              </a:rPr>
+              <a:t>https://github.com/sobadrush/Spring5_MVC_Git</a:t>
+            </a:r>
+            <a:endParaRPr lang="zh-TW" altLang="en-US" b="1" dirty="0">
               <a:effectLst>
                 <a:outerShdw blurRad="38100" dist="38100" dir="2700000" algn="tl">
                   <a:srgbClr val="000000">
@@ -8443,705 +9182,6 @@
                   </a:srgbClr>
                 </a:outerShdw>
               </a:effectLst>
-              <a:latin typeface="微軟正黑體" panose="020B0604030504040204" pitchFamily="34" charset="-120"/>
-              <a:ea typeface="微軟正黑體" panose="020B0604030504040204" pitchFamily="34" charset="-120"/>
-            </a:endParaRPr>
-          </a:p>
-        </p:txBody>
-      </p:sp>
-      <p:pic>
-        <p:nvPicPr>
-          <p:cNvPr id="4098" name="Picture 2"/>
-          <p:cNvPicPr>
-            <a:picLocks noChangeAspect="1" noChangeArrowheads="1"/>
-          </p:cNvPicPr>
-          <p:nvPr/>
-        </p:nvPicPr>
-        <p:blipFill>
-          <a:blip r:embed="rId2">
-            <a:extLst>
-              <a:ext uri="{28A0092B-C50C-407E-A947-70E740481C1C}">
-                <a14:useLocalDpi xmlns:a14="http://schemas.microsoft.com/office/drawing/2010/main" val="0"/>
-              </a:ext>
-            </a:extLst>
-          </a:blip>
-          <a:srcRect/>
-          <a:stretch>
-            <a:fillRect/>
-          </a:stretch>
-        </p:blipFill>
-        <p:spPr bwMode="auto">
-          <a:xfrm>
-            <a:off x="5326662" y="1320800"/>
-            <a:ext cx="3594860" cy="3182257"/>
-          </a:xfrm>
-          <a:prstGeom prst="rect">
-            <a:avLst/>
-          </a:prstGeom>
-          <a:ln w="9525">
-            <a:solidFill>
-              <a:schemeClr val="tx1"/>
-            </a:solidFill>
-            <a:miter lim="800000"/>
-            <a:headEnd/>
-            <a:tailEnd/>
-          </a:ln>
-          <a:effectLst>
-            <a:outerShdw blurRad="190500" algn="tl" rotWithShape="0">
-              <a:srgbClr val="000000">
-                <a:alpha val="70000"/>
-              </a:srgbClr>
-            </a:outerShdw>
-          </a:effectLst>
-          <a:extLst>
-            <a:ext uri="{909E8E84-426E-40DD-AFC4-6F175D3DCCD1}">
-              <a14:hiddenFill xmlns:a14="http://schemas.microsoft.com/office/drawing/2010/main">
-                <a:solidFill>
-                  <a:schemeClr val="accent1"/>
-                </a:solidFill>
-              </a14:hiddenFill>
-            </a:ext>
-            <a:ext uri="{91240B29-F687-4F45-9708-019B960494DF}">
-              <a14:hiddenLine xmlns:a14="http://schemas.microsoft.com/office/drawing/2010/main" w="9525">
-                <a:solidFill>
-                  <a:schemeClr val="tx1"/>
-                </a:solidFill>
-                <a:miter lim="800000"/>
-                <a:headEnd/>
-                <a:tailEnd/>
-              </a14:hiddenLine>
-            </a:ext>
-          </a:extLst>
-        </p:spPr>
-      </p:pic>
-      <p:pic>
-        <p:nvPicPr>
-          <p:cNvPr id="4" name="Picture 2"/>
-          <p:cNvPicPr>
-            <a:picLocks noChangeAspect="1" noChangeArrowheads="1"/>
-          </p:cNvPicPr>
-          <p:nvPr/>
-        </p:nvPicPr>
-        <p:blipFill>
-          <a:blip r:embed="rId3">
-            <a:extLst>
-              <a:ext uri="{28A0092B-C50C-407E-A947-70E740481C1C}">
-                <a14:useLocalDpi xmlns:a14="http://schemas.microsoft.com/office/drawing/2010/main" val="0"/>
-              </a:ext>
-            </a:extLst>
-          </a:blip>
-          <a:srcRect/>
-          <a:stretch>
-            <a:fillRect/>
-          </a:stretch>
-        </p:blipFill>
-        <p:spPr bwMode="auto">
-          <a:xfrm>
-            <a:off x="95513" y="533283"/>
-            <a:ext cx="4992915" cy="2689567"/>
-          </a:xfrm>
-          <a:prstGeom prst="rect">
-            <a:avLst/>
-          </a:prstGeom>
-          <a:ln w="9525">
-            <a:solidFill>
-              <a:schemeClr val="tx1"/>
-            </a:solidFill>
-            <a:miter lim="800000"/>
-            <a:headEnd/>
-            <a:tailEnd/>
-          </a:ln>
-          <a:effectLst>
-            <a:outerShdw blurRad="190500" algn="tl" rotWithShape="0">
-              <a:srgbClr val="000000">
-                <a:alpha val="70000"/>
-              </a:srgbClr>
-            </a:outerShdw>
-          </a:effectLst>
-          <a:extLst>
-            <a:ext uri="{909E8E84-426E-40DD-AFC4-6F175D3DCCD1}">
-              <a14:hiddenFill xmlns:a14="http://schemas.microsoft.com/office/drawing/2010/main">
-                <a:solidFill>
-                  <a:schemeClr val="accent1"/>
-                </a:solidFill>
-              </a14:hiddenFill>
-            </a:ext>
-            <a:ext uri="{91240B29-F687-4F45-9708-019B960494DF}">
-              <a14:hiddenLine xmlns:a14="http://schemas.microsoft.com/office/drawing/2010/main" w="9525">
-                <a:solidFill>
-                  <a:schemeClr val="tx1"/>
-                </a:solidFill>
-                <a:miter lim="800000"/>
-                <a:headEnd/>
-                <a:tailEnd/>
-              </a14:hiddenLine>
-            </a:ext>
-          </a:extLst>
-        </p:spPr>
-      </p:pic>
-      <p:sp>
-        <p:nvSpPr>
-          <p:cNvPr id="5" name="向右箭號 4"/>
-          <p:cNvSpPr/>
-          <p:nvPr/>
-        </p:nvSpPr>
-        <p:spPr>
-          <a:xfrm rot="10800000">
-            <a:off x="747252" y="1563328"/>
-            <a:ext cx="462116" cy="452284"/>
-          </a:xfrm>
-          <a:prstGeom prst="rightArrow">
-            <a:avLst/>
-          </a:prstGeom>
-        </p:spPr>
-        <p:style>
-          <a:lnRef idx="2">
-            <a:schemeClr val="accent6">
-              <a:shade val="50000"/>
-            </a:schemeClr>
-          </a:lnRef>
-          <a:fillRef idx="1">
-            <a:schemeClr val="accent6"/>
-          </a:fillRef>
-          <a:effectRef idx="0">
-            <a:schemeClr val="accent6"/>
-          </a:effectRef>
-          <a:fontRef idx="minor">
-            <a:schemeClr val="lt1"/>
-          </a:fontRef>
-        </p:style>
-        <p:txBody>
-          <a:bodyPr rtlCol="0" anchor="ctr"/>
-          <a:lstStyle/>
-          <a:p>
-            <a:pPr algn="ctr"/>
-            <a:endParaRPr lang="zh-TW" altLang="en-US"/>
-          </a:p>
-        </p:txBody>
-      </p:sp>
-    </p:spTree>
-    <p:extLst>
-      <p:ext uri="{BB962C8B-B14F-4D97-AF65-F5344CB8AC3E}">
-        <p14:creationId xmlns:p14="http://schemas.microsoft.com/office/powerpoint/2010/main" val="1108628092"/>
-      </p:ext>
-    </p:extLst>
-  </p:cSld>
-  <p:clrMapOvr>
-    <a:masterClrMapping/>
-  </p:clrMapOvr>
-</p:sld>
-</file>
-
-<file path=ppt/slides/slide27.xml><?xml version="1.0" encoding="utf-8"?>
-<p:sld xmlns:a="http://schemas.openxmlformats.org/drawingml/2006/main" xmlns:r="http://schemas.openxmlformats.org/officeDocument/2006/relationships" xmlns:p="http://schemas.openxmlformats.org/presentationml/2006/main">
-  <p:cSld>
-    <p:spTree>
-      <p:nvGrpSpPr>
-        <p:cNvPr id="1" name=""/>
-        <p:cNvGrpSpPr/>
-        <p:nvPr/>
-      </p:nvGrpSpPr>
-      <p:grpSpPr>
-        <a:xfrm>
-          <a:off x="0" y="0"/>
-          <a:ext cx="0" cy="0"/>
-          <a:chOff x="0" y="0"/>
-          <a:chExt cx="0" cy="0"/>
-        </a:xfrm>
-      </p:grpSpPr>
-      <p:sp>
-        <p:nvSpPr>
-          <p:cNvPr id="2" name="標題 1"/>
-          <p:cNvSpPr>
-            <a:spLocks noGrp="1"/>
-          </p:cNvSpPr>
-          <p:nvPr>
-            <p:ph type="ctrTitle"/>
-          </p:nvPr>
-        </p:nvSpPr>
-        <p:spPr>
-          <a:xfrm>
-            <a:off x="0" y="-8603"/>
-            <a:ext cx="9144000" cy="392061"/>
-          </a:xfrm>
-          <a:solidFill>
-            <a:schemeClr val="bg1">
-              <a:lumMod val="50000"/>
-            </a:schemeClr>
-          </a:solidFill>
-        </p:spPr>
-        <p:style>
-          <a:lnRef idx="1">
-            <a:schemeClr val="dk1"/>
-          </a:lnRef>
-          <a:fillRef idx="3">
-            <a:schemeClr val="dk1"/>
-          </a:fillRef>
-          <a:effectRef idx="2">
-            <a:schemeClr val="dk1"/>
-          </a:effectRef>
-          <a:fontRef idx="minor">
-            <a:schemeClr val="lt1"/>
-          </a:fontRef>
-        </p:style>
-        <p:txBody>
-          <a:bodyPr vert="horz" lIns="91440" tIns="45720" rIns="91440" bIns="45720" rtlCol="0" anchor="ctr">
-            <a:noAutofit/>
-          </a:bodyPr>
-          <a:lstStyle/>
-          <a:p>
-            <a:r>
-              <a:rPr lang="en-US" altLang="zh-TW" sz="2000" b="1" dirty="0">
-                <a:effectLst>
-                  <a:outerShdw blurRad="38100" dist="38100" dir="2700000" algn="tl">
-                    <a:srgbClr val="000000">
-                      <a:alpha val="43137"/>
-                    </a:srgbClr>
-                  </a:outerShdw>
-                </a:effectLst>
-                <a:latin typeface="微軟正黑體" panose="020B0604030504040204" pitchFamily="34" charset="-120"/>
-                <a:ea typeface="微軟正黑體" panose="020B0604030504040204" pitchFamily="34" charset="-120"/>
-              </a:rPr>
-              <a:t>Spring 5</a:t>
-            </a:r>
-            <a:r>
-              <a:rPr lang="zh-TW" altLang="en-US" sz="2000" b="1" dirty="0">
-                <a:effectLst>
-                  <a:outerShdw blurRad="38100" dist="38100" dir="2700000" algn="tl">
-                    <a:srgbClr val="000000">
-                      <a:alpha val="43137"/>
-                    </a:srgbClr>
-                  </a:outerShdw>
-                </a:effectLst>
-                <a:latin typeface="微軟正黑體" panose="020B0604030504040204" pitchFamily="34" charset="-120"/>
-                <a:ea typeface="微軟正黑體" panose="020B0604030504040204" pitchFamily="34" charset="-120"/>
-              </a:rPr>
-              <a:t> </a:t>
-            </a:r>
-            <a:r>
-              <a:rPr lang="en-US" altLang="zh-TW" sz="2000" b="1" dirty="0">
-                <a:effectLst>
-                  <a:outerShdw blurRad="38100" dist="38100" dir="2700000" algn="tl">
-                    <a:srgbClr val="000000">
-                      <a:alpha val="43137"/>
-                    </a:srgbClr>
-                  </a:outerShdw>
-                </a:effectLst>
-                <a:latin typeface="微軟正黑體" panose="020B0604030504040204" pitchFamily="34" charset="-120"/>
-                <a:ea typeface="微軟正黑體" panose="020B0604030504040204" pitchFamily="34" charset="-120"/>
-              </a:rPr>
-              <a:t>MVC – </a:t>
-            </a:r>
-            <a:r>
-              <a:rPr lang="zh-TW" altLang="en-US" sz="2000" b="1" dirty="0">
-                <a:effectLst>
-                  <a:outerShdw blurRad="38100" dist="38100" dir="2700000" algn="tl">
-                    <a:srgbClr val="000000">
-                      <a:alpha val="43137"/>
-                    </a:srgbClr>
-                  </a:outerShdw>
-                </a:effectLst>
-                <a:latin typeface="微軟正黑體" panose="020B0604030504040204" pitchFamily="34" charset="-120"/>
-                <a:ea typeface="微軟正黑體" panose="020B0604030504040204" pitchFamily="34" charset="-120"/>
-              </a:rPr>
-              <a:t>零</a:t>
-            </a:r>
-            <a:r>
-              <a:rPr lang="en-US" altLang="zh-TW" sz="2000" b="1" dirty="0">
-                <a:effectLst>
-                  <a:outerShdw blurRad="38100" dist="38100" dir="2700000" algn="tl">
-                    <a:srgbClr val="000000">
-                      <a:alpha val="43137"/>
-                    </a:srgbClr>
-                  </a:outerShdw>
-                </a:effectLst>
-                <a:latin typeface="微軟正黑體" panose="020B0604030504040204" pitchFamily="34" charset="-120"/>
-                <a:ea typeface="微軟正黑體" panose="020B0604030504040204" pitchFamily="34" charset="-120"/>
-              </a:rPr>
-              <a:t>XML</a:t>
-            </a:r>
-            <a:endParaRPr lang="zh-TW" altLang="en-US" sz="2000" b="1" dirty="0">
-              <a:effectLst>
-                <a:outerShdw blurRad="38100" dist="38100" dir="2700000" algn="tl">
-                  <a:srgbClr val="000000">
-                    <a:alpha val="43137"/>
-                  </a:srgbClr>
-                </a:outerShdw>
-              </a:effectLst>
-              <a:latin typeface="微軟正黑體" panose="020B0604030504040204" pitchFamily="34" charset="-120"/>
-              <a:ea typeface="微軟正黑體" panose="020B0604030504040204" pitchFamily="34" charset="-120"/>
-            </a:endParaRPr>
-          </a:p>
-        </p:txBody>
-      </p:sp>
-      <p:pic>
-        <p:nvPicPr>
-          <p:cNvPr id="5122" name="Picture 2"/>
-          <p:cNvPicPr>
-            <a:picLocks noChangeAspect="1" noChangeArrowheads="1"/>
-          </p:cNvPicPr>
-          <p:nvPr/>
-        </p:nvPicPr>
-        <p:blipFill>
-          <a:blip r:embed="rId2">
-            <a:extLst>
-              <a:ext uri="{28A0092B-C50C-407E-A947-70E740481C1C}">
-                <a14:useLocalDpi xmlns:a14="http://schemas.microsoft.com/office/drawing/2010/main" val="0"/>
-              </a:ext>
-            </a:extLst>
-          </a:blip>
-          <a:srcRect/>
-          <a:stretch>
-            <a:fillRect/>
-          </a:stretch>
-        </p:blipFill>
-        <p:spPr bwMode="auto">
-          <a:xfrm>
-            <a:off x="5293457" y="812800"/>
-            <a:ext cx="3660042" cy="3757384"/>
-          </a:xfrm>
-          <a:prstGeom prst="rect">
-            <a:avLst/>
-          </a:prstGeom>
-          <a:ln w="9525">
-            <a:solidFill>
-              <a:schemeClr val="tx1"/>
-            </a:solidFill>
-            <a:miter lim="800000"/>
-            <a:headEnd/>
-            <a:tailEnd/>
-          </a:ln>
-          <a:effectLst>
-            <a:outerShdw blurRad="190500" algn="tl" rotWithShape="0">
-              <a:srgbClr val="000000">
-                <a:alpha val="70000"/>
-              </a:srgbClr>
-            </a:outerShdw>
-          </a:effectLst>
-          <a:extLst>
-            <a:ext uri="{909E8E84-426E-40DD-AFC4-6F175D3DCCD1}">
-              <a14:hiddenFill xmlns:a14="http://schemas.microsoft.com/office/drawing/2010/main">
-                <a:solidFill>
-                  <a:schemeClr val="accent1"/>
-                </a:solidFill>
-              </a14:hiddenFill>
-            </a:ext>
-            <a:ext uri="{91240B29-F687-4F45-9708-019B960494DF}">
-              <a14:hiddenLine xmlns:a14="http://schemas.microsoft.com/office/drawing/2010/main" w="9525">
-                <a:solidFill>
-                  <a:schemeClr val="tx1"/>
-                </a:solidFill>
-                <a:miter lim="800000"/>
-                <a:headEnd/>
-                <a:tailEnd/>
-              </a14:hiddenLine>
-            </a:ext>
-          </a:extLst>
-        </p:spPr>
-      </p:pic>
-      <p:pic>
-        <p:nvPicPr>
-          <p:cNvPr id="4" name="Picture 2"/>
-          <p:cNvPicPr>
-            <a:picLocks noChangeAspect="1" noChangeArrowheads="1"/>
-          </p:cNvPicPr>
-          <p:nvPr/>
-        </p:nvPicPr>
-        <p:blipFill>
-          <a:blip r:embed="rId3">
-            <a:extLst>
-              <a:ext uri="{28A0092B-C50C-407E-A947-70E740481C1C}">
-                <a14:useLocalDpi xmlns:a14="http://schemas.microsoft.com/office/drawing/2010/main" val="0"/>
-              </a:ext>
-            </a:extLst>
-          </a:blip>
-          <a:srcRect/>
-          <a:stretch>
-            <a:fillRect/>
-          </a:stretch>
-        </p:blipFill>
-        <p:spPr bwMode="auto">
-          <a:xfrm>
-            <a:off x="95513" y="533283"/>
-            <a:ext cx="4992915" cy="2689567"/>
-          </a:xfrm>
-          <a:prstGeom prst="rect">
-            <a:avLst/>
-          </a:prstGeom>
-          <a:ln w="9525">
-            <a:solidFill>
-              <a:schemeClr val="tx1"/>
-            </a:solidFill>
-            <a:miter lim="800000"/>
-            <a:headEnd/>
-            <a:tailEnd/>
-          </a:ln>
-          <a:effectLst>
-            <a:outerShdw blurRad="190500" algn="tl" rotWithShape="0">
-              <a:srgbClr val="000000">
-                <a:alpha val="70000"/>
-              </a:srgbClr>
-            </a:outerShdw>
-          </a:effectLst>
-          <a:extLst>
-            <a:ext uri="{909E8E84-426E-40DD-AFC4-6F175D3DCCD1}">
-              <a14:hiddenFill xmlns:a14="http://schemas.microsoft.com/office/drawing/2010/main">
-                <a:solidFill>
-                  <a:schemeClr val="accent1"/>
-                </a:solidFill>
-              </a14:hiddenFill>
-            </a:ext>
-            <a:ext uri="{91240B29-F687-4F45-9708-019B960494DF}">
-              <a14:hiddenLine xmlns:a14="http://schemas.microsoft.com/office/drawing/2010/main" w="9525">
-                <a:solidFill>
-                  <a:schemeClr val="tx1"/>
-                </a:solidFill>
-                <a:miter lim="800000"/>
-                <a:headEnd/>
-                <a:tailEnd/>
-              </a14:hiddenLine>
-            </a:ext>
-          </a:extLst>
-        </p:spPr>
-      </p:pic>
-      <p:sp>
-        <p:nvSpPr>
-          <p:cNvPr id="5" name="向右箭號 4"/>
-          <p:cNvSpPr/>
-          <p:nvPr/>
-        </p:nvSpPr>
-        <p:spPr>
-          <a:xfrm rot="8377278">
-            <a:off x="3299951" y="2604727"/>
-            <a:ext cx="462116" cy="452284"/>
-          </a:xfrm>
-          <a:prstGeom prst="rightArrow">
-            <a:avLst/>
-          </a:prstGeom>
-        </p:spPr>
-        <p:style>
-          <a:lnRef idx="2">
-            <a:schemeClr val="accent6">
-              <a:shade val="50000"/>
-            </a:schemeClr>
-          </a:lnRef>
-          <a:fillRef idx="1">
-            <a:schemeClr val="accent6"/>
-          </a:fillRef>
-          <a:effectRef idx="0">
-            <a:schemeClr val="accent6"/>
-          </a:effectRef>
-          <a:fontRef idx="minor">
-            <a:schemeClr val="lt1"/>
-          </a:fontRef>
-        </p:style>
-        <p:txBody>
-          <a:bodyPr rtlCol="0" anchor="ctr"/>
-          <a:lstStyle/>
-          <a:p>
-            <a:pPr algn="ctr"/>
-            <a:endParaRPr lang="zh-TW" altLang="en-US"/>
-          </a:p>
-        </p:txBody>
-      </p:sp>
-      <p:sp>
-        <p:nvSpPr>
-          <p:cNvPr id="6" name="矩形 5"/>
-          <p:cNvSpPr/>
-          <p:nvPr/>
-        </p:nvSpPr>
-        <p:spPr>
-          <a:xfrm>
-            <a:off x="5850339" y="2062870"/>
-            <a:ext cx="1642661" cy="667629"/>
-          </a:xfrm>
-          <a:prstGeom prst="rect">
-            <a:avLst/>
-          </a:prstGeom>
-          <a:solidFill>
-            <a:srgbClr val="FF0F0F">
-              <a:alpha val="30196"/>
-            </a:srgbClr>
-          </a:solidFill>
-          <a:ln w="3175">
-            <a:noFill/>
-            <a:prstDash val="sysDot"/>
-          </a:ln>
-        </p:spPr>
-        <p:style>
-          <a:lnRef idx="2">
-            <a:schemeClr val="accent1">
-              <a:shade val="50000"/>
-            </a:schemeClr>
-          </a:lnRef>
-          <a:fillRef idx="1">
-            <a:schemeClr val="accent1"/>
-          </a:fillRef>
-          <a:effectRef idx="0">
-            <a:schemeClr val="accent1"/>
-          </a:effectRef>
-          <a:fontRef idx="minor">
-            <a:schemeClr val="lt1"/>
-          </a:fontRef>
-        </p:style>
-        <p:txBody>
-          <a:bodyPr rtlCol="0" anchor="ctr"/>
-          <a:lstStyle/>
-          <a:p>
-            <a:pPr algn="ctr"/>
-            <a:endParaRPr lang="zh-TW" altLang="en-US"/>
-          </a:p>
-        </p:txBody>
-      </p:sp>
-      <p:sp>
-        <p:nvSpPr>
-          <p:cNvPr id="7" name="矩形 6"/>
-          <p:cNvSpPr/>
-          <p:nvPr/>
-        </p:nvSpPr>
-        <p:spPr>
-          <a:xfrm>
-            <a:off x="5812239" y="3663070"/>
-            <a:ext cx="1642661" cy="667629"/>
-          </a:xfrm>
-          <a:prstGeom prst="rect">
-            <a:avLst/>
-          </a:prstGeom>
-          <a:solidFill>
-            <a:srgbClr val="FF0F0F">
-              <a:alpha val="30196"/>
-            </a:srgbClr>
-          </a:solidFill>
-          <a:ln w="3175">
-            <a:noFill/>
-            <a:prstDash val="sysDot"/>
-          </a:ln>
-        </p:spPr>
-        <p:style>
-          <a:lnRef idx="2">
-            <a:schemeClr val="accent1">
-              <a:shade val="50000"/>
-            </a:schemeClr>
-          </a:lnRef>
-          <a:fillRef idx="1">
-            <a:schemeClr val="accent1"/>
-          </a:fillRef>
-          <a:effectRef idx="0">
-            <a:schemeClr val="accent1"/>
-          </a:effectRef>
-          <a:fontRef idx="minor">
-            <a:schemeClr val="lt1"/>
-          </a:fontRef>
-        </p:style>
-        <p:txBody>
-          <a:bodyPr rtlCol="0" anchor="ctr"/>
-          <a:lstStyle/>
-          <a:p>
-            <a:pPr algn="ctr"/>
-            <a:endParaRPr lang="zh-TW" altLang="en-US"/>
-          </a:p>
-        </p:txBody>
-      </p:sp>
-    </p:spTree>
-    <p:extLst>
-      <p:ext uri="{BB962C8B-B14F-4D97-AF65-F5344CB8AC3E}">
-        <p14:creationId xmlns:p14="http://schemas.microsoft.com/office/powerpoint/2010/main" val="1108628092"/>
-      </p:ext>
-    </p:extLst>
-  </p:cSld>
-  <p:clrMapOvr>
-    <a:masterClrMapping/>
-  </p:clrMapOvr>
-</p:sld>
-</file>
-
-<file path=ppt/slides/slide28.xml><?xml version="1.0" encoding="utf-8"?>
-<p:sld xmlns:a="http://schemas.openxmlformats.org/drawingml/2006/main" xmlns:r="http://schemas.openxmlformats.org/officeDocument/2006/relationships" xmlns:p="http://schemas.openxmlformats.org/presentationml/2006/main">
-  <p:cSld>
-    <p:spTree>
-      <p:nvGrpSpPr>
-        <p:cNvPr id="1" name=""/>
-        <p:cNvGrpSpPr/>
-        <p:nvPr/>
-      </p:nvGrpSpPr>
-      <p:grpSpPr>
-        <a:xfrm>
-          <a:off x="0" y="0"/>
-          <a:ext cx="0" cy="0"/>
-          <a:chOff x="0" y="0"/>
-          <a:chExt cx="0" cy="0"/>
-        </a:xfrm>
-      </p:grpSpPr>
-      <p:sp>
-        <p:nvSpPr>
-          <p:cNvPr id="2" name="標題 1"/>
-          <p:cNvSpPr>
-            <a:spLocks noGrp="1"/>
-          </p:cNvSpPr>
-          <p:nvPr>
-            <p:ph type="ctrTitle"/>
-          </p:nvPr>
-        </p:nvSpPr>
-        <p:spPr>
-          <a:xfrm>
-            <a:off x="0" y="-8603"/>
-            <a:ext cx="9144000" cy="392061"/>
-          </a:xfrm>
-          <a:solidFill>
-            <a:srgbClr val="C00000"/>
-          </a:solidFill>
-          <a:scene3d>
-            <a:camera prst="orthographicFront"/>
-            <a:lightRig rig="threePt" dir="t"/>
-          </a:scene3d>
-          <a:sp3d>
-            <a:bevelT/>
-          </a:sp3d>
-        </p:spPr>
-        <p:style>
-          <a:lnRef idx="1">
-            <a:schemeClr val="dk1"/>
-          </a:lnRef>
-          <a:fillRef idx="3">
-            <a:schemeClr val="dk1"/>
-          </a:fillRef>
-          <a:effectRef idx="2">
-            <a:schemeClr val="dk1"/>
-          </a:effectRef>
-          <a:fontRef idx="minor">
-            <a:schemeClr val="lt1"/>
-          </a:fontRef>
-        </p:style>
-        <p:txBody>
-          <a:bodyPr vert="horz" lIns="91440" tIns="45720" rIns="91440" bIns="45720" rtlCol="0" anchor="ctr">
-            <a:noAutofit/>
-          </a:bodyPr>
-          <a:lstStyle/>
-          <a:p>
-            <a:r>
-              <a:rPr lang="zh-TW" altLang="en-US" sz="2000" b="1" dirty="0" smtClean="0">
-                <a:effectLst>
-                  <a:outerShdw blurRad="38100" dist="38100" dir="2700000" algn="tl">
-                    <a:srgbClr val="000000">
-                      <a:alpha val="43137"/>
-                    </a:srgbClr>
-                  </a:outerShdw>
-                </a:effectLst>
-                <a:latin typeface="微軟正黑體" panose="020B0604030504040204" pitchFamily="34" charset="-120"/>
-                <a:ea typeface="微軟正黑體" panose="020B0604030504040204" pitchFamily="34" charset="-120"/>
-              </a:rPr>
-              <a:t>檔案</a:t>
-            </a:r>
-            <a:endParaRPr lang="zh-TW" altLang="en-US" sz="2000" b="1" dirty="0">
-              <a:effectLst>
-                <a:outerShdw blurRad="38100" dist="38100" dir="2700000" algn="tl">
-                  <a:srgbClr val="000000">
-                    <a:alpha val="43137"/>
-                  </a:srgbClr>
-                </a:outerShdw>
-              </a:effectLst>
-              <a:latin typeface="微軟正黑體" panose="020B0604030504040204" pitchFamily="34" charset="-120"/>
-              <a:ea typeface="微軟正黑體" panose="020B0604030504040204" pitchFamily="34" charset="-120"/>
             </a:endParaRPr>
           </a:p>
         </p:txBody>
@@ -9191,296 +9231,126 @@
             <a:off x="0" y="-8603"/>
             <a:ext cx="9144000" cy="392061"/>
           </a:xfrm>
+          <a:solidFill>
+            <a:srgbClr val="C00000"/>
+          </a:solidFill>
+          <a:scene3d>
+            <a:camera prst="orthographicFront"/>
+            <a:lightRig rig="threePt" dir="t"/>
+          </a:scene3d>
+          <a:sp3d>
+            <a:bevelT/>
+          </a:sp3d>
         </p:spPr>
         <p:style>
           <a:lnRef idx="1">
-            <a:schemeClr val="accent6"/>
+            <a:schemeClr val="dk1"/>
           </a:lnRef>
           <a:fillRef idx="3">
-            <a:schemeClr val="accent6"/>
+            <a:schemeClr val="dk1"/>
           </a:fillRef>
           <a:effectRef idx="2">
-            <a:schemeClr val="accent6"/>
+            <a:schemeClr val="dk1"/>
           </a:effectRef>
           <a:fontRef idx="minor">
             <a:schemeClr val="lt1"/>
           </a:fontRef>
         </p:style>
         <p:txBody>
-          <a:bodyPr>
+          <a:bodyPr vert="horz" lIns="91440" tIns="45720" rIns="91440" bIns="45720" rtlCol="0" anchor="ctr">
             <a:noAutofit/>
           </a:bodyPr>
           <a:lstStyle/>
           <a:p>
             <a:r>
-              <a:rPr lang="zh-TW" altLang="en-US" sz="2400" dirty="0" smtClean="0">
-                <a:latin typeface="微軟正黑體" panose="020B0604030504040204" pitchFamily="34" charset="-120"/>
-                <a:ea typeface="微軟正黑體" panose="020B0604030504040204" pitchFamily="34" charset="-120"/>
-              </a:rPr>
-              <a:t>附錄</a:t>
-            </a:r>
-            <a:endParaRPr lang="zh-TW" altLang="en-US" sz="2400" dirty="0">
+              <a:rPr lang="zh-TW" altLang="en-US" sz="2000" b="1" dirty="0" smtClean="0">
+                <a:effectLst>
+                  <a:outerShdw blurRad="38100" dist="38100" dir="2700000" algn="tl">
+                    <a:srgbClr val="000000">
+                      <a:alpha val="43137"/>
+                    </a:srgbClr>
+                  </a:outerShdw>
+                </a:effectLst>
+                <a:latin typeface="微軟正黑體" panose="020B0604030504040204" pitchFamily="34" charset="-120"/>
+                <a:ea typeface="微軟正黑體" panose="020B0604030504040204" pitchFamily="34" charset="-120"/>
+              </a:rPr>
+              <a:t>檔案</a:t>
+            </a:r>
+            <a:endParaRPr lang="zh-TW" altLang="en-US" sz="2000" b="1" dirty="0">
+              <a:effectLst>
+                <a:outerShdw blurRad="38100" dist="38100" dir="2700000" algn="tl">
+                  <a:srgbClr val="000000">
+                    <a:alpha val="43137"/>
+                  </a:srgbClr>
+                </a:outerShdw>
+              </a:effectLst>
               <a:latin typeface="微軟正黑體" panose="020B0604030504040204" pitchFamily="34" charset="-120"/>
               <a:ea typeface="微軟正黑體" panose="020B0604030504040204" pitchFamily="34" charset="-120"/>
             </a:endParaRPr>
           </a:p>
         </p:txBody>
       </p:sp>
-      <p:sp>
-        <p:nvSpPr>
-          <p:cNvPr id="3" name="矩形 2"/>
-          <p:cNvSpPr/>
-          <p:nvPr/>
-        </p:nvSpPr>
-        <p:spPr>
-          <a:xfrm>
-            <a:off x="5721909" y="4835723"/>
-            <a:ext cx="3422091" cy="307777"/>
-          </a:xfrm>
-          <a:prstGeom prst="rect">
-            <a:avLst/>
-          </a:prstGeom>
-        </p:spPr>
-        <p:style>
-          <a:lnRef idx="2">
-            <a:schemeClr val="accent4"/>
-          </a:lnRef>
-          <a:fillRef idx="1">
-            <a:schemeClr val="lt1"/>
-          </a:fillRef>
-          <a:effectRef idx="0">
-            <a:schemeClr val="accent4"/>
-          </a:effectRef>
-          <a:fontRef idx="minor">
-            <a:schemeClr val="dk1"/>
-          </a:fontRef>
-        </p:style>
-        <p:txBody>
-          <a:bodyPr wrap="none">
-            <a:spAutoFit/>
-          </a:bodyPr>
-          <a:lstStyle/>
-          <a:p>
-            <a:r>
-              <a:rPr lang="en-US" altLang="zh-TW" sz="1400" dirty="0"/>
-              <a:t> https://www.jianshu.com/p/49e950b0b008</a:t>
-            </a:r>
-            <a:endParaRPr lang="zh-TW" altLang="en-US" sz="1400" dirty="0"/>
-          </a:p>
-        </p:txBody>
-      </p:sp>
-      <p:pic>
-        <p:nvPicPr>
-          <p:cNvPr id="5122" name="Picture 2"/>
-          <p:cNvPicPr>
-            <a:picLocks noChangeAspect="1" noChangeArrowheads="1"/>
-          </p:cNvPicPr>
-          <p:nvPr/>
-        </p:nvPicPr>
-        <p:blipFill>
-          <a:blip r:embed="rId2">
-            <a:extLst>
-              <a:ext uri="{28A0092B-C50C-407E-A947-70E740481C1C}">
-                <a14:useLocalDpi xmlns:a14="http://schemas.microsoft.com/office/drawing/2010/main" val="0"/>
-              </a:ext>
-            </a:extLst>
-          </a:blip>
-          <a:srcRect/>
-          <a:stretch>
-            <a:fillRect/>
-          </a:stretch>
-        </p:blipFill>
-        <p:spPr bwMode="auto">
-          <a:xfrm>
-            <a:off x="1495425" y="585788"/>
-            <a:ext cx="6153150" cy="3971925"/>
-          </a:xfrm>
-          <a:prstGeom prst="rect">
-            <a:avLst/>
-          </a:prstGeom>
-          <a:ln w="9525">
-            <a:solidFill>
-              <a:schemeClr val="tx1"/>
-            </a:solidFill>
-            <a:miter lim="800000"/>
-            <a:headEnd/>
-            <a:tailEnd/>
-          </a:ln>
-          <a:effectLst>
-            <a:outerShdw blurRad="190500" algn="tl" rotWithShape="0">
-              <a:srgbClr val="000000">
-                <a:alpha val="70000"/>
-              </a:srgbClr>
-            </a:outerShdw>
-          </a:effectLst>
-          <a:extLst>
-            <a:ext uri="{909E8E84-426E-40DD-AFC4-6F175D3DCCD1}">
-              <a14:hiddenFill xmlns:a14="http://schemas.microsoft.com/office/drawing/2010/main">
-                <a:solidFill>
-                  <a:schemeClr val="accent1"/>
-                </a:solidFill>
-              </a14:hiddenFill>
-            </a:ext>
-          </a:extLst>
-        </p:spPr>
-      </p:pic>
-      <p:sp>
-        <p:nvSpPr>
-          <p:cNvPr id="5" name="矩形 4"/>
-          <p:cNvSpPr/>
-          <p:nvPr/>
-        </p:nvSpPr>
-        <p:spPr>
-          <a:xfrm>
-            <a:off x="1760794" y="2287434"/>
-            <a:ext cx="3720844" cy="131916"/>
-          </a:xfrm>
-          <a:prstGeom prst="rect">
-            <a:avLst/>
-          </a:prstGeom>
-          <a:solidFill>
-            <a:srgbClr val="FF0F0F">
-              <a:alpha val="30196"/>
-            </a:srgbClr>
-          </a:solidFill>
-          <a:ln w="3175">
-            <a:solidFill>
-              <a:srgbClr val="FF0000"/>
-            </a:solidFill>
-            <a:prstDash val="sysDot"/>
-          </a:ln>
-        </p:spPr>
-        <p:style>
-          <a:lnRef idx="2">
-            <a:schemeClr val="accent1">
-              <a:shade val="50000"/>
-            </a:schemeClr>
-          </a:lnRef>
-          <a:fillRef idx="1">
-            <a:schemeClr val="accent1"/>
-          </a:fillRef>
-          <a:effectRef idx="0">
-            <a:schemeClr val="accent1"/>
-          </a:effectRef>
-          <a:fontRef idx="minor">
-            <a:schemeClr val="lt1"/>
-          </a:fontRef>
-        </p:style>
-        <p:txBody>
-          <a:bodyPr rtlCol="0" anchor="ctr"/>
-          <a:lstStyle/>
-          <a:p>
-            <a:pPr algn="ctr"/>
-            <a:endParaRPr lang="zh-TW" altLang="en-US"/>
-          </a:p>
-        </p:txBody>
-      </p:sp>
-      <p:sp>
-        <p:nvSpPr>
-          <p:cNvPr id="6" name="矩形 5"/>
-          <p:cNvSpPr/>
-          <p:nvPr/>
-        </p:nvSpPr>
-        <p:spPr>
-          <a:xfrm>
-            <a:off x="2884744" y="2801784"/>
-            <a:ext cx="220406" cy="131916"/>
-          </a:xfrm>
-          <a:prstGeom prst="rect">
-            <a:avLst/>
-          </a:prstGeom>
-          <a:solidFill>
-            <a:srgbClr val="0000FF">
-              <a:alpha val="30196"/>
-            </a:srgbClr>
-          </a:solidFill>
-          <a:ln w="3175">
-            <a:solidFill>
-              <a:srgbClr val="0000FF"/>
-            </a:solidFill>
-            <a:prstDash val="sysDot"/>
-          </a:ln>
-        </p:spPr>
-        <p:style>
-          <a:lnRef idx="2">
-            <a:schemeClr val="accent1">
-              <a:shade val="50000"/>
-            </a:schemeClr>
-          </a:lnRef>
-          <a:fillRef idx="1">
-            <a:schemeClr val="accent1"/>
-          </a:fillRef>
-          <a:effectRef idx="0">
-            <a:schemeClr val="accent1"/>
-          </a:effectRef>
-          <a:fontRef idx="minor">
-            <a:schemeClr val="lt1"/>
-          </a:fontRef>
-        </p:style>
-        <p:txBody>
-          <a:bodyPr rtlCol="0" anchor="ctr"/>
-          <a:lstStyle/>
-          <a:p>
-            <a:pPr algn="ctr"/>
-            <a:endParaRPr lang="zh-TW" altLang="en-US"/>
-          </a:p>
-        </p:txBody>
-      </p:sp>
-      <p:sp>
-        <p:nvSpPr>
-          <p:cNvPr id="7" name="矩形 6"/>
-          <p:cNvSpPr/>
-          <p:nvPr/>
-        </p:nvSpPr>
-        <p:spPr>
-          <a:xfrm>
-            <a:off x="3522919" y="3644746"/>
-            <a:ext cx="220406" cy="131916"/>
-          </a:xfrm>
-          <a:prstGeom prst="rect">
-            <a:avLst/>
-          </a:prstGeom>
-          <a:solidFill>
-            <a:srgbClr val="0000FF">
-              <a:alpha val="30196"/>
-            </a:srgbClr>
-          </a:solidFill>
-          <a:ln w="3175">
-            <a:solidFill>
-              <a:srgbClr val="0000FF"/>
-            </a:solidFill>
-            <a:prstDash val="sysDot"/>
-          </a:ln>
-        </p:spPr>
-        <p:style>
-          <a:lnRef idx="2">
-            <a:schemeClr val="accent1">
-              <a:shade val="50000"/>
-            </a:schemeClr>
-          </a:lnRef>
-          <a:fillRef idx="1">
-            <a:schemeClr val="accent1"/>
-          </a:fillRef>
-          <a:effectRef idx="0">
-            <a:schemeClr val="accent1"/>
-          </a:effectRef>
-          <a:fontRef idx="minor">
-            <a:schemeClr val="lt1"/>
-          </a:fontRef>
-        </p:style>
-        <p:txBody>
-          <a:bodyPr rtlCol="0" anchor="ctr"/>
-          <a:lstStyle/>
-          <a:p>
-            <a:pPr algn="ctr"/>
-            <a:endParaRPr lang="zh-TW" altLang="en-US"/>
-          </a:p>
-        </p:txBody>
-      </p:sp>
+      <p:graphicFrame>
+        <p:nvGraphicFramePr>
+          <p:cNvPr id="3" name="物件 2"/>
+          <p:cNvGraphicFramePr>
+            <a:graphicFrameLocks noChangeAspect="1"/>
+          </p:cNvGraphicFramePr>
+          <p:nvPr>
+            <p:extLst>
+              <p:ext uri="{D42A27DB-BD31-4B8C-83A1-F6EECF244321}">
+                <p14:modId xmlns:p14="http://schemas.microsoft.com/office/powerpoint/2010/main" val="3109908064"/>
+              </p:ext>
+            </p:extLst>
+          </p:nvPr>
+        </p:nvGraphicFramePr>
+        <p:xfrm>
+          <a:off x="2120900" y="1778000"/>
+          <a:ext cx="4647738" cy="1727200"/>
+        </p:xfrm>
+        <a:graphic>
+          <a:graphicData uri="http://schemas.openxmlformats.org/presentationml/2006/ole">
+            <mc:AlternateContent xmlns:mc="http://schemas.openxmlformats.org/markup-compatibility/2006">
+              <mc:Choice xmlns:v="urn:schemas-microsoft-com:vml" Requires="v">
+                <p:oleObj spid="_x0000_s2050" name="封裝程式殼層物件" showAsIcon="1" r:id="rId3" imgW="1878840" imgH="698400" progId="Package">
+                  <p:embed/>
+                </p:oleObj>
+              </mc:Choice>
+              <mc:Fallback>
+                <p:oleObj name="封裝程式殼層物件" showAsIcon="1" r:id="rId3" imgW="1878840" imgH="698400" progId="Package">
+                  <p:embed/>
+                  <p:pic>
+                    <p:nvPicPr>
+                      <p:cNvPr id="0" name=""/>
+                      <p:cNvPicPr/>
+                      <p:nvPr/>
+                    </p:nvPicPr>
+                    <p:blipFill>
+                      <a:blip r:embed="rId4"/>
+                      <a:stretch>
+                        <a:fillRect/>
+                      </a:stretch>
+                    </p:blipFill>
+                    <p:spPr>
+                      <a:xfrm>
+                        <a:off x="2120900" y="1778000"/>
+                        <a:ext cx="4647738" cy="1727200"/>
+                      </a:xfrm>
+                      <a:prstGeom prst="rect">
+                        <a:avLst/>
+                      </a:prstGeom>
+                    </p:spPr>
+                  </p:pic>
+                </p:oleObj>
+              </mc:Fallback>
+            </mc:AlternateContent>
+          </a:graphicData>
+        </a:graphic>
+      </p:graphicFrame>
     </p:spTree>
     <p:extLst>
       <p:ext uri="{BB962C8B-B14F-4D97-AF65-F5344CB8AC3E}">
-        <p14:creationId xmlns:p14="http://schemas.microsoft.com/office/powerpoint/2010/main" val="760055744"/>
+        <p14:creationId xmlns:p14="http://schemas.microsoft.com/office/powerpoint/2010/main" val="3707352556"/>
       </p:ext>
     </p:extLst>
   </p:cSld>
@@ -9790,6 +9660,337 @@
     <p:extLst>
       <p:ext uri="{BB962C8B-B14F-4D97-AF65-F5344CB8AC3E}">
         <p14:creationId xmlns:p14="http://schemas.microsoft.com/office/powerpoint/2010/main" val="2431244880"/>
+      </p:ext>
+    </p:extLst>
+  </p:cSld>
+  <p:clrMapOvr>
+    <a:masterClrMapping/>
+  </p:clrMapOvr>
+</p:sld>
+</file>
+
+<file path=ppt/slides/slide30.xml><?xml version="1.0" encoding="utf-8"?>
+<p:sld xmlns:a="http://schemas.openxmlformats.org/drawingml/2006/main" xmlns:r="http://schemas.openxmlformats.org/officeDocument/2006/relationships" xmlns:p="http://schemas.openxmlformats.org/presentationml/2006/main">
+  <p:cSld>
+    <p:spTree>
+      <p:nvGrpSpPr>
+        <p:cNvPr id="1" name=""/>
+        <p:cNvGrpSpPr/>
+        <p:nvPr/>
+      </p:nvGrpSpPr>
+      <p:grpSpPr>
+        <a:xfrm>
+          <a:off x="0" y="0"/>
+          <a:ext cx="0" cy="0"/>
+          <a:chOff x="0" y="0"/>
+          <a:chExt cx="0" cy="0"/>
+        </a:xfrm>
+      </p:grpSpPr>
+      <p:sp>
+        <p:nvSpPr>
+          <p:cNvPr id="2" name="標題 1"/>
+          <p:cNvSpPr>
+            <a:spLocks noGrp="1"/>
+          </p:cNvSpPr>
+          <p:nvPr>
+            <p:ph type="ctrTitle"/>
+          </p:nvPr>
+        </p:nvSpPr>
+        <p:spPr>
+          <a:xfrm>
+            <a:off x="0" y="-8603"/>
+            <a:ext cx="9144000" cy="392061"/>
+          </a:xfrm>
+        </p:spPr>
+        <p:style>
+          <a:lnRef idx="1">
+            <a:schemeClr val="accent6"/>
+          </a:lnRef>
+          <a:fillRef idx="3">
+            <a:schemeClr val="accent6"/>
+          </a:fillRef>
+          <a:effectRef idx="2">
+            <a:schemeClr val="accent6"/>
+          </a:effectRef>
+          <a:fontRef idx="minor">
+            <a:schemeClr val="lt1"/>
+          </a:fontRef>
+        </p:style>
+        <p:txBody>
+          <a:bodyPr>
+            <a:noAutofit/>
+          </a:bodyPr>
+          <a:lstStyle/>
+          <a:p>
+            <a:r>
+              <a:rPr lang="zh-TW" altLang="en-US" sz="2400" dirty="0" smtClean="0">
+                <a:latin typeface="微軟正黑體" panose="020B0604030504040204" pitchFamily="34" charset="-120"/>
+                <a:ea typeface="微軟正黑體" panose="020B0604030504040204" pitchFamily="34" charset="-120"/>
+              </a:rPr>
+              <a:t>附錄</a:t>
+            </a:r>
+            <a:endParaRPr lang="zh-TW" altLang="en-US" sz="2400" dirty="0">
+              <a:latin typeface="微軟正黑體" panose="020B0604030504040204" pitchFamily="34" charset="-120"/>
+              <a:ea typeface="微軟正黑體" panose="020B0604030504040204" pitchFamily="34" charset="-120"/>
+            </a:endParaRPr>
+          </a:p>
+        </p:txBody>
+      </p:sp>
+      <p:sp>
+        <p:nvSpPr>
+          <p:cNvPr id="3" name="矩形 2"/>
+          <p:cNvSpPr/>
+          <p:nvPr/>
+        </p:nvSpPr>
+        <p:spPr>
+          <a:xfrm>
+            <a:off x="5721909" y="4835723"/>
+            <a:ext cx="3422091" cy="307777"/>
+          </a:xfrm>
+          <a:prstGeom prst="rect">
+            <a:avLst/>
+          </a:prstGeom>
+        </p:spPr>
+        <p:style>
+          <a:lnRef idx="2">
+            <a:schemeClr val="accent4"/>
+          </a:lnRef>
+          <a:fillRef idx="1">
+            <a:schemeClr val="lt1"/>
+          </a:fillRef>
+          <a:effectRef idx="0">
+            <a:schemeClr val="accent4"/>
+          </a:effectRef>
+          <a:fontRef idx="minor">
+            <a:schemeClr val="dk1"/>
+          </a:fontRef>
+        </p:style>
+        <p:txBody>
+          <a:bodyPr wrap="none">
+            <a:spAutoFit/>
+          </a:bodyPr>
+          <a:lstStyle/>
+          <a:p>
+            <a:r>
+              <a:rPr lang="en-US" altLang="zh-TW" sz="1400" dirty="0"/>
+              <a:t> https://www.jianshu.com/p/49e950b0b008</a:t>
+            </a:r>
+            <a:endParaRPr lang="zh-TW" altLang="en-US" sz="1400" dirty="0"/>
+          </a:p>
+        </p:txBody>
+      </p:sp>
+      <p:pic>
+        <p:nvPicPr>
+          <p:cNvPr id="5122" name="Picture 2"/>
+          <p:cNvPicPr>
+            <a:picLocks noChangeAspect="1" noChangeArrowheads="1"/>
+          </p:cNvPicPr>
+          <p:nvPr/>
+        </p:nvPicPr>
+        <p:blipFill>
+          <a:blip r:embed="rId2">
+            <a:extLst>
+              <a:ext uri="{28A0092B-C50C-407E-A947-70E740481C1C}">
+                <a14:useLocalDpi xmlns:a14="http://schemas.microsoft.com/office/drawing/2010/main" val="0"/>
+              </a:ext>
+            </a:extLst>
+          </a:blip>
+          <a:srcRect/>
+          <a:stretch>
+            <a:fillRect/>
+          </a:stretch>
+        </p:blipFill>
+        <p:spPr bwMode="auto">
+          <a:xfrm>
+            <a:off x="1495425" y="585788"/>
+            <a:ext cx="6153150" cy="3971925"/>
+          </a:xfrm>
+          <a:prstGeom prst="rect">
+            <a:avLst/>
+          </a:prstGeom>
+          <a:ln w="9525">
+            <a:solidFill>
+              <a:schemeClr val="tx1"/>
+            </a:solidFill>
+            <a:miter lim="800000"/>
+            <a:headEnd/>
+            <a:tailEnd/>
+          </a:ln>
+          <a:effectLst>
+            <a:outerShdw blurRad="190500" algn="tl" rotWithShape="0">
+              <a:srgbClr val="000000">
+                <a:alpha val="70000"/>
+              </a:srgbClr>
+            </a:outerShdw>
+          </a:effectLst>
+          <a:extLst>
+            <a:ext uri="{909E8E84-426E-40DD-AFC4-6F175D3DCCD1}">
+              <a14:hiddenFill xmlns:a14="http://schemas.microsoft.com/office/drawing/2010/main">
+                <a:solidFill>
+                  <a:schemeClr val="accent1"/>
+                </a:solidFill>
+              </a14:hiddenFill>
+            </a:ext>
+          </a:extLst>
+        </p:spPr>
+      </p:pic>
+      <p:sp>
+        <p:nvSpPr>
+          <p:cNvPr id="5" name="矩形 4"/>
+          <p:cNvSpPr/>
+          <p:nvPr/>
+        </p:nvSpPr>
+        <p:spPr>
+          <a:xfrm>
+            <a:off x="1760794" y="2287434"/>
+            <a:ext cx="3720844" cy="131916"/>
+          </a:xfrm>
+          <a:prstGeom prst="rect">
+            <a:avLst/>
+          </a:prstGeom>
+          <a:solidFill>
+            <a:srgbClr val="FF0F0F">
+              <a:alpha val="30196"/>
+            </a:srgbClr>
+          </a:solidFill>
+          <a:ln w="3175">
+            <a:solidFill>
+              <a:srgbClr val="FF0000"/>
+            </a:solidFill>
+            <a:prstDash val="sysDot"/>
+          </a:ln>
+        </p:spPr>
+        <p:style>
+          <a:lnRef idx="2">
+            <a:schemeClr val="accent1">
+              <a:shade val="50000"/>
+            </a:schemeClr>
+          </a:lnRef>
+          <a:fillRef idx="1">
+            <a:schemeClr val="accent1"/>
+          </a:fillRef>
+          <a:effectRef idx="0">
+            <a:schemeClr val="accent1"/>
+          </a:effectRef>
+          <a:fontRef idx="minor">
+            <a:schemeClr val="lt1"/>
+          </a:fontRef>
+        </p:style>
+        <p:txBody>
+          <a:bodyPr rtlCol="0" anchor="ctr"/>
+          <a:lstStyle/>
+          <a:p>
+            <a:pPr algn="ctr"/>
+            <a:endParaRPr lang="zh-TW" altLang="en-US"/>
+          </a:p>
+        </p:txBody>
+      </p:sp>
+      <p:sp>
+        <p:nvSpPr>
+          <p:cNvPr id="6" name="矩形 5"/>
+          <p:cNvSpPr/>
+          <p:nvPr/>
+        </p:nvSpPr>
+        <p:spPr>
+          <a:xfrm>
+            <a:off x="2884744" y="2801784"/>
+            <a:ext cx="220406" cy="131916"/>
+          </a:xfrm>
+          <a:prstGeom prst="rect">
+            <a:avLst/>
+          </a:prstGeom>
+          <a:solidFill>
+            <a:srgbClr val="0000FF">
+              <a:alpha val="30196"/>
+            </a:srgbClr>
+          </a:solidFill>
+          <a:ln w="3175">
+            <a:solidFill>
+              <a:srgbClr val="0000FF"/>
+            </a:solidFill>
+            <a:prstDash val="sysDot"/>
+          </a:ln>
+        </p:spPr>
+        <p:style>
+          <a:lnRef idx="2">
+            <a:schemeClr val="accent1">
+              <a:shade val="50000"/>
+            </a:schemeClr>
+          </a:lnRef>
+          <a:fillRef idx="1">
+            <a:schemeClr val="accent1"/>
+          </a:fillRef>
+          <a:effectRef idx="0">
+            <a:schemeClr val="accent1"/>
+          </a:effectRef>
+          <a:fontRef idx="minor">
+            <a:schemeClr val="lt1"/>
+          </a:fontRef>
+        </p:style>
+        <p:txBody>
+          <a:bodyPr rtlCol="0" anchor="ctr"/>
+          <a:lstStyle/>
+          <a:p>
+            <a:pPr algn="ctr"/>
+            <a:endParaRPr lang="zh-TW" altLang="en-US"/>
+          </a:p>
+        </p:txBody>
+      </p:sp>
+      <p:sp>
+        <p:nvSpPr>
+          <p:cNvPr id="7" name="矩形 6"/>
+          <p:cNvSpPr/>
+          <p:nvPr/>
+        </p:nvSpPr>
+        <p:spPr>
+          <a:xfrm>
+            <a:off x="3522919" y="3644746"/>
+            <a:ext cx="220406" cy="131916"/>
+          </a:xfrm>
+          <a:prstGeom prst="rect">
+            <a:avLst/>
+          </a:prstGeom>
+          <a:solidFill>
+            <a:srgbClr val="0000FF">
+              <a:alpha val="30196"/>
+            </a:srgbClr>
+          </a:solidFill>
+          <a:ln w="3175">
+            <a:solidFill>
+              <a:srgbClr val="0000FF"/>
+            </a:solidFill>
+            <a:prstDash val="sysDot"/>
+          </a:ln>
+        </p:spPr>
+        <p:style>
+          <a:lnRef idx="2">
+            <a:schemeClr val="accent1">
+              <a:shade val="50000"/>
+            </a:schemeClr>
+          </a:lnRef>
+          <a:fillRef idx="1">
+            <a:schemeClr val="accent1"/>
+          </a:fillRef>
+          <a:effectRef idx="0">
+            <a:schemeClr val="accent1"/>
+          </a:effectRef>
+          <a:fontRef idx="minor">
+            <a:schemeClr val="lt1"/>
+          </a:fontRef>
+        </p:style>
+        <p:txBody>
+          <a:bodyPr rtlCol="0" anchor="ctr"/>
+          <a:lstStyle/>
+          <a:p>
+            <a:pPr algn="ctr"/>
+            <a:endParaRPr lang="zh-TW" altLang="en-US"/>
+          </a:p>
+        </p:txBody>
+      </p:sp>
+    </p:spTree>
+    <p:extLst>
+      <p:ext uri="{BB962C8B-B14F-4D97-AF65-F5344CB8AC3E}">
+        <p14:creationId xmlns:p14="http://schemas.microsoft.com/office/powerpoint/2010/main" val="760055744"/>
       </p:ext>
     </p:extLst>
   </p:cSld>

--- a/說明文件/Spring 5 MVC – 零XML.pptx
+++ b/說明文件/Spring 5 MVC – 零XML.pptx
@@ -11,30 +11,32 @@
     <p:sldId id="258" r:id="rId5"/>
     <p:sldId id="259" r:id="rId6"/>
     <p:sldId id="260" r:id="rId7"/>
-    <p:sldId id="261" r:id="rId8"/>
-    <p:sldId id="278" r:id="rId9"/>
-    <p:sldId id="279" r:id="rId10"/>
-    <p:sldId id="262" r:id="rId11"/>
-    <p:sldId id="275" r:id="rId12"/>
-    <p:sldId id="266" r:id="rId13"/>
-    <p:sldId id="267" r:id="rId14"/>
-    <p:sldId id="280" r:id="rId15"/>
-    <p:sldId id="281" r:id="rId16"/>
-    <p:sldId id="277" r:id="rId17"/>
-    <p:sldId id="268" r:id="rId18"/>
-    <p:sldId id="269" r:id="rId19"/>
-    <p:sldId id="270" r:id="rId20"/>
-    <p:sldId id="271" r:id="rId21"/>
-    <p:sldId id="272" r:id="rId22"/>
-    <p:sldId id="273" r:id="rId23"/>
-    <p:sldId id="274" r:id="rId24"/>
-    <p:sldId id="282" r:id="rId25"/>
-    <p:sldId id="286" r:id="rId26"/>
-    <p:sldId id="283" r:id="rId27"/>
-    <p:sldId id="284" r:id="rId28"/>
-    <p:sldId id="285" r:id="rId29"/>
-    <p:sldId id="287" r:id="rId30"/>
-    <p:sldId id="265" r:id="rId31"/>
+    <p:sldId id="289" r:id="rId8"/>
+    <p:sldId id="261" r:id="rId9"/>
+    <p:sldId id="278" r:id="rId10"/>
+    <p:sldId id="279" r:id="rId11"/>
+    <p:sldId id="262" r:id="rId12"/>
+    <p:sldId id="275" r:id="rId13"/>
+    <p:sldId id="266" r:id="rId14"/>
+    <p:sldId id="267" r:id="rId15"/>
+    <p:sldId id="280" r:id="rId16"/>
+    <p:sldId id="281" r:id="rId17"/>
+    <p:sldId id="277" r:id="rId18"/>
+    <p:sldId id="268" r:id="rId19"/>
+    <p:sldId id="269" r:id="rId20"/>
+    <p:sldId id="270" r:id="rId21"/>
+    <p:sldId id="271" r:id="rId22"/>
+    <p:sldId id="272" r:id="rId23"/>
+    <p:sldId id="273" r:id="rId24"/>
+    <p:sldId id="274" r:id="rId25"/>
+    <p:sldId id="282" r:id="rId26"/>
+    <p:sldId id="286" r:id="rId27"/>
+    <p:sldId id="283" r:id="rId28"/>
+    <p:sldId id="284" r:id="rId29"/>
+    <p:sldId id="288" r:id="rId30"/>
+    <p:sldId id="285" r:id="rId31"/>
+    <p:sldId id="287" r:id="rId32"/>
+    <p:sldId id="265" r:id="rId33"/>
   </p:sldIdLst>
   <p:sldSz cx="9144000" cy="5143500" type="screen16x9"/>
   <p:notesSz cx="6858000" cy="9144000"/>
@@ -317,7 +319,7 @@
           <a:p>
             <a:fld id="{C729E6E7-C924-4B02-9B3A-1B790E51E1BA}" type="datetimeFigureOut">
               <a:rPr lang="zh-TW" altLang="en-US" smtClean="0"/>
-              <a:t>2018/1/8</a:t>
+              <a:t>2018/1/9</a:t>
             </a:fld>
             <a:endParaRPr lang="zh-TW" altLang="en-US"/>
           </a:p>
@@ -487,7 +489,7 @@
           <a:p>
             <a:fld id="{C729E6E7-C924-4B02-9B3A-1B790E51E1BA}" type="datetimeFigureOut">
               <a:rPr lang="zh-TW" altLang="en-US" smtClean="0"/>
-              <a:t>2018/1/8</a:t>
+              <a:t>2018/1/9</a:t>
             </a:fld>
             <a:endParaRPr lang="zh-TW" altLang="en-US"/>
           </a:p>
@@ -667,7 +669,7 @@
           <a:p>
             <a:fld id="{C729E6E7-C924-4B02-9B3A-1B790E51E1BA}" type="datetimeFigureOut">
               <a:rPr lang="zh-TW" altLang="en-US" smtClean="0"/>
-              <a:t>2018/1/8</a:t>
+              <a:t>2018/1/9</a:t>
             </a:fld>
             <a:endParaRPr lang="zh-TW" altLang="en-US"/>
           </a:p>
@@ -837,7 +839,7 @@
           <a:p>
             <a:fld id="{C729E6E7-C924-4B02-9B3A-1B790E51E1BA}" type="datetimeFigureOut">
               <a:rPr lang="zh-TW" altLang="en-US" smtClean="0"/>
-              <a:t>2018/1/8</a:t>
+              <a:t>2018/1/9</a:t>
             </a:fld>
             <a:endParaRPr lang="zh-TW" altLang="en-US"/>
           </a:p>
@@ -1083,7 +1085,7 @@
           <a:p>
             <a:fld id="{C729E6E7-C924-4B02-9B3A-1B790E51E1BA}" type="datetimeFigureOut">
               <a:rPr lang="zh-TW" altLang="en-US" smtClean="0"/>
-              <a:t>2018/1/8</a:t>
+              <a:t>2018/1/9</a:t>
             </a:fld>
             <a:endParaRPr lang="zh-TW" altLang="en-US"/>
           </a:p>
@@ -1371,7 +1373,7 @@
           <a:p>
             <a:fld id="{C729E6E7-C924-4B02-9B3A-1B790E51E1BA}" type="datetimeFigureOut">
               <a:rPr lang="zh-TW" altLang="en-US" smtClean="0"/>
-              <a:t>2018/1/8</a:t>
+              <a:t>2018/1/9</a:t>
             </a:fld>
             <a:endParaRPr lang="zh-TW" altLang="en-US"/>
           </a:p>
@@ -1798,7 +1800,7 @@
           <a:p>
             <a:fld id="{C729E6E7-C924-4B02-9B3A-1B790E51E1BA}" type="datetimeFigureOut">
               <a:rPr lang="zh-TW" altLang="en-US" smtClean="0"/>
-              <a:t>2018/1/8</a:t>
+              <a:t>2018/1/9</a:t>
             </a:fld>
             <a:endParaRPr lang="zh-TW" altLang="en-US"/>
           </a:p>
@@ -1916,7 +1918,7 @@
           <a:p>
             <a:fld id="{C729E6E7-C924-4B02-9B3A-1B790E51E1BA}" type="datetimeFigureOut">
               <a:rPr lang="zh-TW" altLang="en-US" smtClean="0"/>
-              <a:t>2018/1/8</a:t>
+              <a:t>2018/1/9</a:t>
             </a:fld>
             <a:endParaRPr lang="zh-TW" altLang="en-US"/>
           </a:p>
@@ -2011,7 +2013,7 @@
           <a:p>
             <a:fld id="{C729E6E7-C924-4B02-9B3A-1B790E51E1BA}" type="datetimeFigureOut">
               <a:rPr lang="zh-TW" altLang="en-US" smtClean="0"/>
-              <a:t>2018/1/8</a:t>
+              <a:t>2018/1/9</a:t>
             </a:fld>
             <a:endParaRPr lang="zh-TW" altLang="en-US"/>
           </a:p>
@@ -2288,7 +2290,7 @@
           <a:p>
             <a:fld id="{C729E6E7-C924-4B02-9B3A-1B790E51E1BA}" type="datetimeFigureOut">
               <a:rPr lang="zh-TW" altLang="en-US" smtClean="0"/>
-              <a:t>2018/1/8</a:t>
+              <a:t>2018/1/9</a:t>
             </a:fld>
             <a:endParaRPr lang="zh-TW" altLang="en-US"/>
           </a:p>
@@ -2541,7 +2543,7 @@
           <a:p>
             <a:fld id="{C729E6E7-C924-4B02-9B3A-1B790E51E1BA}" type="datetimeFigureOut">
               <a:rPr lang="zh-TW" altLang="en-US" smtClean="0"/>
-              <a:t>2018/1/8</a:t>
+              <a:t>2018/1/9</a:t>
             </a:fld>
             <a:endParaRPr lang="zh-TW" altLang="en-US"/>
           </a:p>
@@ -2754,7 +2756,7 @@
           <a:p>
             <a:fld id="{C729E6E7-C924-4B02-9B3A-1B790E51E1BA}" type="datetimeFigureOut">
               <a:rPr lang="zh-TW" altLang="en-US" smtClean="0"/>
-              <a:t>2018/1/8</a:t>
+              <a:t>2018/1/9</a:t>
             </a:fld>
             <a:endParaRPr lang="zh-TW" altLang="en-US"/>
           </a:p>
@@ -4103,6 +4105,475 @@
         </p:nvSpPr>
         <p:spPr>
           <a:xfrm>
+            <a:off x="0" y="-8603"/>
+            <a:ext cx="9144000" cy="392061"/>
+          </a:xfrm>
+        </p:spPr>
+        <p:style>
+          <a:lnRef idx="1">
+            <a:schemeClr val="accent1"/>
+          </a:lnRef>
+          <a:fillRef idx="3">
+            <a:schemeClr val="accent1"/>
+          </a:fillRef>
+          <a:effectRef idx="2">
+            <a:schemeClr val="accent1"/>
+          </a:effectRef>
+          <a:fontRef idx="minor">
+            <a:schemeClr val="lt1"/>
+          </a:fontRef>
+        </p:style>
+        <p:txBody>
+          <a:bodyPr>
+            <a:noAutofit/>
+          </a:bodyPr>
+          <a:lstStyle/>
+          <a:p>
+            <a:r>
+              <a:rPr lang="en-US" altLang="zh-TW" sz="2400" dirty="0" smtClean="0">
+                <a:latin typeface="微軟正黑體" panose="020B0604030504040204" pitchFamily="34" charset="-120"/>
+                <a:ea typeface="微軟正黑體" panose="020B0604030504040204" pitchFamily="34" charset="-120"/>
+              </a:rPr>
+              <a:t>Spring 5</a:t>
+            </a:r>
+            <a:r>
+              <a:rPr lang="zh-TW" altLang="en-US" sz="2400" dirty="0" smtClean="0">
+                <a:latin typeface="微軟正黑體" panose="020B0604030504040204" pitchFamily="34" charset="-120"/>
+                <a:ea typeface="微軟正黑體" panose="020B0604030504040204" pitchFamily="34" charset="-120"/>
+              </a:rPr>
+              <a:t> </a:t>
+            </a:r>
+            <a:r>
+              <a:rPr lang="en-US" altLang="zh-TW" sz="2400" dirty="0" smtClean="0">
+                <a:latin typeface="微軟正黑體" panose="020B0604030504040204" pitchFamily="34" charset="-120"/>
+                <a:ea typeface="微軟正黑體" panose="020B0604030504040204" pitchFamily="34" charset="-120"/>
+              </a:rPr>
+              <a:t>MVC – </a:t>
+            </a:r>
+            <a:r>
+              <a:rPr lang="zh-TW" altLang="en-US" sz="2400" dirty="0" smtClean="0">
+                <a:latin typeface="微軟正黑體" panose="020B0604030504040204" pitchFamily="34" charset="-120"/>
+                <a:ea typeface="微軟正黑體" panose="020B0604030504040204" pitchFamily="34" charset="-120"/>
+              </a:rPr>
+              <a:t>零</a:t>
+            </a:r>
+            <a:r>
+              <a:rPr lang="en-US" altLang="zh-TW" sz="2400" dirty="0" smtClean="0">
+                <a:latin typeface="微軟正黑體" panose="020B0604030504040204" pitchFamily="34" charset="-120"/>
+                <a:ea typeface="微軟正黑體" panose="020B0604030504040204" pitchFamily="34" charset="-120"/>
+              </a:rPr>
+              <a:t>XML</a:t>
+            </a:r>
+            <a:endParaRPr lang="zh-TW" altLang="en-US" sz="2400" dirty="0">
+              <a:latin typeface="微軟正黑體" panose="020B0604030504040204" pitchFamily="34" charset="-120"/>
+              <a:ea typeface="微軟正黑體" panose="020B0604030504040204" pitchFamily="34" charset="-120"/>
+            </a:endParaRPr>
+          </a:p>
+        </p:txBody>
+      </p:sp>
+      <p:sp>
+        <p:nvSpPr>
+          <p:cNvPr id="4" name="矩形 3"/>
+          <p:cNvSpPr/>
+          <p:nvPr/>
+        </p:nvSpPr>
+        <p:spPr>
+          <a:xfrm>
+            <a:off x="75736" y="34225"/>
+            <a:ext cx="1074638" cy="307777"/>
+          </a:xfrm>
+          <a:prstGeom prst="rect">
+            <a:avLst/>
+          </a:prstGeom>
+        </p:spPr>
+        <p:style>
+          <a:lnRef idx="1">
+            <a:schemeClr val="accent4"/>
+          </a:lnRef>
+          <a:fillRef idx="2">
+            <a:schemeClr val="accent4"/>
+          </a:fillRef>
+          <a:effectRef idx="1">
+            <a:schemeClr val="accent4"/>
+          </a:effectRef>
+          <a:fontRef idx="minor">
+            <a:schemeClr val="dk1"/>
+          </a:fontRef>
+        </p:style>
+        <p:txBody>
+          <a:bodyPr wrap="square">
+            <a:spAutoFit/>
+          </a:bodyPr>
+          <a:lstStyle/>
+          <a:p>
+            <a:pPr algn="ctr"/>
+            <a:r>
+              <a:rPr lang="en-US" altLang="zh-TW" sz="1400" b="1" i="1" dirty="0" smtClean="0"/>
+              <a:t>VO</a:t>
+            </a:r>
+            <a:endParaRPr lang="zh-TW" altLang="en-US" sz="1400" b="1" i="1" dirty="0"/>
+          </a:p>
+        </p:txBody>
+      </p:sp>
+      <p:pic>
+        <p:nvPicPr>
+          <p:cNvPr id="12290" name="Picture 2"/>
+          <p:cNvPicPr>
+            <a:picLocks noChangeAspect="1" noChangeArrowheads="1"/>
+          </p:cNvPicPr>
+          <p:nvPr/>
+        </p:nvPicPr>
+        <p:blipFill>
+          <a:blip r:embed="rId2">
+            <a:extLst>
+              <a:ext uri="{28A0092B-C50C-407E-A947-70E740481C1C}">
+                <a14:useLocalDpi xmlns:a14="http://schemas.microsoft.com/office/drawing/2010/main" val="0"/>
+              </a:ext>
+            </a:extLst>
+          </a:blip>
+          <a:srcRect/>
+          <a:stretch>
+            <a:fillRect/>
+          </a:stretch>
+        </p:blipFill>
+        <p:spPr bwMode="auto">
+          <a:xfrm>
+            <a:off x="444142" y="828675"/>
+            <a:ext cx="4676775" cy="1657350"/>
+          </a:xfrm>
+          <a:prstGeom prst="rect">
+            <a:avLst/>
+          </a:prstGeom>
+          <a:ln w="9525">
+            <a:solidFill>
+              <a:schemeClr val="tx1"/>
+            </a:solidFill>
+            <a:miter lim="800000"/>
+            <a:headEnd/>
+            <a:tailEnd/>
+          </a:ln>
+          <a:effectLst>
+            <a:outerShdw blurRad="190500" algn="tl" rotWithShape="0">
+              <a:srgbClr val="000000">
+                <a:alpha val="70000"/>
+              </a:srgbClr>
+            </a:outerShdw>
+          </a:effectLst>
+          <a:extLst>
+            <a:ext uri="{909E8E84-426E-40DD-AFC4-6F175D3DCCD1}">
+              <a14:hiddenFill xmlns:a14="http://schemas.microsoft.com/office/drawing/2010/main">
+                <a:solidFill>
+                  <a:schemeClr val="accent1"/>
+                </a:solidFill>
+              </a14:hiddenFill>
+            </a:ext>
+          </a:extLst>
+        </p:spPr>
+      </p:pic>
+      <p:pic>
+        <p:nvPicPr>
+          <p:cNvPr id="12291" name="Picture 3"/>
+          <p:cNvPicPr>
+            <a:picLocks noChangeAspect="1" noChangeArrowheads="1"/>
+          </p:cNvPicPr>
+          <p:nvPr/>
+        </p:nvPicPr>
+        <p:blipFill>
+          <a:blip r:embed="rId3">
+            <a:extLst>
+              <a:ext uri="{28A0092B-C50C-407E-A947-70E740481C1C}">
+                <a14:useLocalDpi xmlns:a14="http://schemas.microsoft.com/office/drawing/2010/main" val="0"/>
+              </a:ext>
+            </a:extLst>
+          </a:blip>
+          <a:srcRect/>
+          <a:stretch>
+            <a:fillRect/>
+          </a:stretch>
+        </p:blipFill>
+        <p:spPr bwMode="auto">
+          <a:xfrm>
+            <a:off x="4070709" y="2787292"/>
+            <a:ext cx="4581525" cy="2085975"/>
+          </a:xfrm>
+          <a:prstGeom prst="rect">
+            <a:avLst/>
+          </a:prstGeom>
+          <a:ln w="9525">
+            <a:solidFill>
+              <a:schemeClr val="tx1"/>
+            </a:solidFill>
+            <a:miter lim="800000"/>
+            <a:headEnd/>
+            <a:tailEnd/>
+          </a:ln>
+          <a:effectLst>
+            <a:outerShdw blurRad="190500" algn="tl" rotWithShape="0">
+              <a:srgbClr val="000000">
+                <a:alpha val="70000"/>
+              </a:srgbClr>
+            </a:outerShdw>
+          </a:effectLst>
+          <a:extLst>
+            <a:ext uri="{909E8E84-426E-40DD-AFC4-6F175D3DCCD1}">
+              <a14:hiddenFill xmlns:a14="http://schemas.microsoft.com/office/drawing/2010/main">
+                <a:solidFill>
+                  <a:schemeClr val="accent1"/>
+                </a:solidFill>
+              </a14:hiddenFill>
+            </a:ext>
+          </a:extLst>
+        </p:spPr>
+      </p:pic>
+      <p:sp>
+        <p:nvSpPr>
+          <p:cNvPr id="14" name="矩形 13"/>
+          <p:cNvSpPr/>
+          <p:nvPr/>
+        </p:nvSpPr>
+        <p:spPr>
+          <a:xfrm>
+            <a:off x="765892" y="2282273"/>
+            <a:ext cx="2183785" cy="152191"/>
+          </a:xfrm>
+          <a:prstGeom prst="rect">
+            <a:avLst/>
+          </a:prstGeom>
+          <a:solidFill>
+            <a:srgbClr val="FF0F0F">
+              <a:alpha val="30196"/>
+            </a:srgbClr>
+          </a:solidFill>
+          <a:ln w="3175">
+            <a:solidFill>
+              <a:srgbClr val="FF0000"/>
+            </a:solidFill>
+            <a:prstDash val="sysDot"/>
+          </a:ln>
+        </p:spPr>
+        <p:style>
+          <a:lnRef idx="2">
+            <a:schemeClr val="accent1">
+              <a:shade val="50000"/>
+            </a:schemeClr>
+          </a:lnRef>
+          <a:fillRef idx="1">
+            <a:schemeClr val="accent1"/>
+          </a:fillRef>
+          <a:effectRef idx="0">
+            <a:schemeClr val="accent1"/>
+          </a:effectRef>
+          <a:fontRef idx="minor">
+            <a:schemeClr val="lt1"/>
+          </a:fontRef>
+        </p:style>
+        <p:txBody>
+          <a:bodyPr rtlCol="0" anchor="ctr"/>
+          <a:lstStyle/>
+          <a:p>
+            <a:pPr algn="ctr"/>
+            <a:endParaRPr lang="zh-TW" altLang="en-US"/>
+          </a:p>
+        </p:txBody>
+      </p:sp>
+      <p:sp>
+        <p:nvSpPr>
+          <p:cNvPr id="15" name="矩形 14"/>
+          <p:cNvSpPr/>
+          <p:nvPr/>
+        </p:nvSpPr>
+        <p:spPr>
+          <a:xfrm>
+            <a:off x="4433324" y="4633655"/>
+            <a:ext cx="1839657" cy="184151"/>
+          </a:xfrm>
+          <a:prstGeom prst="rect">
+            <a:avLst/>
+          </a:prstGeom>
+          <a:solidFill>
+            <a:srgbClr val="FF0F0F">
+              <a:alpha val="30196"/>
+            </a:srgbClr>
+          </a:solidFill>
+          <a:ln w="3175">
+            <a:solidFill>
+              <a:srgbClr val="FF0000"/>
+            </a:solidFill>
+            <a:prstDash val="sysDot"/>
+          </a:ln>
+        </p:spPr>
+        <p:style>
+          <a:lnRef idx="2">
+            <a:schemeClr val="accent1">
+              <a:shade val="50000"/>
+            </a:schemeClr>
+          </a:lnRef>
+          <a:fillRef idx="1">
+            <a:schemeClr val="accent1"/>
+          </a:fillRef>
+          <a:effectRef idx="0">
+            <a:schemeClr val="accent1"/>
+          </a:effectRef>
+          <a:fontRef idx="minor">
+            <a:schemeClr val="lt1"/>
+          </a:fontRef>
+        </p:style>
+        <p:txBody>
+          <a:bodyPr rtlCol="0" anchor="ctr"/>
+          <a:lstStyle/>
+          <a:p>
+            <a:pPr algn="ctr"/>
+            <a:endParaRPr lang="zh-TW" altLang="en-US"/>
+          </a:p>
+        </p:txBody>
+      </p:sp>
+      <p:sp>
+        <p:nvSpPr>
+          <p:cNvPr id="16" name="矩形 15"/>
+          <p:cNvSpPr/>
+          <p:nvPr/>
+        </p:nvSpPr>
+        <p:spPr>
+          <a:xfrm>
+            <a:off x="1591802" y="822180"/>
+            <a:ext cx="649953" cy="226431"/>
+          </a:xfrm>
+          <a:prstGeom prst="rect">
+            <a:avLst/>
+          </a:prstGeom>
+          <a:solidFill>
+            <a:srgbClr val="00B050">
+              <a:alpha val="30196"/>
+            </a:srgbClr>
+          </a:solidFill>
+          <a:ln w="3175">
+            <a:solidFill>
+              <a:srgbClr val="92D050"/>
+            </a:solidFill>
+            <a:prstDash val="sysDot"/>
+          </a:ln>
+        </p:spPr>
+        <p:style>
+          <a:lnRef idx="2">
+            <a:schemeClr val="accent1">
+              <a:shade val="50000"/>
+            </a:schemeClr>
+          </a:lnRef>
+          <a:fillRef idx="1">
+            <a:schemeClr val="accent1"/>
+          </a:fillRef>
+          <a:effectRef idx="0">
+            <a:schemeClr val="accent1"/>
+          </a:effectRef>
+          <a:fontRef idx="minor">
+            <a:schemeClr val="lt1"/>
+          </a:fontRef>
+        </p:style>
+        <p:txBody>
+          <a:bodyPr rtlCol="0" anchor="ctr"/>
+          <a:lstStyle/>
+          <a:p>
+            <a:pPr algn="ctr"/>
+            <a:endParaRPr lang="zh-TW" altLang="en-US"/>
+          </a:p>
+        </p:txBody>
+      </p:sp>
+      <p:sp>
+        <p:nvSpPr>
+          <p:cNvPr id="17" name="矩形 16"/>
+          <p:cNvSpPr/>
+          <p:nvPr/>
+        </p:nvSpPr>
+        <p:spPr>
+          <a:xfrm>
+            <a:off x="5160912" y="2798463"/>
+            <a:ext cx="649953" cy="226431"/>
+          </a:xfrm>
+          <a:prstGeom prst="rect">
+            <a:avLst/>
+          </a:prstGeom>
+          <a:solidFill>
+            <a:schemeClr val="accent6">
+              <a:lumMod val="75000"/>
+              <a:alpha val="30196"/>
+            </a:schemeClr>
+          </a:solidFill>
+          <a:ln w="3175">
+            <a:solidFill>
+              <a:schemeClr val="accent6">
+                <a:lumMod val="75000"/>
+              </a:schemeClr>
+            </a:solidFill>
+            <a:prstDash val="sysDot"/>
+          </a:ln>
+        </p:spPr>
+        <p:style>
+          <a:lnRef idx="2">
+            <a:schemeClr val="accent1">
+              <a:shade val="50000"/>
+            </a:schemeClr>
+          </a:lnRef>
+          <a:fillRef idx="1">
+            <a:schemeClr val="accent1"/>
+          </a:fillRef>
+          <a:effectRef idx="0">
+            <a:schemeClr val="accent1"/>
+          </a:effectRef>
+          <a:fontRef idx="minor">
+            <a:schemeClr val="lt1"/>
+          </a:fontRef>
+        </p:style>
+        <p:txBody>
+          <a:bodyPr rtlCol="0" anchor="ctr"/>
+          <a:lstStyle/>
+          <a:p>
+            <a:pPr algn="ctr"/>
+            <a:endParaRPr lang="zh-TW" altLang="en-US"/>
+          </a:p>
+        </p:txBody>
+      </p:sp>
+    </p:spTree>
+    <p:extLst>
+      <p:ext uri="{BB962C8B-B14F-4D97-AF65-F5344CB8AC3E}">
+        <p14:creationId xmlns:p14="http://schemas.microsoft.com/office/powerpoint/2010/main" val="1838521546"/>
+      </p:ext>
+    </p:extLst>
+  </p:cSld>
+  <p:clrMapOvr>
+    <a:masterClrMapping/>
+  </p:clrMapOvr>
+</p:sld>
+</file>
+
+<file path=ppt/slides/slide11.xml><?xml version="1.0" encoding="utf-8"?>
+<p:sld xmlns:a="http://schemas.openxmlformats.org/drawingml/2006/main" xmlns:r="http://schemas.openxmlformats.org/officeDocument/2006/relationships" xmlns:p="http://schemas.openxmlformats.org/presentationml/2006/main">
+  <p:cSld>
+    <p:spTree>
+      <p:nvGrpSpPr>
+        <p:cNvPr id="1" name=""/>
+        <p:cNvGrpSpPr/>
+        <p:nvPr/>
+      </p:nvGrpSpPr>
+      <p:grpSpPr>
+        <a:xfrm>
+          <a:off x="0" y="0"/>
+          <a:ext cx="0" cy="0"/>
+          <a:chOff x="0" y="0"/>
+          <a:chExt cx="0" cy="0"/>
+        </a:xfrm>
+      </p:grpSpPr>
+      <p:sp>
+        <p:nvSpPr>
+          <p:cNvPr id="2" name="標題 1"/>
+          <p:cNvSpPr>
+            <a:spLocks noGrp="1"/>
+          </p:cNvSpPr>
+          <p:nvPr>
+            <p:ph type="ctrTitle"/>
+          </p:nvPr>
+        </p:nvSpPr>
+        <p:spPr>
+          <a:xfrm>
             <a:off x="0" y="2054943"/>
             <a:ext cx="9144000" cy="1306461"/>
           </a:xfrm>
@@ -4229,7 +4700,7 @@
 </p:sld>
 </file>
 
-<file path=ppt/slides/slide11.xml><?xml version="1.0" encoding="utf-8"?>
+<file path=ppt/slides/slide12.xml><?xml version="1.0" encoding="utf-8"?>
 <p:sld xmlns:a="http://schemas.openxmlformats.org/drawingml/2006/main" xmlns:r="http://schemas.openxmlformats.org/officeDocument/2006/relationships" xmlns:p="http://schemas.openxmlformats.org/presentationml/2006/main">
   <p:cSld>
     <p:spTree>
@@ -4542,7 +5013,7 @@
 </p:sld>
 </file>
 
-<file path=ppt/slides/slide12.xml><?xml version="1.0" encoding="utf-8"?>
+<file path=ppt/slides/slide13.xml><?xml version="1.0" encoding="utf-8"?>
 <p:sld xmlns:a="http://schemas.openxmlformats.org/drawingml/2006/main" xmlns:r="http://schemas.openxmlformats.org/officeDocument/2006/relationships" xmlns:p="http://schemas.openxmlformats.org/presentationml/2006/main">
   <p:cSld>
     <p:spTree>
@@ -4732,322 +5203,6 @@
               <a:t>DeptDAO</a:t>
             </a:r>
             <a:endParaRPr lang="zh-TW" altLang="en-US" sz="1400" dirty="0"/>
-          </a:p>
-        </p:txBody>
-      </p:sp>
-    </p:spTree>
-    <p:extLst>
-      <p:ext uri="{BB962C8B-B14F-4D97-AF65-F5344CB8AC3E}">
-        <p14:creationId xmlns:p14="http://schemas.microsoft.com/office/powerpoint/2010/main" val="937593784"/>
-      </p:ext>
-    </p:extLst>
-  </p:cSld>
-  <p:clrMapOvr>
-    <a:masterClrMapping/>
-  </p:clrMapOvr>
-</p:sld>
-</file>
-
-<file path=ppt/slides/slide13.xml><?xml version="1.0" encoding="utf-8"?>
-<p:sld xmlns:a="http://schemas.openxmlformats.org/drawingml/2006/main" xmlns:r="http://schemas.openxmlformats.org/officeDocument/2006/relationships" xmlns:p="http://schemas.openxmlformats.org/presentationml/2006/main">
-  <p:cSld>
-    <p:spTree>
-      <p:nvGrpSpPr>
-        <p:cNvPr id="1" name=""/>
-        <p:cNvGrpSpPr/>
-        <p:nvPr/>
-      </p:nvGrpSpPr>
-      <p:grpSpPr>
-        <a:xfrm>
-          <a:off x="0" y="0"/>
-          <a:ext cx="0" cy="0"/>
-          <a:chOff x="0" y="0"/>
-          <a:chExt cx="0" cy="0"/>
-        </a:xfrm>
-      </p:grpSpPr>
-      <p:sp>
-        <p:nvSpPr>
-          <p:cNvPr id="2" name="標題 1"/>
-          <p:cNvSpPr>
-            <a:spLocks noGrp="1"/>
-          </p:cNvSpPr>
-          <p:nvPr>
-            <p:ph type="ctrTitle"/>
-          </p:nvPr>
-        </p:nvSpPr>
-        <p:spPr>
-          <a:xfrm>
-            <a:off x="0" y="-8603"/>
-            <a:ext cx="9144000" cy="392061"/>
-          </a:xfrm>
-        </p:spPr>
-        <p:style>
-          <a:lnRef idx="1">
-            <a:schemeClr val="accent1"/>
-          </a:lnRef>
-          <a:fillRef idx="3">
-            <a:schemeClr val="accent1"/>
-          </a:fillRef>
-          <a:effectRef idx="2">
-            <a:schemeClr val="accent1"/>
-          </a:effectRef>
-          <a:fontRef idx="minor">
-            <a:schemeClr val="lt1"/>
-          </a:fontRef>
-        </p:style>
-        <p:txBody>
-          <a:bodyPr>
-            <a:noAutofit/>
-          </a:bodyPr>
-          <a:lstStyle/>
-          <a:p>
-            <a:r>
-              <a:rPr lang="en-US" altLang="zh-TW" sz="2400" dirty="0" smtClean="0">
-                <a:latin typeface="微軟正黑體" panose="020B0604030504040204" pitchFamily="34" charset="-120"/>
-                <a:ea typeface="微軟正黑體" panose="020B0604030504040204" pitchFamily="34" charset="-120"/>
-              </a:rPr>
-              <a:t>Spring 5</a:t>
-            </a:r>
-            <a:r>
-              <a:rPr lang="zh-TW" altLang="en-US" sz="2400" dirty="0" smtClean="0">
-                <a:latin typeface="微軟正黑體" panose="020B0604030504040204" pitchFamily="34" charset="-120"/>
-                <a:ea typeface="微軟正黑體" panose="020B0604030504040204" pitchFamily="34" charset="-120"/>
-              </a:rPr>
-              <a:t> </a:t>
-            </a:r>
-            <a:r>
-              <a:rPr lang="en-US" altLang="zh-TW" sz="2400" dirty="0" smtClean="0">
-                <a:latin typeface="微軟正黑體" panose="020B0604030504040204" pitchFamily="34" charset="-120"/>
-                <a:ea typeface="微軟正黑體" panose="020B0604030504040204" pitchFamily="34" charset="-120"/>
-              </a:rPr>
-              <a:t>MVC – </a:t>
-            </a:r>
-            <a:r>
-              <a:rPr lang="zh-TW" altLang="en-US" sz="2400" dirty="0" smtClean="0">
-                <a:latin typeface="微軟正黑體" panose="020B0604030504040204" pitchFamily="34" charset="-120"/>
-                <a:ea typeface="微軟正黑體" panose="020B0604030504040204" pitchFamily="34" charset="-120"/>
-              </a:rPr>
-              <a:t>零</a:t>
-            </a:r>
-            <a:r>
-              <a:rPr lang="en-US" altLang="zh-TW" sz="2400" dirty="0" smtClean="0">
-                <a:latin typeface="微軟正黑體" panose="020B0604030504040204" pitchFamily="34" charset="-120"/>
-                <a:ea typeface="微軟正黑體" panose="020B0604030504040204" pitchFamily="34" charset="-120"/>
-              </a:rPr>
-              <a:t>XML</a:t>
-            </a:r>
-            <a:endParaRPr lang="zh-TW" altLang="en-US" sz="2400" dirty="0">
-              <a:latin typeface="微軟正黑體" panose="020B0604030504040204" pitchFamily="34" charset="-120"/>
-              <a:ea typeface="微軟正黑體" panose="020B0604030504040204" pitchFamily="34" charset="-120"/>
-            </a:endParaRPr>
-          </a:p>
-        </p:txBody>
-      </p:sp>
-      <p:sp>
-        <p:nvSpPr>
-          <p:cNvPr id="3" name="矩形 2"/>
-          <p:cNvSpPr/>
-          <p:nvPr/>
-        </p:nvSpPr>
-        <p:spPr>
-          <a:xfrm>
-            <a:off x="250106" y="34409"/>
-            <a:ext cx="852862" cy="307777"/>
-          </a:xfrm>
-          <a:prstGeom prst="rect">
-            <a:avLst/>
-          </a:prstGeom>
-        </p:spPr>
-        <p:style>
-          <a:lnRef idx="3">
-            <a:schemeClr val="lt1"/>
-          </a:lnRef>
-          <a:fillRef idx="1">
-            <a:schemeClr val="accent3"/>
-          </a:fillRef>
-          <a:effectRef idx="1">
-            <a:schemeClr val="accent3"/>
-          </a:effectRef>
-          <a:fontRef idx="minor">
-            <a:schemeClr val="lt1"/>
-          </a:fontRef>
-        </p:style>
-        <p:txBody>
-          <a:bodyPr wrap="none">
-            <a:spAutoFit/>
-          </a:bodyPr>
-          <a:lstStyle/>
-          <a:p>
-            <a:r>
-              <a:rPr lang="en-US" altLang="zh-TW" sz="1400" b="1" dirty="0" err="1"/>
-              <a:t>EmpDAO</a:t>
-            </a:r>
-            <a:endParaRPr lang="zh-TW" altLang="en-US" sz="1400" dirty="0"/>
-          </a:p>
-        </p:txBody>
-      </p:sp>
-      <p:pic>
-        <p:nvPicPr>
-          <p:cNvPr id="9218" name="Picture 2"/>
-          <p:cNvPicPr>
-            <a:picLocks noChangeArrowheads="1"/>
-          </p:cNvPicPr>
-          <p:nvPr/>
-        </p:nvPicPr>
-        <p:blipFill>
-          <a:blip r:embed="rId2">
-            <a:extLst>
-              <a:ext uri="{28A0092B-C50C-407E-A947-70E740481C1C}">
-                <a14:useLocalDpi xmlns:a14="http://schemas.microsoft.com/office/drawing/2010/main" val="0"/>
-              </a:ext>
-            </a:extLst>
-          </a:blip>
-          <a:srcRect/>
-          <a:stretch>
-            <a:fillRect/>
-          </a:stretch>
-        </p:blipFill>
-        <p:spPr bwMode="auto">
-          <a:xfrm>
-            <a:off x="189272" y="757085"/>
-            <a:ext cx="8744400" cy="3985355"/>
-          </a:xfrm>
-          <a:prstGeom prst="rect">
-            <a:avLst/>
-          </a:prstGeom>
-          <a:ln w="9525">
-            <a:solidFill>
-              <a:schemeClr val="tx1"/>
-            </a:solidFill>
-            <a:miter lim="800000"/>
-            <a:headEnd/>
-            <a:tailEnd/>
-          </a:ln>
-          <a:effectLst>
-            <a:outerShdw blurRad="190500" algn="tl" rotWithShape="0">
-              <a:srgbClr val="000000">
-                <a:alpha val="70000"/>
-              </a:srgbClr>
-            </a:outerShdw>
-          </a:effectLst>
-          <a:extLst>
-            <a:ext uri="{909E8E84-426E-40DD-AFC4-6F175D3DCCD1}">
-              <a14:hiddenFill xmlns:a14="http://schemas.microsoft.com/office/drawing/2010/main">
-                <a:solidFill>
-                  <a:schemeClr val="accent1"/>
-                </a:solidFill>
-              </a14:hiddenFill>
-            </a:ext>
-          </a:extLst>
-        </p:spPr>
-      </p:pic>
-      <p:sp>
-        <p:nvSpPr>
-          <p:cNvPr id="4" name="圓角矩形 3"/>
-          <p:cNvSpPr/>
-          <p:nvPr/>
-        </p:nvSpPr>
-        <p:spPr>
-          <a:xfrm>
-            <a:off x="750447" y="3096179"/>
-            <a:ext cx="8170607" cy="1032387"/>
-          </a:xfrm>
-          <a:prstGeom prst="roundRect">
-            <a:avLst>
-              <a:gd name="adj" fmla="val 7072"/>
-            </a:avLst>
-          </a:prstGeom>
-          <a:solidFill>
-            <a:srgbClr val="FF0D0D">
-              <a:alpha val="5098"/>
-            </a:srgbClr>
-          </a:solidFill>
-          <a:ln w="12700">
-            <a:solidFill>
-              <a:srgbClr val="FFC000"/>
-            </a:solidFill>
-            <a:prstDash val="sysDash"/>
-          </a:ln>
-        </p:spPr>
-        <p:style>
-          <a:lnRef idx="2">
-            <a:schemeClr val="accent1">
-              <a:shade val="50000"/>
-            </a:schemeClr>
-          </a:lnRef>
-          <a:fillRef idx="1">
-            <a:schemeClr val="accent1"/>
-          </a:fillRef>
-          <a:effectRef idx="0">
-            <a:schemeClr val="accent1"/>
-          </a:effectRef>
-          <a:fontRef idx="minor">
-            <a:schemeClr val="lt1"/>
-          </a:fontRef>
-        </p:style>
-        <p:txBody>
-          <a:bodyPr rtlCol="0" anchor="ctr"/>
-          <a:lstStyle/>
-          <a:p>
-            <a:pPr algn="ctr"/>
-            <a:endParaRPr lang="zh-TW" altLang="en-US"/>
-          </a:p>
-        </p:txBody>
-      </p:sp>
-      <p:sp>
-        <p:nvSpPr>
-          <p:cNvPr id="5" name="文字方塊 4"/>
-          <p:cNvSpPr txBox="1"/>
-          <p:nvPr/>
-        </p:nvSpPr>
-        <p:spPr>
-          <a:xfrm>
-            <a:off x="6943725" y="2714625"/>
-            <a:ext cx="1866900" cy="338554"/>
-          </a:xfrm>
-          <a:prstGeom prst="rect">
-            <a:avLst/>
-          </a:prstGeom>
-          <a:solidFill>
-            <a:srgbClr val="FFC000"/>
-          </a:solidFill>
-          <a:ln>
-            <a:solidFill>
-              <a:srgbClr val="FFC000"/>
-            </a:solidFill>
-          </a:ln>
-          <a:scene3d>
-            <a:camera prst="orthographicFront"/>
-            <a:lightRig rig="threePt" dir="t"/>
-          </a:scene3d>
-          <a:sp3d>
-            <a:bevelT/>
-          </a:sp3d>
-        </p:spPr>
-        <p:txBody>
-          <a:bodyPr wrap="square" rtlCol="0">
-            <a:spAutoFit/>
-          </a:bodyPr>
-          <a:lstStyle/>
-          <a:p>
-            <a:r>
-              <a:rPr lang="zh-TW" altLang="en-US" sz="1600" dirty="0" smtClean="0">
-                <a:latin typeface="微軟正黑體" panose="020B0604030504040204" pitchFamily="34" charset="-120"/>
-                <a:ea typeface="微軟正黑體" panose="020B0604030504040204" pitchFamily="34" charset="-120"/>
-              </a:rPr>
-              <a:t>手動</a:t>
-            </a:r>
-            <a:r>
-              <a:rPr lang="en-US" altLang="zh-TW" sz="1600" dirty="0" smtClean="0">
-                <a:latin typeface="微軟正黑體" panose="020B0604030504040204" pitchFamily="34" charset="-120"/>
-                <a:ea typeface="微軟正黑體" panose="020B0604030504040204" pitchFamily="34" charset="-120"/>
-              </a:rPr>
-              <a:t>Lazy-loading</a:t>
-            </a:r>
-            <a:endParaRPr lang="zh-TW" altLang="en-US" sz="1600" dirty="0">
-              <a:latin typeface="微軟正黑體" panose="020B0604030504040204" pitchFamily="34" charset="-120"/>
-              <a:ea typeface="微軟正黑體" panose="020B0604030504040204" pitchFamily="34" charset="-120"/>
-            </a:endParaRPr>
           </a:p>
         </p:txBody>
       </p:sp>
@@ -5093,14 +5248,9 @@
         </p:nvSpPr>
         <p:spPr>
           <a:xfrm>
-            <a:off x="0" y="2054943"/>
-            <a:ext cx="9144000" cy="1306461"/>
-          </a:xfrm>
-          <a:solidFill>
-            <a:schemeClr val="accent6">
-              <a:lumMod val="50000"/>
-            </a:schemeClr>
-          </a:solidFill>
+            <a:off x="0" y="-8603"/>
+            <a:ext cx="9144000" cy="392061"/>
+          </a:xfrm>
         </p:spPr>
         <p:style>
           <a:lnRef idx="1">
@@ -5123,207 +5273,95 @@
           <a:lstStyle/>
           <a:p>
             <a:r>
-              <a:rPr lang="en-US" altLang="zh-TW" sz="3600" b="1" i="1" dirty="0" smtClean="0">
-                <a:effectLst>
-                  <a:outerShdw blurRad="38100" dist="38100" dir="2700000" algn="tl">
-                    <a:srgbClr val="000000">
-                      <a:alpha val="43137"/>
-                    </a:srgbClr>
-                  </a:outerShdw>
-                </a:effectLst>
-                <a:latin typeface="微軟正黑體" panose="020B0604030504040204" pitchFamily="34" charset="-120"/>
-                <a:ea typeface="微軟正黑體" panose="020B0604030504040204" pitchFamily="34" charset="-120"/>
-              </a:rPr>
-              <a:t>Controller</a:t>
-            </a:r>
-            <a:r>
-              <a:rPr lang="zh-TW" altLang="en-US" sz="3600" b="1" i="1" dirty="0" smtClean="0">
-                <a:effectLst>
-                  <a:outerShdw blurRad="38100" dist="38100" dir="2700000" algn="tl">
-                    <a:srgbClr val="000000">
-                      <a:alpha val="43137"/>
-                    </a:srgbClr>
-                  </a:outerShdw>
-                </a:effectLst>
+              <a:rPr lang="en-US" altLang="zh-TW" sz="2400" dirty="0" smtClean="0">
+                <a:latin typeface="微軟正黑體" panose="020B0604030504040204" pitchFamily="34" charset="-120"/>
+                <a:ea typeface="微軟正黑體" panose="020B0604030504040204" pitchFamily="34" charset="-120"/>
+              </a:rPr>
+              <a:t>Spring 5</a:t>
+            </a:r>
+            <a:r>
+              <a:rPr lang="zh-TW" altLang="en-US" sz="2400" dirty="0" smtClean="0">
                 <a:latin typeface="微軟正黑體" panose="020B0604030504040204" pitchFamily="34" charset="-120"/>
                 <a:ea typeface="微軟正黑體" panose="020B0604030504040204" pitchFamily="34" charset="-120"/>
               </a:rPr>
               <a:t> </a:t>
             </a:r>
             <a:r>
-              <a:rPr lang="en-US" altLang="zh-TW" sz="3600" b="1" i="1" dirty="0">
-                <a:effectLst>
-                  <a:outerShdw blurRad="38100" dist="38100" dir="2700000" algn="tl">
-                    <a:srgbClr val="000000">
-                      <a:alpha val="43137"/>
-                    </a:srgbClr>
-                  </a:outerShdw>
-                </a:effectLst>
-                <a:latin typeface="微軟正黑體" panose="020B0604030504040204" pitchFamily="34" charset="-120"/>
-                <a:ea typeface="微軟正黑體" panose="020B0604030504040204" pitchFamily="34" charset="-120"/>
-              </a:rPr>
-              <a:t/>
-            </a:r>
-            <a:br>
-              <a:rPr lang="en-US" altLang="zh-TW" sz="3600" b="1" i="1" dirty="0">
-                <a:effectLst>
-                  <a:outerShdw blurRad="38100" dist="38100" dir="2700000" algn="tl">
-                    <a:srgbClr val="000000">
-                      <a:alpha val="43137"/>
-                    </a:srgbClr>
-                  </a:outerShdw>
-                </a:effectLst>
-                <a:latin typeface="微軟正黑體" panose="020B0604030504040204" pitchFamily="34" charset="-120"/>
-                <a:ea typeface="微軟正黑體" panose="020B0604030504040204" pitchFamily="34" charset="-120"/>
-              </a:rPr>
-            </a:br>
-            <a:r>
-              <a:rPr lang="en-US" altLang="zh-TW" sz="3600" b="1" i="1" dirty="0" smtClean="0">
-                <a:solidFill>
-                  <a:srgbClr val="FF0F0F"/>
-                </a:solidFill>
-                <a:effectLst>
-                  <a:outerShdw blurRad="38100" dist="38100" dir="2700000" algn="tl">
-                    <a:srgbClr val="000000">
-                      <a:alpha val="43137"/>
-                    </a:srgbClr>
-                  </a:outerShdw>
-                </a:effectLst>
-                <a:latin typeface="微軟正黑體" panose="020B0604030504040204" pitchFamily="34" charset="-120"/>
-                <a:ea typeface="微軟正黑體" panose="020B0604030504040204" pitchFamily="34" charset="-120"/>
-              </a:rPr>
-              <a:t>Spring MVC</a:t>
-            </a:r>
-            <a:endParaRPr lang="zh-TW" altLang="en-US" sz="3600" b="1" i="1" dirty="0">
-              <a:solidFill>
-                <a:srgbClr val="FF0F0F"/>
-              </a:solidFill>
-              <a:effectLst>
-                <a:outerShdw blurRad="38100" dist="38100" dir="2700000" algn="tl">
-                  <a:srgbClr val="000000">
-                    <a:alpha val="43137"/>
-                  </a:srgbClr>
-                </a:outerShdw>
-              </a:effectLst>
+              <a:rPr lang="en-US" altLang="zh-TW" sz="2400" dirty="0" smtClean="0">
+                <a:latin typeface="微軟正黑體" panose="020B0604030504040204" pitchFamily="34" charset="-120"/>
+                <a:ea typeface="微軟正黑體" panose="020B0604030504040204" pitchFamily="34" charset="-120"/>
+              </a:rPr>
+              <a:t>MVC – </a:t>
+            </a:r>
+            <a:r>
+              <a:rPr lang="zh-TW" altLang="en-US" sz="2400" dirty="0" smtClean="0">
+                <a:latin typeface="微軟正黑體" panose="020B0604030504040204" pitchFamily="34" charset="-120"/>
+                <a:ea typeface="微軟正黑體" panose="020B0604030504040204" pitchFamily="34" charset="-120"/>
+              </a:rPr>
+              <a:t>零</a:t>
+            </a:r>
+            <a:r>
+              <a:rPr lang="en-US" altLang="zh-TW" sz="2400" dirty="0" smtClean="0">
+                <a:latin typeface="微軟正黑體" panose="020B0604030504040204" pitchFamily="34" charset="-120"/>
+                <a:ea typeface="微軟正黑體" panose="020B0604030504040204" pitchFamily="34" charset="-120"/>
+              </a:rPr>
+              <a:t>XML</a:t>
+            </a:r>
+            <a:endParaRPr lang="zh-TW" altLang="en-US" sz="2400" dirty="0">
               <a:latin typeface="微軟正黑體" panose="020B0604030504040204" pitchFamily="34" charset="-120"/>
               <a:ea typeface="微軟正黑體" panose="020B0604030504040204" pitchFamily="34" charset="-120"/>
             </a:endParaRPr>
           </a:p>
         </p:txBody>
       </p:sp>
-    </p:spTree>
-    <p:extLst>
-      <p:ext uri="{BB962C8B-B14F-4D97-AF65-F5344CB8AC3E}">
-        <p14:creationId xmlns:p14="http://schemas.microsoft.com/office/powerpoint/2010/main" val="1105684034"/>
-      </p:ext>
-    </p:extLst>
-  </p:cSld>
-  <p:clrMapOvr>
-    <a:masterClrMapping/>
-  </p:clrMapOvr>
-</p:sld>
-</file>
-
-<file path=ppt/slides/slide15.xml><?xml version="1.0" encoding="utf-8"?>
-<p:sld xmlns:a="http://schemas.openxmlformats.org/drawingml/2006/main" xmlns:r="http://schemas.openxmlformats.org/officeDocument/2006/relationships" xmlns:p="http://schemas.openxmlformats.org/presentationml/2006/main">
-  <p:cSld>
-    <p:spTree>
-      <p:nvGrpSpPr>
-        <p:cNvPr id="1" name=""/>
-        <p:cNvGrpSpPr/>
-        <p:nvPr/>
-      </p:nvGrpSpPr>
-      <p:grpSpPr>
-        <a:xfrm>
-          <a:off x="0" y="0"/>
-          <a:ext cx="0" cy="0"/>
-          <a:chOff x="0" y="0"/>
-          <a:chExt cx="0" cy="0"/>
-        </a:xfrm>
-      </p:grpSpPr>
-      <p:sp>
-        <p:nvSpPr>
-          <p:cNvPr id="2" name="標題 1"/>
-          <p:cNvSpPr>
-            <a:spLocks noGrp="1"/>
-          </p:cNvSpPr>
-          <p:nvPr>
-            <p:ph type="ctrTitle"/>
-          </p:nvPr>
+      <p:sp>
+        <p:nvSpPr>
+          <p:cNvPr id="3" name="矩形 2"/>
+          <p:cNvSpPr/>
+          <p:nvPr/>
         </p:nvSpPr>
         <p:spPr>
           <a:xfrm>
-            <a:off x="0" y="-8603"/>
-            <a:ext cx="9144000" cy="392061"/>
-          </a:xfrm>
+            <a:off x="250106" y="34409"/>
+            <a:ext cx="852862" cy="307777"/>
+          </a:xfrm>
+          <a:prstGeom prst="rect">
+            <a:avLst/>
+          </a:prstGeom>
         </p:spPr>
         <p:style>
-          <a:lnRef idx="1">
-            <a:schemeClr val="accent1"/>
+          <a:lnRef idx="3">
+            <a:schemeClr val="lt1"/>
           </a:lnRef>
-          <a:fillRef idx="3">
-            <a:schemeClr val="accent1"/>
+          <a:fillRef idx="1">
+            <a:schemeClr val="accent3"/>
           </a:fillRef>
-          <a:effectRef idx="2">
-            <a:schemeClr val="accent1"/>
+          <a:effectRef idx="1">
+            <a:schemeClr val="accent3"/>
           </a:effectRef>
           <a:fontRef idx="minor">
             <a:schemeClr val="lt1"/>
           </a:fontRef>
         </p:style>
         <p:txBody>
-          <a:bodyPr>
-            <a:noAutofit/>
+          <a:bodyPr wrap="none">
+            <a:spAutoFit/>
           </a:bodyPr>
           <a:lstStyle/>
           <a:p>
             <a:r>
-              <a:rPr lang="en-US" altLang="zh-TW" sz="2400" dirty="0" smtClean="0">
-                <a:latin typeface="微軟正黑體" panose="020B0604030504040204" pitchFamily="34" charset="-120"/>
-                <a:ea typeface="微軟正黑體" panose="020B0604030504040204" pitchFamily="34" charset="-120"/>
-              </a:rPr>
-              <a:t>Spring 5</a:t>
-            </a:r>
-            <a:r>
-              <a:rPr lang="zh-TW" altLang="en-US" sz="2400" dirty="0" smtClean="0">
-                <a:latin typeface="微軟正黑體" panose="020B0604030504040204" pitchFamily="34" charset="-120"/>
-                <a:ea typeface="微軟正黑體" panose="020B0604030504040204" pitchFamily="34" charset="-120"/>
-              </a:rPr>
-              <a:t> </a:t>
-            </a:r>
-            <a:r>
-              <a:rPr lang="en-US" altLang="zh-TW" sz="2400" dirty="0" smtClean="0">
-                <a:latin typeface="微軟正黑體" panose="020B0604030504040204" pitchFamily="34" charset="-120"/>
-                <a:ea typeface="微軟正黑體" panose="020B0604030504040204" pitchFamily="34" charset="-120"/>
-              </a:rPr>
-              <a:t>MVC – </a:t>
-            </a:r>
-            <a:r>
-              <a:rPr lang="zh-TW" altLang="en-US" sz="2400" dirty="0" smtClean="0">
-                <a:latin typeface="微軟正黑體" panose="020B0604030504040204" pitchFamily="34" charset="-120"/>
-                <a:ea typeface="微軟正黑體" panose="020B0604030504040204" pitchFamily="34" charset="-120"/>
-              </a:rPr>
-              <a:t>零</a:t>
-            </a:r>
-            <a:r>
-              <a:rPr lang="en-US" altLang="zh-TW" sz="2400" dirty="0" smtClean="0">
-                <a:latin typeface="微軟正黑體" panose="020B0604030504040204" pitchFamily="34" charset="-120"/>
-                <a:ea typeface="微軟正黑體" panose="020B0604030504040204" pitchFamily="34" charset="-120"/>
-              </a:rPr>
-              <a:t>XML</a:t>
-            </a:r>
-            <a:endParaRPr lang="zh-TW" altLang="en-US" sz="2400" dirty="0">
-              <a:latin typeface="微軟正黑體" panose="020B0604030504040204" pitchFamily="34" charset="-120"/>
-              <a:ea typeface="微軟正黑體" panose="020B0604030504040204" pitchFamily="34" charset="-120"/>
-            </a:endParaRPr>
+              <a:rPr lang="en-US" altLang="zh-TW" sz="1400" b="1" dirty="0" err="1"/>
+              <a:t>EmpDAO</a:t>
+            </a:r>
+            <a:endParaRPr lang="zh-TW" altLang="en-US" sz="1400" dirty="0"/>
           </a:p>
         </p:txBody>
       </p:sp>
       <p:pic>
         <p:nvPicPr>
-          <p:cNvPr id="1026" name="Picture 2"/>
+          <p:cNvPr id="9218" name="Picture 2"/>
           <p:cNvPicPr>
-            <a:picLocks noChangeAspect="1" noChangeArrowheads="1"/>
+            <a:picLocks noChangeArrowheads="1"/>
           </p:cNvPicPr>
           <p:nvPr/>
         </p:nvPicPr>
@@ -5342,8 +5380,8 @@
         </p:blipFill>
         <p:spPr bwMode="auto">
           <a:xfrm>
-            <a:off x="214194" y="628650"/>
-            <a:ext cx="8712435" cy="4362450"/>
+            <a:off x="189272" y="757085"/>
+            <a:ext cx="8744400" cy="3985355"/>
           </a:xfrm>
           <a:prstGeom prst="rect">
             <a:avLst/>
@@ -5376,26 +5414,30 @@
       </p:pic>
       <p:sp>
         <p:nvSpPr>
-          <p:cNvPr id="8" name="矩形 7"/>
+          <p:cNvPr id="4" name="圓角矩形 3"/>
           <p:cNvSpPr/>
           <p:nvPr/>
         </p:nvSpPr>
         <p:spPr>
           <a:xfrm>
-            <a:off x="3069039" y="4069471"/>
-            <a:ext cx="1541061" cy="103948"/>
-          </a:xfrm>
-          <a:prstGeom prst="rect">
-            <a:avLst/>
+            <a:off x="750447" y="3096179"/>
+            <a:ext cx="8170607" cy="1032387"/>
+          </a:xfrm>
+          <a:prstGeom prst="roundRect">
+            <a:avLst>
+              <a:gd name="adj" fmla="val 7072"/>
+            </a:avLst>
           </a:prstGeom>
           <a:solidFill>
-            <a:srgbClr val="FF0F0F">
-              <a:alpha val="30196"/>
+            <a:srgbClr val="FF0D0D">
+              <a:alpha val="5098"/>
             </a:srgbClr>
           </a:solidFill>
-          <a:ln w="3175">
-            <a:noFill/>
-            <a:prstDash val="sysDot"/>
+          <a:ln w="12700">
+            <a:solidFill>
+              <a:srgbClr val="FFC000"/>
+            </a:solidFill>
+            <a:prstDash val="sysDash"/>
           </a:ln>
         </p:spPr>
         <p:style>
@@ -5425,38 +5467,120 @@
       </p:sp>
       <p:sp>
         <p:nvSpPr>
-          <p:cNvPr id="9" name="矩形 8"/>
-          <p:cNvSpPr/>
+          <p:cNvPr id="5" name="文字方塊 4"/>
+          <p:cNvSpPr txBox="1"/>
           <p:nvPr/>
         </p:nvSpPr>
         <p:spPr>
           <a:xfrm>
-            <a:off x="3488140" y="3946296"/>
-            <a:ext cx="650474" cy="87842"/>
+            <a:off x="6943725" y="2714625"/>
+            <a:ext cx="1866900" cy="338554"/>
           </a:xfrm>
           <a:prstGeom prst="rect">
             <a:avLst/>
           </a:prstGeom>
           <a:solidFill>
-            <a:srgbClr val="FFFF00">
-              <a:alpha val="30196"/>
-            </a:srgbClr>
+            <a:srgbClr val="FFC000"/>
           </a:solidFill>
-          <a:ln w="3175">
-            <a:noFill/>
-            <a:prstDash val="sysDot"/>
+          <a:ln>
+            <a:solidFill>
+              <a:srgbClr val="FFC000"/>
+            </a:solidFill>
           </a:ln>
+          <a:scene3d>
+            <a:camera prst="orthographicFront"/>
+            <a:lightRig rig="threePt" dir="t"/>
+          </a:scene3d>
+          <a:sp3d>
+            <a:bevelT/>
+          </a:sp3d>
+        </p:spPr>
+        <p:txBody>
+          <a:bodyPr wrap="square" rtlCol="0">
+            <a:spAutoFit/>
+          </a:bodyPr>
+          <a:lstStyle/>
+          <a:p>
+            <a:r>
+              <a:rPr lang="zh-TW" altLang="en-US" sz="1600" dirty="0" smtClean="0">
+                <a:latin typeface="微軟正黑體" panose="020B0604030504040204" pitchFamily="34" charset="-120"/>
+                <a:ea typeface="微軟正黑體" panose="020B0604030504040204" pitchFamily="34" charset="-120"/>
+              </a:rPr>
+              <a:t>手動</a:t>
+            </a:r>
+            <a:r>
+              <a:rPr lang="en-US" altLang="zh-TW" sz="1600" dirty="0" smtClean="0">
+                <a:latin typeface="微軟正黑體" panose="020B0604030504040204" pitchFamily="34" charset="-120"/>
+                <a:ea typeface="微軟正黑體" panose="020B0604030504040204" pitchFamily="34" charset="-120"/>
+              </a:rPr>
+              <a:t>Lazy-loading</a:t>
+            </a:r>
+            <a:endParaRPr lang="zh-TW" altLang="en-US" sz="1600" dirty="0">
+              <a:latin typeface="微軟正黑體" panose="020B0604030504040204" pitchFamily="34" charset="-120"/>
+              <a:ea typeface="微軟正黑體" panose="020B0604030504040204" pitchFamily="34" charset="-120"/>
+            </a:endParaRPr>
+          </a:p>
+        </p:txBody>
+      </p:sp>
+    </p:spTree>
+    <p:extLst>
+      <p:ext uri="{BB962C8B-B14F-4D97-AF65-F5344CB8AC3E}">
+        <p14:creationId xmlns:p14="http://schemas.microsoft.com/office/powerpoint/2010/main" val="937593784"/>
+      </p:ext>
+    </p:extLst>
+  </p:cSld>
+  <p:clrMapOvr>
+    <a:masterClrMapping/>
+  </p:clrMapOvr>
+</p:sld>
+</file>
+
+<file path=ppt/slides/slide15.xml><?xml version="1.0" encoding="utf-8"?>
+<p:sld xmlns:a="http://schemas.openxmlformats.org/drawingml/2006/main" xmlns:r="http://schemas.openxmlformats.org/officeDocument/2006/relationships" xmlns:p="http://schemas.openxmlformats.org/presentationml/2006/main">
+  <p:cSld>
+    <p:spTree>
+      <p:nvGrpSpPr>
+        <p:cNvPr id="1" name=""/>
+        <p:cNvGrpSpPr/>
+        <p:nvPr/>
+      </p:nvGrpSpPr>
+      <p:grpSpPr>
+        <a:xfrm>
+          <a:off x="0" y="0"/>
+          <a:ext cx="0" cy="0"/>
+          <a:chOff x="0" y="0"/>
+          <a:chExt cx="0" cy="0"/>
+        </a:xfrm>
+      </p:grpSpPr>
+      <p:sp>
+        <p:nvSpPr>
+          <p:cNvPr id="2" name="標題 1"/>
+          <p:cNvSpPr>
+            <a:spLocks noGrp="1"/>
+          </p:cNvSpPr>
+          <p:nvPr>
+            <p:ph type="ctrTitle"/>
+          </p:nvPr>
+        </p:nvSpPr>
+        <p:spPr>
+          <a:xfrm>
+            <a:off x="0" y="2054943"/>
+            <a:ext cx="9144000" cy="1306461"/>
+          </a:xfrm>
+          <a:solidFill>
+            <a:schemeClr val="accent6">
+              <a:lumMod val="50000"/>
+            </a:schemeClr>
+          </a:solidFill>
         </p:spPr>
         <p:style>
-          <a:lnRef idx="2">
-            <a:schemeClr val="accent1">
-              <a:shade val="50000"/>
-            </a:schemeClr>
+          <a:lnRef idx="1">
+            <a:schemeClr val="accent1"/>
           </a:lnRef>
-          <a:fillRef idx="1">
+          <a:fillRef idx="3">
             <a:schemeClr val="accent1"/>
           </a:fillRef>
-          <a:effectRef idx="0">
+          <a:effectRef idx="2">
             <a:schemeClr val="accent1"/>
           </a:effectRef>
           <a:fontRef idx="minor">
@@ -5464,67 +5588,104 @@
           </a:fontRef>
         </p:style>
         <p:txBody>
-          <a:bodyPr rtlCol="0" anchor="ctr"/>
-          <a:lstStyle/>
-          <a:p>
-            <a:pPr algn="ctr"/>
-            <a:endParaRPr lang="zh-TW" altLang="en-US"/>
-          </a:p>
-        </p:txBody>
-      </p:sp>
-      <p:sp>
-        <p:nvSpPr>
-          <p:cNvPr id="10" name="矩形 9"/>
-          <p:cNvSpPr/>
-          <p:nvPr/>
-        </p:nvSpPr>
-        <p:spPr>
-          <a:xfrm>
-            <a:off x="3873902" y="4074883"/>
-            <a:ext cx="650474" cy="87842"/>
-          </a:xfrm>
-          <a:prstGeom prst="rect">
-            <a:avLst/>
-          </a:prstGeom>
-          <a:solidFill>
-            <a:srgbClr val="FFFF00">
-              <a:alpha val="30196"/>
-            </a:srgbClr>
-          </a:solidFill>
-          <a:ln w="3175">
-            <a:noFill/>
-            <a:prstDash val="sysDot"/>
-          </a:ln>
-        </p:spPr>
-        <p:style>
-          <a:lnRef idx="2">
-            <a:schemeClr val="accent1">
-              <a:shade val="50000"/>
-            </a:schemeClr>
-          </a:lnRef>
-          <a:fillRef idx="1">
-            <a:schemeClr val="accent1"/>
-          </a:fillRef>
-          <a:effectRef idx="0">
-            <a:schemeClr val="accent1"/>
-          </a:effectRef>
-          <a:fontRef idx="minor">
-            <a:schemeClr val="lt1"/>
-          </a:fontRef>
-        </p:style>
-        <p:txBody>
-          <a:bodyPr rtlCol="0" anchor="ctr"/>
-          <a:lstStyle/>
-          <a:p>
-            <a:pPr algn="ctr"/>
-            <a:endParaRPr lang="zh-TW" altLang="en-US"/>
+          <a:bodyPr>
+            <a:noAutofit/>
+          </a:bodyPr>
+          <a:lstStyle/>
+          <a:p>
+            <a:r>
+              <a:rPr lang="en-US" altLang="zh-TW" sz="3600" b="1" i="1" dirty="0" smtClean="0">
+                <a:effectLst>
+                  <a:outerShdw blurRad="38100" dist="38100" dir="2700000" algn="tl">
+                    <a:srgbClr val="000000">
+                      <a:alpha val="43137"/>
+                    </a:srgbClr>
+                  </a:outerShdw>
+                </a:effectLst>
+                <a:latin typeface="微軟正黑體" panose="020B0604030504040204" pitchFamily="34" charset="-120"/>
+                <a:ea typeface="微軟正黑體" panose="020B0604030504040204" pitchFamily="34" charset="-120"/>
+              </a:rPr>
+              <a:t>Controller</a:t>
+            </a:r>
+            <a:r>
+              <a:rPr lang="zh-TW" altLang="en-US" sz="3600" b="1" i="1" dirty="0" smtClean="0">
+                <a:effectLst>
+                  <a:outerShdw blurRad="38100" dist="38100" dir="2700000" algn="tl">
+                    <a:srgbClr val="000000">
+                      <a:alpha val="43137"/>
+                    </a:srgbClr>
+                  </a:outerShdw>
+                </a:effectLst>
+                <a:latin typeface="微軟正黑體" panose="020B0604030504040204" pitchFamily="34" charset="-120"/>
+                <a:ea typeface="微軟正黑體" panose="020B0604030504040204" pitchFamily="34" charset="-120"/>
+              </a:rPr>
+              <a:t> </a:t>
+            </a:r>
+            <a:r>
+              <a:rPr lang="en-US" altLang="zh-TW" sz="3600" b="1" i="1" dirty="0">
+                <a:effectLst>
+                  <a:outerShdw blurRad="38100" dist="38100" dir="2700000" algn="tl">
+                    <a:srgbClr val="000000">
+                      <a:alpha val="43137"/>
+                    </a:srgbClr>
+                  </a:outerShdw>
+                </a:effectLst>
+                <a:latin typeface="微軟正黑體" panose="020B0604030504040204" pitchFamily="34" charset="-120"/>
+                <a:ea typeface="微軟正黑體" panose="020B0604030504040204" pitchFamily="34" charset="-120"/>
+              </a:rPr>
+              <a:t/>
+            </a:r>
+            <a:br>
+              <a:rPr lang="en-US" altLang="zh-TW" sz="3600" b="1" i="1" dirty="0">
+                <a:effectLst>
+                  <a:outerShdw blurRad="38100" dist="38100" dir="2700000" algn="tl">
+                    <a:srgbClr val="000000">
+                      <a:alpha val="43137"/>
+                    </a:srgbClr>
+                  </a:outerShdw>
+                </a:effectLst>
+                <a:latin typeface="微軟正黑體" panose="020B0604030504040204" pitchFamily="34" charset="-120"/>
+                <a:ea typeface="微軟正黑體" panose="020B0604030504040204" pitchFamily="34" charset="-120"/>
+              </a:rPr>
+            </a:br>
+            <a:r>
+              <a:rPr lang="en-US" altLang="zh-TW" sz="3600" b="1" i="1" dirty="0" smtClean="0">
+                <a:solidFill>
+                  <a:srgbClr val="FF0F0F"/>
+                </a:solidFill>
+                <a:effectLst>
+                  <a:outerShdw blurRad="38100" dist="38100" dir="2700000" algn="tl">
+                    <a:srgbClr val="000000">
+                      <a:alpha val="43137"/>
+                    </a:srgbClr>
+                  </a:outerShdw>
+                </a:effectLst>
+                <a:latin typeface="微軟正黑體" panose="020B0604030504040204" pitchFamily="34" charset="-120"/>
+                <a:ea typeface="微軟正黑體" panose="020B0604030504040204" pitchFamily="34" charset="-120"/>
+              </a:rPr>
+              <a:t>Spring MVC</a:t>
+            </a:r>
+            <a:endParaRPr lang="zh-TW" altLang="en-US" sz="3600" b="1" i="1" dirty="0">
+              <a:solidFill>
+                <a:srgbClr val="FF0F0F"/>
+              </a:solidFill>
+              <a:effectLst>
+                <a:outerShdw blurRad="38100" dist="38100" dir="2700000" algn="tl">
+                  <a:srgbClr val="000000">
+                    <a:alpha val="43137"/>
+                  </a:srgbClr>
+                </a:outerShdw>
+              </a:effectLst>
+              <a:latin typeface="微軟正黑體" panose="020B0604030504040204" pitchFamily="34" charset="-120"/>
+              <a:ea typeface="微軟正黑體" panose="020B0604030504040204" pitchFamily="34" charset="-120"/>
+            </a:endParaRPr>
           </a:p>
         </p:txBody>
       </p:sp>
     </p:spTree>
     <p:extLst>
       <p:ext uri="{BB962C8B-B14F-4D97-AF65-F5344CB8AC3E}">
-        <p14:creationId xmlns:p14="http://schemas.microsoft.com/office/powerpoint/2010/main" val="994905310"/>
+        <p14:creationId xmlns:p14="http://schemas.microsoft.com/office/powerpoint/2010/main" val="1105684034"/>
       </p:ext>
     </p:extLst>
   </p:cSld>
@@ -5563,19 +5724,19 @@
         </p:nvSpPr>
         <p:spPr>
           <a:xfrm>
-            <a:off x="0" y="2094272"/>
-            <a:ext cx="9144000" cy="1198307"/>
+            <a:off x="0" y="-8603"/>
+            <a:ext cx="9144000" cy="392061"/>
           </a:xfrm>
         </p:spPr>
         <p:style>
           <a:lnRef idx="1">
-            <a:schemeClr val="accent6"/>
+            <a:schemeClr val="accent1"/>
           </a:lnRef>
           <a:fillRef idx="3">
-            <a:schemeClr val="accent6"/>
+            <a:schemeClr val="accent1"/>
           </a:fillRef>
           <a:effectRef idx="2">
-            <a:schemeClr val="accent6"/>
+            <a:schemeClr val="accent1"/>
           </a:effectRef>
           <a:fontRef idx="minor">
             <a:schemeClr val="lt1"/>
@@ -5588,103 +5749,6 @@
           <a:lstStyle/>
           <a:p>
             <a:r>
-              <a:rPr lang="en-US" altLang="zh-TW" sz="3600" b="1" i="1" dirty="0" smtClean="0">
-                <a:effectLst>
-                  <a:outerShdw blurRad="38100" dist="38100" dir="2700000" algn="tl">
-                    <a:srgbClr val="000000">
-                      <a:alpha val="43137"/>
-                    </a:srgbClr>
-                  </a:outerShdw>
-                </a:effectLst>
-                <a:latin typeface="微軟正黑體" panose="020B0604030504040204" pitchFamily="34" charset="-120"/>
-                <a:ea typeface="微軟正黑體" panose="020B0604030504040204" pitchFamily="34" charset="-120"/>
-              </a:rPr>
-              <a:t>JUNIT TEST</a:t>
-            </a:r>
-            <a:endParaRPr lang="zh-TW" altLang="en-US" sz="3600" b="1" i="1" dirty="0">
-              <a:solidFill>
-                <a:srgbClr val="FF0F0F"/>
-              </a:solidFill>
-              <a:effectLst>
-                <a:outerShdw blurRad="38100" dist="38100" dir="2700000" algn="tl">
-                  <a:srgbClr val="000000">
-                    <a:alpha val="43137"/>
-                  </a:srgbClr>
-                </a:outerShdw>
-              </a:effectLst>
-              <a:latin typeface="微軟正黑體" panose="020B0604030504040204" pitchFamily="34" charset="-120"/>
-              <a:ea typeface="微軟正黑體" panose="020B0604030504040204" pitchFamily="34" charset="-120"/>
-            </a:endParaRPr>
-          </a:p>
-        </p:txBody>
-      </p:sp>
-    </p:spTree>
-    <p:extLst>
-      <p:ext uri="{BB962C8B-B14F-4D97-AF65-F5344CB8AC3E}">
-        <p14:creationId xmlns:p14="http://schemas.microsoft.com/office/powerpoint/2010/main" val="1439685070"/>
-      </p:ext>
-    </p:extLst>
-  </p:cSld>
-  <p:clrMapOvr>
-    <a:masterClrMapping/>
-  </p:clrMapOvr>
-</p:sld>
-</file>
-
-<file path=ppt/slides/slide17.xml><?xml version="1.0" encoding="utf-8"?>
-<p:sld xmlns:a="http://schemas.openxmlformats.org/drawingml/2006/main" xmlns:r="http://schemas.openxmlformats.org/officeDocument/2006/relationships" xmlns:p="http://schemas.openxmlformats.org/presentationml/2006/main">
-  <p:cSld>
-    <p:spTree>
-      <p:nvGrpSpPr>
-        <p:cNvPr id="1" name=""/>
-        <p:cNvGrpSpPr/>
-        <p:nvPr/>
-      </p:nvGrpSpPr>
-      <p:grpSpPr>
-        <a:xfrm>
-          <a:off x="0" y="0"/>
-          <a:ext cx="0" cy="0"/>
-          <a:chOff x="0" y="0"/>
-          <a:chExt cx="0" cy="0"/>
-        </a:xfrm>
-      </p:grpSpPr>
-      <p:sp>
-        <p:nvSpPr>
-          <p:cNvPr id="2" name="標題 1"/>
-          <p:cNvSpPr>
-            <a:spLocks noGrp="1"/>
-          </p:cNvSpPr>
-          <p:nvPr>
-            <p:ph type="ctrTitle"/>
-          </p:nvPr>
-        </p:nvSpPr>
-        <p:spPr>
-          <a:xfrm>
-            <a:off x="0" y="-8603"/>
-            <a:ext cx="9144000" cy="392061"/>
-          </a:xfrm>
-        </p:spPr>
-        <p:style>
-          <a:lnRef idx="1">
-            <a:schemeClr val="accent1"/>
-          </a:lnRef>
-          <a:fillRef idx="3">
-            <a:schemeClr val="accent1"/>
-          </a:fillRef>
-          <a:effectRef idx="2">
-            <a:schemeClr val="accent1"/>
-          </a:effectRef>
-          <a:fontRef idx="minor">
-            <a:schemeClr val="lt1"/>
-          </a:fontRef>
-        </p:style>
-        <p:txBody>
-          <a:bodyPr>
-            <a:noAutofit/>
-          </a:bodyPr>
-          <a:lstStyle/>
-          <a:p>
-            <a:r>
               <a:rPr lang="en-US" altLang="zh-TW" sz="2400" dirty="0" smtClean="0">
                 <a:latin typeface="微軟正黑體" panose="020B0604030504040204" pitchFamily="34" charset="-120"/>
                 <a:ea typeface="微軟正黑體" panose="020B0604030504040204" pitchFamily="34" charset="-120"/>
@@ -5720,56 +5784,6 @@
               <a:t>XML</a:t>
             </a:r>
             <a:endParaRPr lang="zh-TW" altLang="en-US" sz="2400" dirty="0">
-              <a:latin typeface="微軟正黑體" panose="020B0604030504040204" pitchFamily="34" charset="-120"/>
-              <a:ea typeface="微軟正黑體" panose="020B0604030504040204" pitchFamily="34" charset="-120"/>
-            </a:endParaRPr>
-          </a:p>
-        </p:txBody>
-      </p:sp>
-      <p:sp>
-        <p:nvSpPr>
-          <p:cNvPr id="3" name="矩形 2"/>
-          <p:cNvSpPr/>
-          <p:nvPr/>
-        </p:nvSpPr>
-        <p:spPr>
-          <a:xfrm>
-            <a:off x="87144" y="49160"/>
-            <a:ext cx="1901033" cy="307777"/>
-          </a:xfrm>
-          <a:prstGeom prst="rect">
-            <a:avLst/>
-          </a:prstGeom>
-          <a:solidFill>
-            <a:schemeClr val="accent2"/>
-          </a:solidFill>
-        </p:spPr>
-        <p:txBody>
-          <a:bodyPr wrap="none">
-            <a:spAutoFit/>
-          </a:bodyPr>
-          <a:lstStyle/>
-          <a:p>
-            <a:r>
-              <a:rPr lang="en-US" altLang="zh-TW" sz="1400" b="1" i="1" dirty="0" smtClean="0">
-                <a:solidFill>
-                  <a:schemeClr val="accent1">
-                    <a:lumMod val="60000"/>
-                    <a:lumOff val="40000"/>
-                  </a:schemeClr>
-                </a:solidFill>
-                <a:latin typeface="微軟正黑體" panose="020B0604030504040204" pitchFamily="34" charset="-120"/>
-                <a:ea typeface="微軟正黑體" panose="020B0604030504040204" pitchFamily="34" charset="-120"/>
-              </a:rPr>
-              <a:t>DatasourceTest.java</a:t>
-            </a:r>
-            <a:endParaRPr lang="zh-TW" altLang="en-US" sz="1400" b="1" i="1" dirty="0">
-              <a:solidFill>
-                <a:schemeClr val="accent1">
-                  <a:lumMod val="60000"/>
-                  <a:lumOff val="40000"/>
-                </a:schemeClr>
-              </a:solidFill>
               <a:latin typeface="微軟正黑體" panose="020B0604030504040204" pitchFamily="34" charset="-120"/>
               <a:ea typeface="微軟正黑體" panose="020B0604030504040204" pitchFamily="34" charset="-120"/>
             </a:endParaRPr>
@@ -5799,8 +5813,8 @@
         </p:blipFill>
         <p:spPr bwMode="auto">
           <a:xfrm>
-            <a:off x="371191" y="496662"/>
-            <a:ext cx="3908255" cy="4574268"/>
+            <a:off x="214194" y="628650"/>
+            <a:ext cx="8712435" cy="4362450"/>
           </a:xfrm>
           <a:prstGeom prst="rect">
             <a:avLst/>
@@ -5831,16 +5845,418 @@
           </a:extLst>
         </p:spPr>
       </p:pic>
+      <p:sp>
+        <p:nvSpPr>
+          <p:cNvPr id="8" name="矩形 7"/>
+          <p:cNvSpPr/>
+          <p:nvPr/>
+        </p:nvSpPr>
+        <p:spPr>
+          <a:xfrm>
+            <a:off x="3069039" y="4069471"/>
+            <a:ext cx="1541061" cy="103948"/>
+          </a:xfrm>
+          <a:prstGeom prst="rect">
+            <a:avLst/>
+          </a:prstGeom>
+          <a:solidFill>
+            <a:srgbClr val="FF0F0F">
+              <a:alpha val="30196"/>
+            </a:srgbClr>
+          </a:solidFill>
+          <a:ln w="3175">
+            <a:noFill/>
+            <a:prstDash val="sysDot"/>
+          </a:ln>
+        </p:spPr>
+        <p:style>
+          <a:lnRef idx="2">
+            <a:schemeClr val="accent1">
+              <a:shade val="50000"/>
+            </a:schemeClr>
+          </a:lnRef>
+          <a:fillRef idx="1">
+            <a:schemeClr val="accent1"/>
+          </a:fillRef>
+          <a:effectRef idx="0">
+            <a:schemeClr val="accent1"/>
+          </a:effectRef>
+          <a:fontRef idx="minor">
+            <a:schemeClr val="lt1"/>
+          </a:fontRef>
+        </p:style>
+        <p:txBody>
+          <a:bodyPr rtlCol="0" anchor="ctr"/>
+          <a:lstStyle/>
+          <a:p>
+            <a:pPr algn="ctr"/>
+            <a:endParaRPr lang="zh-TW" altLang="en-US"/>
+          </a:p>
+        </p:txBody>
+      </p:sp>
+      <p:sp>
+        <p:nvSpPr>
+          <p:cNvPr id="9" name="矩形 8"/>
+          <p:cNvSpPr/>
+          <p:nvPr/>
+        </p:nvSpPr>
+        <p:spPr>
+          <a:xfrm>
+            <a:off x="3488140" y="3946296"/>
+            <a:ext cx="650474" cy="87842"/>
+          </a:xfrm>
+          <a:prstGeom prst="rect">
+            <a:avLst/>
+          </a:prstGeom>
+          <a:solidFill>
+            <a:srgbClr val="FFFF00">
+              <a:alpha val="30196"/>
+            </a:srgbClr>
+          </a:solidFill>
+          <a:ln w="3175">
+            <a:noFill/>
+            <a:prstDash val="sysDot"/>
+          </a:ln>
+        </p:spPr>
+        <p:style>
+          <a:lnRef idx="2">
+            <a:schemeClr val="accent1">
+              <a:shade val="50000"/>
+            </a:schemeClr>
+          </a:lnRef>
+          <a:fillRef idx="1">
+            <a:schemeClr val="accent1"/>
+          </a:fillRef>
+          <a:effectRef idx="0">
+            <a:schemeClr val="accent1"/>
+          </a:effectRef>
+          <a:fontRef idx="minor">
+            <a:schemeClr val="lt1"/>
+          </a:fontRef>
+        </p:style>
+        <p:txBody>
+          <a:bodyPr rtlCol="0" anchor="ctr"/>
+          <a:lstStyle/>
+          <a:p>
+            <a:pPr algn="ctr"/>
+            <a:endParaRPr lang="zh-TW" altLang="en-US"/>
+          </a:p>
+        </p:txBody>
+      </p:sp>
+      <p:sp>
+        <p:nvSpPr>
+          <p:cNvPr id="10" name="矩形 9"/>
+          <p:cNvSpPr/>
+          <p:nvPr/>
+        </p:nvSpPr>
+        <p:spPr>
+          <a:xfrm>
+            <a:off x="3873902" y="4074883"/>
+            <a:ext cx="650474" cy="87842"/>
+          </a:xfrm>
+          <a:prstGeom prst="rect">
+            <a:avLst/>
+          </a:prstGeom>
+          <a:solidFill>
+            <a:srgbClr val="FFFF00">
+              <a:alpha val="30196"/>
+            </a:srgbClr>
+          </a:solidFill>
+          <a:ln w="3175">
+            <a:noFill/>
+            <a:prstDash val="sysDot"/>
+          </a:ln>
+        </p:spPr>
+        <p:style>
+          <a:lnRef idx="2">
+            <a:schemeClr val="accent1">
+              <a:shade val="50000"/>
+            </a:schemeClr>
+          </a:lnRef>
+          <a:fillRef idx="1">
+            <a:schemeClr val="accent1"/>
+          </a:fillRef>
+          <a:effectRef idx="0">
+            <a:schemeClr val="accent1"/>
+          </a:effectRef>
+          <a:fontRef idx="minor">
+            <a:schemeClr val="lt1"/>
+          </a:fontRef>
+        </p:style>
+        <p:txBody>
+          <a:bodyPr rtlCol="0" anchor="ctr"/>
+          <a:lstStyle/>
+          <a:p>
+            <a:pPr algn="ctr"/>
+            <a:endParaRPr lang="zh-TW" altLang="en-US"/>
+          </a:p>
+        </p:txBody>
+      </p:sp>
+    </p:spTree>
+    <p:extLst>
+      <p:ext uri="{BB962C8B-B14F-4D97-AF65-F5344CB8AC3E}">
+        <p14:creationId xmlns:p14="http://schemas.microsoft.com/office/powerpoint/2010/main" val="994905310"/>
+      </p:ext>
+    </p:extLst>
+  </p:cSld>
+  <p:clrMapOvr>
+    <a:masterClrMapping/>
+  </p:clrMapOvr>
+</p:sld>
+</file>
+
+<file path=ppt/slides/slide17.xml><?xml version="1.0" encoding="utf-8"?>
+<p:sld xmlns:a="http://schemas.openxmlformats.org/drawingml/2006/main" xmlns:r="http://schemas.openxmlformats.org/officeDocument/2006/relationships" xmlns:p="http://schemas.openxmlformats.org/presentationml/2006/main">
+  <p:cSld>
+    <p:spTree>
+      <p:nvGrpSpPr>
+        <p:cNvPr id="1" name=""/>
+        <p:cNvGrpSpPr/>
+        <p:nvPr/>
+      </p:nvGrpSpPr>
+      <p:grpSpPr>
+        <a:xfrm>
+          <a:off x="0" y="0"/>
+          <a:ext cx="0" cy="0"/>
+          <a:chOff x="0" y="0"/>
+          <a:chExt cx="0" cy="0"/>
+        </a:xfrm>
+      </p:grpSpPr>
+      <p:sp>
+        <p:nvSpPr>
+          <p:cNvPr id="2" name="標題 1"/>
+          <p:cNvSpPr>
+            <a:spLocks noGrp="1"/>
+          </p:cNvSpPr>
+          <p:nvPr>
+            <p:ph type="ctrTitle"/>
+          </p:nvPr>
+        </p:nvSpPr>
+        <p:spPr>
+          <a:xfrm>
+            <a:off x="0" y="2094272"/>
+            <a:ext cx="9144000" cy="1198307"/>
+          </a:xfrm>
+        </p:spPr>
+        <p:style>
+          <a:lnRef idx="1">
+            <a:schemeClr val="accent6"/>
+          </a:lnRef>
+          <a:fillRef idx="3">
+            <a:schemeClr val="accent6"/>
+          </a:fillRef>
+          <a:effectRef idx="2">
+            <a:schemeClr val="accent6"/>
+          </a:effectRef>
+          <a:fontRef idx="minor">
+            <a:schemeClr val="lt1"/>
+          </a:fontRef>
+        </p:style>
+        <p:txBody>
+          <a:bodyPr>
+            <a:noAutofit/>
+          </a:bodyPr>
+          <a:lstStyle/>
+          <a:p>
+            <a:r>
+              <a:rPr lang="en-US" altLang="zh-TW" sz="3600" b="1" i="1" dirty="0" smtClean="0">
+                <a:effectLst>
+                  <a:outerShdw blurRad="38100" dist="38100" dir="2700000" algn="tl">
+                    <a:srgbClr val="000000">
+                      <a:alpha val="43137"/>
+                    </a:srgbClr>
+                  </a:outerShdw>
+                </a:effectLst>
+                <a:latin typeface="微軟正黑體" panose="020B0604030504040204" pitchFamily="34" charset="-120"/>
+                <a:ea typeface="微軟正黑體" panose="020B0604030504040204" pitchFamily="34" charset="-120"/>
+              </a:rPr>
+              <a:t>JUNIT TEST</a:t>
+            </a:r>
+            <a:endParaRPr lang="zh-TW" altLang="en-US" sz="3600" b="1" i="1" dirty="0">
+              <a:solidFill>
+                <a:srgbClr val="FF0F0F"/>
+              </a:solidFill>
+              <a:effectLst>
+                <a:outerShdw blurRad="38100" dist="38100" dir="2700000" algn="tl">
+                  <a:srgbClr val="000000">
+                    <a:alpha val="43137"/>
+                  </a:srgbClr>
+                </a:outerShdw>
+              </a:effectLst>
+              <a:latin typeface="微軟正黑體" panose="020B0604030504040204" pitchFamily="34" charset="-120"/>
+              <a:ea typeface="微軟正黑體" panose="020B0604030504040204" pitchFamily="34" charset="-120"/>
+            </a:endParaRPr>
+          </a:p>
+        </p:txBody>
+      </p:sp>
+    </p:spTree>
+    <p:extLst>
+      <p:ext uri="{BB962C8B-B14F-4D97-AF65-F5344CB8AC3E}">
+        <p14:creationId xmlns:p14="http://schemas.microsoft.com/office/powerpoint/2010/main" val="1439685070"/>
+      </p:ext>
+    </p:extLst>
+  </p:cSld>
+  <p:clrMapOvr>
+    <a:masterClrMapping/>
+  </p:clrMapOvr>
+</p:sld>
+</file>
+
+<file path=ppt/slides/slide18.xml><?xml version="1.0" encoding="utf-8"?>
+<p:sld xmlns:a="http://schemas.openxmlformats.org/drawingml/2006/main" xmlns:r="http://schemas.openxmlformats.org/officeDocument/2006/relationships" xmlns:p="http://schemas.openxmlformats.org/presentationml/2006/main">
+  <p:cSld>
+    <p:spTree>
+      <p:nvGrpSpPr>
+        <p:cNvPr id="1" name=""/>
+        <p:cNvGrpSpPr/>
+        <p:nvPr/>
+      </p:nvGrpSpPr>
+      <p:grpSpPr>
+        <a:xfrm>
+          <a:off x="0" y="0"/>
+          <a:ext cx="0" cy="0"/>
+          <a:chOff x="0" y="0"/>
+          <a:chExt cx="0" cy="0"/>
+        </a:xfrm>
+      </p:grpSpPr>
+      <p:sp>
+        <p:nvSpPr>
+          <p:cNvPr id="2" name="標題 1"/>
+          <p:cNvSpPr>
+            <a:spLocks noGrp="1"/>
+          </p:cNvSpPr>
+          <p:nvPr>
+            <p:ph type="ctrTitle"/>
+          </p:nvPr>
+        </p:nvSpPr>
+        <p:spPr>
+          <a:xfrm>
+            <a:off x="0" y="-8603"/>
+            <a:ext cx="9144000" cy="392061"/>
+          </a:xfrm>
+        </p:spPr>
+        <p:style>
+          <a:lnRef idx="1">
+            <a:schemeClr val="accent1"/>
+          </a:lnRef>
+          <a:fillRef idx="3">
+            <a:schemeClr val="accent1"/>
+          </a:fillRef>
+          <a:effectRef idx="2">
+            <a:schemeClr val="accent1"/>
+          </a:effectRef>
+          <a:fontRef idx="minor">
+            <a:schemeClr val="lt1"/>
+          </a:fontRef>
+        </p:style>
+        <p:txBody>
+          <a:bodyPr>
+            <a:noAutofit/>
+          </a:bodyPr>
+          <a:lstStyle/>
+          <a:p>
+            <a:r>
+              <a:rPr lang="en-US" altLang="zh-TW" sz="2400" dirty="0" smtClean="0">
+                <a:latin typeface="微軟正黑體" panose="020B0604030504040204" pitchFamily="34" charset="-120"/>
+                <a:ea typeface="微軟正黑體" panose="020B0604030504040204" pitchFamily="34" charset="-120"/>
+              </a:rPr>
+              <a:t>Spring 5</a:t>
+            </a:r>
+            <a:r>
+              <a:rPr lang="zh-TW" altLang="en-US" sz="2400" dirty="0" smtClean="0">
+                <a:latin typeface="微軟正黑體" panose="020B0604030504040204" pitchFamily="34" charset="-120"/>
+                <a:ea typeface="微軟正黑體" panose="020B0604030504040204" pitchFamily="34" charset="-120"/>
+              </a:rPr>
+              <a:t> </a:t>
+            </a:r>
+            <a:r>
+              <a:rPr lang="en-US" altLang="zh-TW" sz="2400" dirty="0" smtClean="0">
+                <a:latin typeface="微軟正黑體" panose="020B0604030504040204" pitchFamily="34" charset="-120"/>
+                <a:ea typeface="微軟正黑體" panose="020B0604030504040204" pitchFamily="34" charset="-120"/>
+              </a:rPr>
+              <a:t>MVC – </a:t>
+            </a:r>
+            <a:r>
+              <a:rPr lang="zh-TW" altLang="en-US" sz="2400" dirty="0" smtClean="0">
+                <a:latin typeface="微軟正黑體" panose="020B0604030504040204" pitchFamily="34" charset="-120"/>
+                <a:ea typeface="微軟正黑體" panose="020B0604030504040204" pitchFamily="34" charset="-120"/>
+              </a:rPr>
+              <a:t>零</a:t>
+            </a:r>
+            <a:r>
+              <a:rPr lang="en-US" altLang="zh-TW" sz="2400" dirty="0" smtClean="0">
+                <a:latin typeface="微軟正黑體" panose="020B0604030504040204" pitchFamily="34" charset="-120"/>
+                <a:ea typeface="微軟正黑體" panose="020B0604030504040204" pitchFamily="34" charset="-120"/>
+              </a:rPr>
+              <a:t>XML</a:t>
+            </a:r>
+            <a:endParaRPr lang="zh-TW" altLang="en-US" sz="2400" dirty="0">
+              <a:latin typeface="微軟正黑體" panose="020B0604030504040204" pitchFamily="34" charset="-120"/>
+              <a:ea typeface="微軟正黑體" panose="020B0604030504040204" pitchFamily="34" charset="-120"/>
+            </a:endParaRPr>
+          </a:p>
+        </p:txBody>
+      </p:sp>
+      <p:sp>
+        <p:nvSpPr>
+          <p:cNvPr id="3" name="矩形 2"/>
+          <p:cNvSpPr/>
+          <p:nvPr/>
+        </p:nvSpPr>
+        <p:spPr>
+          <a:xfrm>
+            <a:off x="87144" y="49160"/>
+            <a:ext cx="1901033" cy="307777"/>
+          </a:xfrm>
+          <a:prstGeom prst="rect">
+            <a:avLst/>
+          </a:prstGeom>
+          <a:solidFill>
+            <a:schemeClr val="accent2"/>
+          </a:solidFill>
+        </p:spPr>
+        <p:txBody>
+          <a:bodyPr wrap="none">
+            <a:spAutoFit/>
+          </a:bodyPr>
+          <a:lstStyle/>
+          <a:p>
+            <a:r>
+              <a:rPr lang="en-US" altLang="zh-TW" sz="1400" b="1" i="1" dirty="0" smtClean="0">
+                <a:solidFill>
+                  <a:schemeClr val="accent1">
+                    <a:lumMod val="60000"/>
+                    <a:lumOff val="40000"/>
+                  </a:schemeClr>
+                </a:solidFill>
+                <a:latin typeface="微軟正黑體" panose="020B0604030504040204" pitchFamily="34" charset="-120"/>
+                <a:ea typeface="微軟正黑體" panose="020B0604030504040204" pitchFamily="34" charset="-120"/>
+              </a:rPr>
+              <a:t>DatasourceTest.java</a:t>
+            </a:r>
+            <a:endParaRPr lang="zh-TW" altLang="en-US" sz="1400" b="1" i="1" dirty="0">
+              <a:solidFill>
+                <a:schemeClr val="accent1">
+                  <a:lumMod val="60000"/>
+                  <a:lumOff val="40000"/>
+                </a:schemeClr>
+              </a:solidFill>
+              <a:latin typeface="微軟正黑體" panose="020B0604030504040204" pitchFamily="34" charset="-120"/>
+              <a:ea typeface="微軟正黑體" panose="020B0604030504040204" pitchFamily="34" charset="-120"/>
+            </a:endParaRPr>
+          </a:p>
+        </p:txBody>
+      </p:sp>
       <p:pic>
         <p:nvPicPr>
-          <p:cNvPr id="5" name="Picture 2"/>
+          <p:cNvPr id="1026" name="Picture 2"/>
           <p:cNvPicPr>
             <a:picLocks noChangeAspect="1" noChangeArrowheads="1"/>
           </p:cNvPicPr>
           <p:nvPr/>
         </p:nvPicPr>
         <p:blipFill>
-          <a:blip r:embed="rId3">
+          <a:blip r:embed="rId2">
             <a:extLst>
               <a:ext uri="{28A0092B-C50C-407E-A947-70E740481C1C}">
                 <a14:useLocalDpi xmlns:a14="http://schemas.microsoft.com/office/drawing/2010/main" val="0"/>
@@ -5854,8 +6270,8 @@
         </p:blipFill>
         <p:spPr bwMode="auto">
           <a:xfrm>
-            <a:off x="4622800" y="761526"/>
-            <a:ext cx="4283074" cy="1073624"/>
+            <a:off x="371191" y="496662"/>
+            <a:ext cx="3908255" cy="4574268"/>
           </a:xfrm>
           <a:prstGeom prst="rect">
             <a:avLst/>
@@ -5886,210 +6302,6 @@
           </a:extLst>
         </p:spPr>
       </p:pic>
-    </p:spTree>
-    <p:extLst>
-      <p:ext uri="{BB962C8B-B14F-4D97-AF65-F5344CB8AC3E}">
-        <p14:creationId xmlns:p14="http://schemas.microsoft.com/office/powerpoint/2010/main" val="937593784"/>
-      </p:ext>
-    </p:extLst>
-  </p:cSld>
-  <p:clrMapOvr>
-    <a:masterClrMapping/>
-  </p:clrMapOvr>
-</p:sld>
-</file>
-
-<file path=ppt/slides/slide18.xml><?xml version="1.0" encoding="utf-8"?>
-<p:sld xmlns:a="http://schemas.openxmlformats.org/drawingml/2006/main" xmlns:r="http://schemas.openxmlformats.org/officeDocument/2006/relationships" xmlns:p="http://schemas.openxmlformats.org/presentationml/2006/main">
-  <p:cSld>
-    <p:spTree>
-      <p:nvGrpSpPr>
-        <p:cNvPr id="1" name=""/>
-        <p:cNvGrpSpPr/>
-        <p:nvPr/>
-      </p:nvGrpSpPr>
-      <p:grpSpPr>
-        <a:xfrm>
-          <a:off x="0" y="0"/>
-          <a:ext cx="0" cy="0"/>
-          <a:chOff x="0" y="0"/>
-          <a:chExt cx="0" cy="0"/>
-        </a:xfrm>
-      </p:grpSpPr>
-      <p:sp>
-        <p:nvSpPr>
-          <p:cNvPr id="2" name="標題 1"/>
-          <p:cNvSpPr>
-            <a:spLocks noGrp="1"/>
-          </p:cNvSpPr>
-          <p:nvPr>
-            <p:ph type="ctrTitle"/>
-          </p:nvPr>
-        </p:nvSpPr>
-        <p:spPr>
-          <a:xfrm>
-            <a:off x="0" y="-8603"/>
-            <a:ext cx="9144000" cy="392061"/>
-          </a:xfrm>
-        </p:spPr>
-        <p:style>
-          <a:lnRef idx="1">
-            <a:schemeClr val="accent1"/>
-          </a:lnRef>
-          <a:fillRef idx="3">
-            <a:schemeClr val="accent1"/>
-          </a:fillRef>
-          <a:effectRef idx="2">
-            <a:schemeClr val="accent1"/>
-          </a:effectRef>
-          <a:fontRef idx="minor">
-            <a:schemeClr val="lt1"/>
-          </a:fontRef>
-        </p:style>
-        <p:txBody>
-          <a:bodyPr>
-            <a:noAutofit/>
-          </a:bodyPr>
-          <a:lstStyle/>
-          <a:p>
-            <a:r>
-              <a:rPr lang="en-US" altLang="zh-TW" sz="2400" dirty="0" smtClean="0">
-                <a:latin typeface="微軟正黑體" panose="020B0604030504040204" pitchFamily="34" charset="-120"/>
-                <a:ea typeface="微軟正黑體" panose="020B0604030504040204" pitchFamily="34" charset="-120"/>
-              </a:rPr>
-              <a:t>Spring 5</a:t>
-            </a:r>
-            <a:r>
-              <a:rPr lang="zh-TW" altLang="en-US" sz="2400" dirty="0" smtClean="0">
-                <a:latin typeface="微軟正黑體" panose="020B0604030504040204" pitchFamily="34" charset="-120"/>
-                <a:ea typeface="微軟正黑體" panose="020B0604030504040204" pitchFamily="34" charset="-120"/>
-              </a:rPr>
-              <a:t> </a:t>
-            </a:r>
-            <a:r>
-              <a:rPr lang="en-US" altLang="zh-TW" sz="2400" dirty="0" smtClean="0">
-                <a:latin typeface="微軟正黑體" panose="020B0604030504040204" pitchFamily="34" charset="-120"/>
-                <a:ea typeface="微軟正黑體" panose="020B0604030504040204" pitchFamily="34" charset="-120"/>
-              </a:rPr>
-              <a:t>MVC – </a:t>
-            </a:r>
-            <a:r>
-              <a:rPr lang="zh-TW" altLang="en-US" sz="2400" dirty="0" smtClean="0">
-                <a:latin typeface="微軟正黑體" panose="020B0604030504040204" pitchFamily="34" charset="-120"/>
-                <a:ea typeface="微軟正黑體" panose="020B0604030504040204" pitchFamily="34" charset="-120"/>
-              </a:rPr>
-              <a:t>零</a:t>
-            </a:r>
-            <a:r>
-              <a:rPr lang="en-US" altLang="zh-TW" sz="2400" dirty="0" smtClean="0">
-                <a:latin typeface="微軟正黑體" panose="020B0604030504040204" pitchFamily="34" charset="-120"/>
-                <a:ea typeface="微軟正黑體" panose="020B0604030504040204" pitchFamily="34" charset="-120"/>
-              </a:rPr>
-              <a:t>XML</a:t>
-            </a:r>
-            <a:endParaRPr lang="zh-TW" altLang="en-US" sz="2400" dirty="0">
-              <a:latin typeface="微軟正黑體" panose="020B0604030504040204" pitchFamily="34" charset="-120"/>
-              <a:ea typeface="微軟正黑體" panose="020B0604030504040204" pitchFamily="34" charset="-120"/>
-            </a:endParaRPr>
-          </a:p>
-        </p:txBody>
-      </p:sp>
-      <p:sp>
-        <p:nvSpPr>
-          <p:cNvPr id="3" name="矩形 2"/>
-          <p:cNvSpPr/>
-          <p:nvPr/>
-        </p:nvSpPr>
-        <p:spPr>
-          <a:xfrm>
-            <a:off x="87144" y="49160"/>
-            <a:ext cx="1812227" cy="307777"/>
-          </a:xfrm>
-          <a:prstGeom prst="rect">
-            <a:avLst/>
-          </a:prstGeom>
-          <a:solidFill>
-            <a:schemeClr val="accent6">
-              <a:lumMod val="60000"/>
-              <a:lumOff val="40000"/>
-            </a:schemeClr>
-          </a:solidFill>
-        </p:spPr>
-        <p:txBody>
-          <a:bodyPr wrap="none">
-            <a:spAutoFit/>
-          </a:bodyPr>
-          <a:lstStyle/>
-          <a:p>
-            <a:r>
-              <a:rPr lang="en-US" altLang="zh-TW" sz="1400" b="1" i="1" dirty="0">
-                <a:latin typeface="微軟正黑體" panose="020B0604030504040204" pitchFamily="34" charset="-120"/>
-                <a:ea typeface="微軟正黑體" panose="020B0604030504040204" pitchFamily="34" charset="-120"/>
-              </a:rPr>
-              <a:t>DeptDAO_test.java</a:t>
-            </a:r>
-            <a:endParaRPr lang="zh-TW" altLang="en-US" sz="1400" b="1" i="1" dirty="0">
-              <a:latin typeface="微軟正黑體" panose="020B0604030504040204" pitchFamily="34" charset="-120"/>
-              <a:ea typeface="微軟正黑體" panose="020B0604030504040204" pitchFamily="34" charset="-120"/>
-            </a:endParaRPr>
-          </a:p>
-        </p:txBody>
-      </p:sp>
-      <p:pic>
-        <p:nvPicPr>
-          <p:cNvPr id="2050" name="Picture 2"/>
-          <p:cNvPicPr>
-            <a:picLocks noChangeAspect="1" noChangeArrowheads="1"/>
-          </p:cNvPicPr>
-          <p:nvPr/>
-        </p:nvPicPr>
-        <p:blipFill>
-          <a:blip r:embed="rId2">
-            <a:extLst>
-              <a:ext uri="{28A0092B-C50C-407E-A947-70E740481C1C}">
-                <a14:useLocalDpi xmlns:a14="http://schemas.microsoft.com/office/drawing/2010/main" val="0"/>
-              </a:ext>
-            </a:extLst>
-          </a:blip>
-          <a:srcRect/>
-          <a:stretch>
-            <a:fillRect/>
-          </a:stretch>
-        </p:blipFill>
-        <p:spPr bwMode="auto">
-          <a:xfrm>
-            <a:off x="225893" y="511277"/>
-            <a:ext cx="3871582" cy="4543732"/>
-          </a:xfrm>
-          <a:prstGeom prst="rect">
-            <a:avLst/>
-          </a:prstGeom>
-          <a:ln w="9525">
-            <a:solidFill>
-              <a:schemeClr val="tx1"/>
-            </a:solidFill>
-            <a:miter lim="800000"/>
-            <a:headEnd/>
-            <a:tailEnd/>
-          </a:ln>
-          <a:effectLst>
-            <a:outerShdw blurRad="190500" algn="tl" rotWithShape="0">
-              <a:srgbClr val="000000">
-                <a:alpha val="70000"/>
-              </a:srgbClr>
-            </a:outerShdw>
-          </a:effectLst>
-          <a:extLst>
-            <a:ext uri="{909E8E84-426E-40DD-AFC4-6F175D3DCCD1}">
-              <a14:hiddenFill xmlns:a14="http://schemas.microsoft.com/office/drawing/2010/main">
-                <a:solidFill>
-                  <a:schemeClr val="accent1"/>
-                </a:solidFill>
-              </a14:hiddenFill>
-            </a:ext>
-          </a:extLst>
-        </p:spPr>
-      </p:pic>
       <p:pic>
         <p:nvPicPr>
           <p:cNvPr id="5" name="Picture 2"/>
@@ -6113,8 +6325,8 @@
         </p:blipFill>
         <p:spPr bwMode="auto">
           <a:xfrm>
-            <a:off x="4305299" y="675706"/>
-            <a:ext cx="4708525" cy="1596007"/>
+            <a:off x="4622800" y="761526"/>
+            <a:ext cx="4283074" cy="1073624"/>
           </a:xfrm>
           <a:prstGeom prst="rect">
             <a:avLst/>
@@ -6253,9 +6465,50 @@
           </a:p>
         </p:txBody>
       </p:sp>
+      <p:sp>
+        <p:nvSpPr>
+          <p:cNvPr id="3" name="矩形 2"/>
+          <p:cNvSpPr/>
+          <p:nvPr/>
+        </p:nvSpPr>
+        <p:spPr>
+          <a:xfrm>
+            <a:off x="87144" y="49160"/>
+            <a:ext cx="1812227" cy="307777"/>
+          </a:xfrm>
+          <a:prstGeom prst="rect">
+            <a:avLst/>
+          </a:prstGeom>
+          <a:solidFill>
+            <a:schemeClr val="accent6">
+              <a:lumMod val="60000"/>
+              <a:lumOff val="40000"/>
+            </a:schemeClr>
+          </a:solidFill>
+        </p:spPr>
+        <p:txBody>
+          <a:bodyPr wrap="none">
+            <a:spAutoFit/>
+          </a:bodyPr>
+          <a:lstStyle/>
+          <a:p>
+            <a:r>
+              <a:rPr lang="en-US" altLang="zh-TW" sz="1400" b="1" i="1" dirty="0">
+                <a:latin typeface="微軟正黑體" panose="020B0604030504040204" pitchFamily="34" charset="-120"/>
+                <a:ea typeface="微軟正黑體" panose="020B0604030504040204" pitchFamily="34" charset="-120"/>
+              </a:rPr>
+              <a:t>DeptDAO_test.java</a:t>
+            </a:r>
+            <a:endParaRPr lang="zh-TW" altLang="en-US" sz="1400" b="1" i="1" dirty="0">
+              <a:latin typeface="微軟正黑體" panose="020B0604030504040204" pitchFamily="34" charset="-120"/>
+              <a:ea typeface="微軟正黑體" panose="020B0604030504040204" pitchFamily="34" charset="-120"/>
+            </a:endParaRPr>
+          </a:p>
+        </p:txBody>
+      </p:sp>
       <p:pic>
         <p:nvPicPr>
-          <p:cNvPr id="3074" name="Picture 2"/>
+          <p:cNvPr id="2050" name="Picture 2"/>
           <p:cNvPicPr>
             <a:picLocks noChangeAspect="1" noChangeArrowheads="1"/>
           </p:cNvPicPr>
@@ -6276,8 +6529,8 @@
         </p:blipFill>
         <p:spPr bwMode="auto">
           <a:xfrm>
-            <a:off x="88900" y="495300"/>
-            <a:ext cx="3908664" cy="4595408"/>
+            <a:off x="225893" y="511277"/>
+            <a:ext cx="3871582" cy="4543732"/>
           </a:xfrm>
           <a:prstGeom prst="rect">
             <a:avLst/>
@@ -6308,52 +6561,6 @@
           </a:extLst>
         </p:spPr>
       </p:pic>
-      <p:sp>
-        <p:nvSpPr>
-          <p:cNvPr id="4" name="矩形 3"/>
-          <p:cNvSpPr/>
-          <p:nvPr/>
-        </p:nvSpPr>
-        <p:spPr>
-          <a:xfrm>
-            <a:off x="87144" y="49160"/>
-            <a:ext cx="1772152" cy="307777"/>
-          </a:xfrm>
-          <a:prstGeom prst="rect">
-            <a:avLst/>
-          </a:prstGeom>
-          <a:solidFill>
-            <a:schemeClr val="accent6">
-              <a:lumMod val="50000"/>
-            </a:schemeClr>
-          </a:solidFill>
-        </p:spPr>
-        <p:txBody>
-          <a:bodyPr wrap="none">
-            <a:spAutoFit/>
-          </a:bodyPr>
-          <a:lstStyle/>
-          <a:p>
-            <a:r>
-              <a:rPr lang="en-US" altLang="zh-TW" sz="1400" b="1" i="1" dirty="0" smtClean="0">
-                <a:solidFill>
-                  <a:schemeClr val="bg2"/>
-                </a:solidFill>
-                <a:latin typeface="微軟正黑體" panose="020B0604030504040204" pitchFamily="34" charset="-120"/>
-                <a:ea typeface="微軟正黑體" panose="020B0604030504040204" pitchFamily="34" charset="-120"/>
-              </a:rPr>
-              <a:t>EmpDAO_test.java</a:t>
-            </a:r>
-            <a:endParaRPr lang="zh-TW" altLang="en-US" sz="1400" b="1" i="1" dirty="0">
-              <a:solidFill>
-                <a:schemeClr val="bg2"/>
-              </a:solidFill>
-              <a:latin typeface="微軟正黑體" panose="020B0604030504040204" pitchFamily="34" charset="-120"/>
-              <a:ea typeface="微軟正黑體" panose="020B0604030504040204" pitchFamily="34" charset="-120"/>
-            </a:endParaRPr>
-          </a:p>
-        </p:txBody>
-      </p:sp>
       <p:pic>
         <p:nvPicPr>
           <p:cNvPr id="5" name="Picture 2"/>
@@ -6377,8 +6584,8 @@
         </p:blipFill>
         <p:spPr bwMode="auto">
           <a:xfrm>
-            <a:off x="4356100" y="850721"/>
-            <a:ext cx="4551363" cy="2632253"/>
+            <a:off x="4305299" y="675706"/>
+            <a:ext cx="4708525" cy="1596007"/>
           </a:xfrm>
           <a:prstGeom prst="rect">
             <a:avLst/>
@@ -6825,6 +7032,270 @@
         </p:nvSpPr>
         <p:spPr>
           <a:xfrm>
+            <a:off x="0" y="-8603"/>
+            <a:ext cx="9144000" cy="392061"/>
+          </a:xfrm>
+        </p:spPr>
+        <p:style>
+          <a:lnRef idx="1">
+            <a:schemeClr val="accent1"/>
+          </a:lnRef>
+          <a:fillRef idx="3">
+            <a:schemeClr val="accent1"/>
+          </a:fillRef>
+          <a:effectRef idx="2">
+            <a:schemeClr val="accent1"/>
+          </a:effectRef>
+          <a:fontRef idx="minor">
+            <a:schemeClr val="lt1"/>
+          </a:fontRef>
+        </p:style>
+        <p:txBody>
+          <a:bodyPr>
+            <a:noAutofit/>
+          </a:bodyPr>
+          <a:lstStyle/>
+          <a:p>
+            <a:r>
+              <a:rPr lang="en-US" altLang="zh-TW" sz="2400" dirty="0" smtClean="0">
+                <a:latin typeface="微軟正黑體" panose="020B0604030504040204" pitchFamily="34" charset="-120"/>
+                <a:ea typeface="微軟正黑體" panose="020B0604030504040204" pitchFamily="34" charset="-120"/>
+              </a:rPr>
+              <a:t>Spring 5</a:t>
+            </a:r>
+            <a:r>
+              <a:rPr lang="zh-TW" altLang="en-US" sz="2400" dirty="0" smtClean="0">
+                <a:latin typeface="微軟正黑體" panose="020B0604030504040204" pitchFamily="34" charset="-120"/>
+                <a:ea typeface="微軟正黑體" panose="020B0604030504040204" pitchFamily="34" charset="-120"/>
+              </a:rPr>
+              <a:t> </a:t>
+            </a:r>
+            <a:r>
+              <a:rPr lang="en-US" altLang="zh-TW" sz="2400" dirty="0" smtClean="0">
+                <a:latin typeface="微軟正黑體" panose="020B0604030504040204" pitchFamily="34" charset="-120"/>
+                <a:ea typeface="微軟正黑體" panose="020B0604030504040204" pitchFamily="34" charset="-120"/>
+              </a:rPr>
+              <a:t>MVC – </a:t>
+            </a:r>
+            <a:r>
+              <a:rPr lang="zh-TW" altLang="en-US" sz="2400" dirty="0" smtClean="0">
+                <a:latin typeface="微軟正黑體" panose="020B0604030504040204" pitchFamily="34" charset="-120"/>
+                <a:ea typeface="微軟正黑體" panose="020B0604030504040204" pitchFamily="34" charset="-120"/>
+              </a:rPr>
+              <a:t>零</a:t>
+            </a:r>
+            <a:r>
+              <a:rPr lang="en-US" altLang="zh-TW" sz="2400" dirty="0" smtClean="0">
+                <a:latin typeface="微軟正黑體" panose="020B0604030504040204" pitchFamily="34" charset="-120"/>
+                <a:ea typeface="微軟正黑體" panose="020B0604030504040204" pitchFamily="34" charset="-120"/>
+              </a:rPr>
+              <a:t>XML</a:t>
+            </a:r>
+            <a:endParaRPr lang="zh-TW" altLang="en-US" sz="2400" dirty="0">
+              <a:latin typeface="微軟正黑體" panose="020B0604030504040204" pitchFamily="34" charset="-120"/>
+              <a:ea typeface="微軟正黑體" panose="020B0604030504040204" pitchFamily="34" charset="-120"/>
+            </a:endParaRPr>
+          </a:p>
+        </p:txBody>
+      </p:sp>
+      <p:pic>
+        <p:nvPicPr>
+          <p:cNvPr id="3074" name="Picture 2"/>
+          <p:cNvPicPr>
+            <a:picLocks noChangeAspect="1" noChangeArrowheads="1"/>
+          </p:cNvPicPr>
+          <p:nvPr/>
+        </p:nvPicPr>
+        <p:blipFill>
+          <a:blip r:embed="rId2">
+            <a:extLst>
+              <a:ext uri="{28A0092B-C50C-407E-A947-70E740481C1C}">
+                <a14:useLocalDpi xmlns:a14="http://schemas.microsoft.com/office/drawing/2010/main" val="0"/>
+              </a:ext>
+            </a:extLst>
+          </a:blip>
+          <a:srcRect/>
+          <a:stretch>
+            <a:fillRect/>
+          </a:stretch>
+        </p:blipFill>
+        <p:spPr bwMode="auto">
+          <a:xfrm>
+            <a:off x="88900" y="495300"/>
+            <a:ext cx="3908664" cy="4595408"/>
+          </a:xfrm>
+          <a:prstGeom prst="rect">
+            <a:avLst/>
+          </a:prstGeom>
+          <a:ln w="9525">
+            <a:solidFill>
+              <a:schemeClr val="tx1"/>
+            </a:solidFill>
+            <a:miter lim="800000"/>
+            <a:headEnd/>
+            <a:tailEnd/>
+          </a:ln>
+          <a:effectLst>
+            <a:outerShdw blurRad="190500" algn="tl" rotWithShape="0">
+              <a:srgbClr val="000000">
+                <a:alpha val="70000"/>
+              </a:srgbClr>
+            </a:outerShdw>
+          </a:effectLst>
+          <a:extLst>
+            <a:ext uri="{909E8E84-426E-40DD-AFC4-6F175D3DCCD1}">
+              <a14:hiddenFill xmlns:a14="http://schemas.microsoft.com/office/drawing/2010/main">
+                <a:solidFill>
+                  <a:schemeClr val="accent1"/>
+                </a:solidFill>
+              </a14:hiddenFill>
+            </a:ext>
+          </a:extLst>
+        </p:spPr>
+      </p:pic>
+      <p:sp>
+        <p:nvSpPr>
+          <p:cNvPr id="4" name="矩形 3"/>
+          <p:cNvSpPr/>
+          <p:nvPr/>
+        </p:nvSpPr>
+        <p:spPr>
+          <a:xfrm>
+            <a:off x="87144" y="49160"/>
+            <a:ext cx="1772152" cy="307777"/>
+          </a:xfrm>
+          <a:prstGeom prst="rect">
+            <a:avLst/>
+          </a:prstGeom>
+          <a:solidFill>
+            <a:schemeClr val="accent6">
+              <a:lumMod val="50000"/>
+            </a:schemeClr>
+          </a:solidFill>
+        </p:spPr>
+        <p:txBody>
+          <a:bodyPr wrap="none">
+            <a:spAutoFit/>
+          </a:bodyPr>
+          <a:lstStyle/>
+          <a:p>
+            <a:r>
+              <a:rPr lang="en-US" altLang="zh-TW" sz="1400" b="1" i="1" dirty="0" smtClean="0">
+                <a:solidFill>
+                  <a:schemeClr val="bg2"/>
+                </a:solidFill>
+                <a:latin typeface="微軟正黑體" panose="020B0604030504040204" pitchFamily="34" charset="-120"/>
+                <a:ea typeface="微軟正黑體" panose="020B0604030504040204" pitchFamily="34" charset="-120"/>
+              </a:rPr>
+              <a:t>EmpDAO_test.java</a:t>
+            </a:r>
+            <a:endParaRPr lang="zh-TW" altLang="en-US" sz="1400" b="1" i="1" dirty="0">
+              <a:solidFill>
+                <a:schemeClr val="bg2"/>
+              </a:solidFill>
+              <a:latin typeface="微軟正黑體" panose="020B0604030504040204" pitchFamily="34" charset="-120"/>
+              <a:ea typeface="微軟正黑體" panose="020B0604030504040204" pitchFamily="34" charset="-120"/>
+            </a:endParaRPr>
+          </a:p>
+        </p:txBody>
+      </p:sp>
+      <p:pic>
+        <p:nvPicPr>
+          <p:cNvPr id="5" name="Picture 2"/>
+          <p:cNvPicPr>
+            <a:picLocks noChangeAspect="1" noChangeArrowheads="1"/>
+          </p:cNvPicPr>
+          <p:nvPr/>
+        </p:nvPicPr>
+        <p:blipFill>
+          <a:blip r:embed="rId3">
+            <a:extLst>
+              <a:ext uri="{28A0092B-C50C-407E-A947-70E740481C1C}">
+                <a14:useLocalDpi xmlns:a14="http://schemas.microsoft.com/office/drawing/2010/main" val="0"/>
+              </a:ext>
+            </a:extLst>
+          </a:blip>
+          <a:srcRect/>
+          <a:stretch>
+            <a:fillRect/>
+          </a:stretch>
+        </p:blipFill>
+        <p:spPr bwMode="auto">
+          <a:xfrm>
+            <a:off x="4356100" y="850721"/>
+            <a:ext cx="4551363" cy="2632253"/>
+          </a:xfrm>
+          <a:prstGeom prst="rect">
+            <a:avLst/>
+          </a:prstGeom>
+          <a:ln w="9525">
+            <a:solidFill>
+              <a:schemeClr val="tx1"/>
+            </a:solidFill>
+            <a:miter lim="800000"/>
+            <a:headEnd/>
+            <a:tailEnd/>
+          </a:ln>
+          <a:effectLst>
+            <a:outerShdw blurRad="190500" algn="tl" rotWithShape="0">
+              <a:srgbClr val="000000">
+                <a:alpha val="70000"/>
+              </a:srgbClr>
+            </a:outerShdw>
+          </a:effectLst>
+          <a:extLst>
+            <a:ext uri="{909E8E84-426E-40DD-AFC4-6F175D3DCCD1}">
+              <a14:hiddenFill xmlns:a14="http://schemas.microsoft.com/office/drawing/2010/main">
+                <a:solidFill>
+                  <a:schemeClr val="accent1"/>
+                </a:solidFill>
+              </a14:hiddenFill>
+            </a:ext>
+          </a:extLst>
+        </p:spPr>
+      </p:pic>
+    </p:spTree>
+    <p:extLst>
+      <p:ext uri="{BB962C8B-B14F-4D97-AF65-F5344CB8AC3E}">
+        <p14:creationId xmlns:p14="http://schemas.microsoft.com/office/powerpoint/2010/main" val="937593784"/>
+      </p:ext>
+    </p:extLst>
+  </p:cSld>
+  <p:clrMapOvr>
+    <a:masterClrMapping/>
+  </p:clrMapOvr>
+</p:sld>
+</file>
+
+<file path=ppt/slides/slide21.xml><?xml version="1.0" encoding="utf-8"?>
+<p:sld xmlns:a="http://schemas.openxmlformats.org/drawingml/2006/main" xmlns:r="http://schemas.openxmlformats.org/officeDocument/2006/relationships" xmlns:p="http://schemas.openxmlformats.org/presentationml/2006/main">
+  <p:cSld>
+    <p:spTree>
+      <p:nvGrpSpPr>
+        <p:cNvPr id="1" name=""/>
+        <p:cNvGrpSpPr/>
+        <p:nvPr/>
+      </p:nvGrpSpPr>
+      <p:grpSpPr>
+        <a:xfrm>
+          <a:off x="0" y="0"/>
+          <a:ext cx="0" cy="0"/>
+          <a:chOff x="0" y="0"/>
+          <a:chExt cx="0" cy="0"/>
+        </a:xfrm>
+      </p:grpSpPr>
+      <p:sp>
+        <p:nvSpPr>
+          <p:cNvPr id="2" name="標題 1"/>
+          <p:cNvSpPr>
+            <a:spLocks noGrp="1"/>
+          </p:cNvSpPr>
+          <p:nvPr>
+            <p:ph type="ctrTitle"/>
+          </p:nvPr>
+        </p:nvSpPr>
+        <p:spPr>
+          <a:xfrm>
             <a:off x="0" y="2228851"/>
             <a:ext cx="9144000" cy="847724"/>
           </a:xfrm>
@@ -6890,7 +7361,7 @@
 </p:sld>
 </file>
 
-<file path=ppt/slides/slide21.xml><?xml version="1.0" encoding="utf-8"?>
+<file path=ppt/slides/slide22.xml><?xml version="1.0" encoding="utf-8"?>
 <p:sld xmlns:a="http://schemas.openxmlformats.org/drawingml/2006/main" xmlns:r="http://schemas.openxmlformats.org/officeDocument/2006/relationships" xmlns:p="http://schemas.openxmlformats.org/presentationml/2006/main">
   <p:cSld>
     <p:spTree>
@@ -7154,7 +7625,7 @@
 </p:sld>
 </file>
 
-<file path=ppt/slides/slide22.xml><?xml version="1.0" encoding="utf-8"?>
+<file path=ppt/slides/slide23.xml><?xml version="1.0" encoding="utf-8"?>
 <p:sld xmlns:a="http://schemas.openxmlformats.org/drawingml/2006/main" xmlns:r="http://schemas.openxmlformats.org/officeDocument/2006/relationships" xmlns:p="http://schemas.openxmlformats.org/presentationml/2006/main">
   <p:cSld>
     <p:spTree>
@@ -7415,7 +7886,7 @@
 </p:sld>
 </file>
 
-<file path=ppt/slides/slide23.xml><?xml version="1.0" encoding="utf-8"?>
+<file path=ppt/slides/slide24.xml><?xml version="1.0" encoding="utf-8"?>
 <p:sld xmlns:a="http://schemas.openxmlformats.org/drawingml/2006/main" xmlns:r="http://schemas.openxmlformats.org/officeDocument/2006/relationships" xmlns:p="http://schemas.openxmlformats.org/presentationml/2006/main">
   <p:cSld>
     <p:spTree>
@@ -7638,7 +8109,7 @@
 </p:sld>
 </file>
 
-<file path=ppt/slides/slide24.xml><?xml version="1.0" encoding="utf-8"?>
+<file path=ppt/slides/slide25.xml><?xml version="1.0" encoding="utf-8"?>
 <p:sld xmlns:a="http://schemas.openxmlformats.org/drawingml/2006/main" xmlns:r="http://schemas.openxmlformats.org/officeDocument/2006/relationships" xmlns:p="http://schemas.openxmlformats.org/presentationml/2006/main">
   <p:cSld>
     <p:spTree>
@@ -7943,7 +8414,7 @@
 </p:sld>
 </file>
 
-<file path=ppt/slides/slide25.xml><?xml version="1.0" encoding="utf-8"?>
+<file path=ppt/slides/slide26.xml><?xml version="1.0" encoding="utf-8"?>
 <p:sld xmlns:a="http://schemas.openxmlformats.org/drawingml/2006/main" xmlns:r="http://schemas.openxmlformats.org/officeDocument/2006/relationships" xmlns:p="http://schemas.openxmlformats.org/presentationml/2006/main">
   <p:cSld>
     <p:spTree>
@@ -8248,7 +8719,7 @@
 </p:sld>
 </file>
 
-<file path=ppt/slides/slide26.xml><?xml version="1.0" encoding="utf-8"?>
+<file path=ppt/slides/slide27.xml><?xml version="1.0" encoding="utf-8"?>
 <p:sld xmlns:a="http://schemas.openxmlformats.org/drawingml/2006/main" xmlns:r="http://schemas.openxmlformats.org/officeDocument/2006/relationships" xmlns:p="http://schemas.openxmlformats.org/presentationml/2006/main">
   <p:cSld>
     <p:spTree>
@@ -8526,409 +8997,6 @@
           </a:fillRef>
           <a:effectRef idx="0">
             <a:schemeClr val="accent6"/>
-          </a:effectRef>
-          <a:fontRef idx="minor">
-            <a:schemeClr val="lt1"/>
-          </a:fontRef>
-        </p:style>
-        <p:txBody>
-          <a:bodyPr rtlCol="0" anchor="ctr"/>
-          <a:lstStyle/>
-          <a:p>
-            <a:pPr algn="ctr"/>
-            <a:endParaRPr lang="zh-TW" altLang="en-US"/>
-          </a:p>
-        </p:txBody>
-      </p:sp>
-    </p:spTree>
-    <p:extLst>
-      <p:ext uri="{BB962C8B-B14F-4D97-AF65-F5344CB8AC3E}">
-        <p14:creationId xmlns:p14="http://schemas.microsoft.com/office/powerpoint/2010/main" val="1108628092"/>
-      </p:ext>
-    </p:extLst>
-  </p:cSld>
-  <p:clrMapOvr>
-    <a:masterClrMapping/>
-  </p:clrMapOvr>
-</p:sld>
-</file>
-
-<file path=ppt/slides/slide27.xml><?xml version="1.0" encoding="utf-8"?>
-<p:sld xmlns:a="http://schemas.openxmlformats.org/drawingml/2006/main" xmlns:r="http://schemas.openxmlformats.org/officeDocument/2006/relationships" xmlns:p="http://schemas.openxmlformats.org/presentationml/2006/main">
-  <p:cSld>
-    <p:spTree>
-      <p:nvGrpSpPr>
-        <p:cNvPr id="1" name=""/>
-        <p:cNvGrpSpPr/>
-        <p:nvPr/>
-      </p:nvGrpSpPr>
-      <p:grpSpPr>
-        <a:xfrm>
-          <a:off x="0" y="0"/>
-          <a:ext cx="0" cy="0"/>
-          <a:chOff x="0" y="0"/>
-          <a:chExt cx="0" cy="0"/>
-        </a:xfrm>
-      </p:grpSpPr>
-      <p:sp>
-        <p:nvSpPr>
-          <p:cNvPr id="2" name="標題 1"/>
-          <p:cNvSpPr>
-            <a:spLocks noGrp="1"/>
-          </p:cNvSpPr>
-          <p:nvPr>
-            <p:ph type="ctrTitle"/>
-          </p:nvPr>
-        </p:nvSpPr>
-        <p:spPr>
-          <a:xfrm>
-            <a:off x="0" y="-8603"/>
-            <a:ext cx="9144000" cy="392061"/>
-          </a:xfrm>
-          <a:solidFill>
-            <a:schemeClr val="bg1">
-              <a:lumMod val="50000"/>
-            </a:schemeClr>
-          </a:solidFill>
-        </p:spPr>
-        <p:style>
-          <a:lnRef idx="1">
-            <a:schemeClr val="dk1"/>
-          </a:lnRef>
-          <a:fillRef idx="3">
-            <a:schemeClr val="dk1"/>
-          </a:fillRef>
-          <a:effectRef idx="2">
-            <a:schemeClr val="dk1"/>
-          </a:effectRef>
-          <a:fontRef idx="minor">
-            <a:schemeClr val="lt1"/>
-          </a:fontRef>
-        </p:style>
-        <p:txBody>
-          <a:bodyPr vert="horz" lIns="91440" tIns="45720" rIns="91440" bIns="45720" rtlCol="0" anchor="ctr">
-            <a:noAutofit/>
-          </a:bodyPr>
-          <a:lstStyle/>
-          <a:p>
-            <a:r>
-              <a:rPr lang="en-US" altLang="zh-TW" sz="2000" b="1" dirty="0">
-                <a:effectLst>
-                  <a:outerShdw blurRad="38100" dist="38100" dir="2700000" algn="tl">
-                    <a:srgbClr val="000000">
-                      <a:alpha val="43137"/>
-                    </a:srgbClr>
-                  </a:outerShdw>
-                </a:effectLst>
-                <a:latin typeface="微軟正黑體" panose="020B0604030504040204" pitchFamily="34" charset="-120"/>
-                <a:ea typeface="微軟正黑體" panose="020B0604030504040204" pitchFamily="34" charset="-120"/>
-              </a:rPr>
-              <a:t>Spring 5</a:t>
-            </a:r>
-            <a:r>
-              <a:rPr lang="zh-TW" altLang="en-US" sz="2000" b="1" dirty="0">
-                <a:effectLst>
-                  <a:outerShdw blurRad="38100" dist="38100" dir="2700000" algn="tl">
-                    <a:srgbClr val="000000">
-                      <a:alpha val="43137"/>
-                    </a:srgbClr>
-                  </a:outerShdw>
-                </a:effectLst>
-                <a:latin typeface="微軟正黑體" panose="020B0604030504040204" pitchFamily="34" charset="-120"/>
-                <a:ea typeface="微軟正黑體" panose="020B0604030504040204" pitchFamily="34" charset="-120"/>
-              </a:rPr>
-              <a:t> </a:t>
-            </a:r>
-            <a:r>
-              <a:rPr lang="en-US" altLang="zh-TW" sz="2000" b="1" dirty="0">
-                <a:effectLst>
-                  <a:outerShdw blurRad="38100" dist="38100" dir="2700000" algn="tl">
-                    <a:srgbClr val="000000">
-                      <a:alpha val="43137"/>
-                    </a:srgbClr>
-                  </a:outerShdw>
-                </a:effectLst>
-                <a:latin typeface="微軟正黑體" panose="020B0604030504040204" pitchFamily="34" charset="-120"/>
-                <a:ea typeface="微軟正黑體" panose="020B0604030504040204" pitchFamily="34" charset="-120"/>
-              </a:rPr>
-              <a:t>MVC – </a:t>
-            </a:r>
-            <a:r>
-              <a:rPr lang="zh-TW" altLang="en-US" sz="2000" b="1" dirty="0">
-                <a:effectLst>
-                  <a:outerShdw blurRad="38100" dist="38100" dir="2700000" algn="tl">
-                    <a:srgbClr val="000000">
-                      <a:alpha val="43137"/>
-                    </a:srgbClr>
-                  </a:outerShdw>
-                </a:effectLst>
-                <a:latin typeface="微軟正黑體" panose="020B0604030504040204" pitchFamily="34" charset="-120"/>
-                <a:ea typeface="微軟正黑體" panose="020B0604030504040204" pitchFamily="34" charset="-120"/>
-              </a:rPr>
-              <a:t>零</a:t>
-            </a:r>
-            <a:r>
-              <a:rPr lang="en-US" altLang="zh-TW" sz="2000" b="1" dirty="0">
-                <a:effectLst>
-                  <a:outerShdw blurRad="38100" dist="38100" dir="2700000" algn="tl">
-                    <a:srgbClr val="000000">
-                      <a:alpha val="43137"/>
-                    </a:srgbClr>
-                  </a:outerShdw>
-                </a:effectLst>
-                <a:latin typeface="微軟正黑體" panose="020B0604030504040204" pitchFamily="34" charset="-120"/>
-                <a:ea typeface="微軟正黑體" panose="020B0604030504040204" pitchFamily="34" charset="-120"/>
-              </a:rPr>
-              <a:t>XML</a:t>
-            </a:r>
-            <a:endParaRPr lang="zh-TW" altLang="en-US" sz="2000" b="1" dirty="0">
-              <a:effectLst>
-                <a:outerShdw blurRad="38100" dist="38100" dir="2700000" algn="tl">
-                  <a:srgbClr val="000000">
-                    <a:alpha val="43137"/>
-                  </a:srgbClr>
-                </a:outerShdw>
-              </a:effectLst>
-              <a:latin typeface="微軟正黑體" panose="020B0604030504040204" pitchFamily="34" charset="-120"/>
-              <a:ea typeface="微軟正黑體" panose="020B0604030504040204" pitchFamily="34" charset="-120"/>
-            </a:endParaRPr>
-          </a:p>
-        </p:txBody>
-      </p:sp>
-      <p:pic>
-        <p:nvPicPr>
-          <p:cNvPr id="5122" name="Picture 2"/>
-          <p:cNvPicPr>
-            <a:picLocks noChangeAspect="1" noChangeArrowheads="1"/>
-          </p:cNvPicPr>
-          <p:nvPr/>
-        </p:nvPicPr>
-        <p:blipFill>
-          <a:blip r:embed="rId2">
-            <a:extLst>
-              <a:ext uri="{28A0092B-C50C-407E-A947-70E740481C1C}">
-                <a14:useLocalDpi xmlns:a14="http://schemas.microsoft.com/office/drawing/2010/main" val="0"/>
-              </a:ext>
-            </a:extLst>
-          </a:blip>
-          <a:srcRect/>
-          <a:stretch>
-            <a:fillRect/>
-          </a:stretch>
-        </p:blipFill>
-        <p:spPr bwMode="auto">
-          <a:xfrm>
-            <a:off x="5293457" y="812800"/>
-            <a:ext cx="3660042" cy="3757384"/>
-          </a:xfrm>
-          <a:prstGeom prst="rect">
-            <a:avLst/>
-          </a:prstGeom>
-          <a:ln w="9525">
-            <a:solidFill>
-              <a:schemeClr val="tx1"/>
-            </a:solidFill>
-            <a:miter lim="800000"/>
-            <a:headEnd/>
-            <a:tailEnd/>
-          </a:ln>
-          <a:effectLst>
-            <a:outerShdw blurRad="190500" algn="tl" rotWithShape="0">
-              <a:srgbClr val="000000">
-                <a:alpha val="70000"/>
-              </a:srgbClr>
-            </a:outerShdw>
-          </a:effectLst>
-          <a:extLst>
-            <a:ext uri="{909E8E84-426E-40DD-AFC4-6F175D3DCCD1}">
-              <a14:hiddenFill xmlns:a14="http://schemas.microsoft.com/office/drawing/2010/main">
-                <a:solidFill>
-                  <a:schemeClr val="accent1"/>
-                </a:solidFill>
-              </a14:hiddenFill>
-            </a:ext>
-          </a:extLst>
-        </p:spPr>
-      </p:pic>
-      <p:pic>
-        <p:nvPicPr>
-          <p:cNvPr id="4" name="Picture 2"/>
-          <p:cNvPicPr>
-            <a:picLocks noChangeAspect="1" noChangeArrowheads="1"/>
-          </p:cNvPicPr>
-          <p:nvPr/>
-        </p:nvPicPr>
-        <p:blipFill>
-          <a:blip r:embed="rId3">
-            <a:extLst>
-              <a:ext uri="{28A0092B-C50C-407E-A947-70E740481C1C}">
-                <a14:useLocalDpi xmlns:a14="http://schemas.microsoft.com/office/drawing/2010/main" val="0"/>
-              </a:ext>
-            </a:extLst>
-          </a:blip>
-          <a:srcRect/>
-          <a:stretch>
-            <a:fillRect/>
-          </a:stretch>
-        </p:blipFill>
-        <p:spPr bwMode="auto">
-          <a:xfrm>
-            <a:off x="95513" y="533283"/>
-            <a:ext cx="4992915" cy="2689567"/>
-          </a:xfrm>
-          <a:prstGeom prst="rect">
-            <a:avLst/>
-          </a:prstGeom>
-          <a:ln w="9525">
-            <a:solidFill>
-              <a:schemeClr val="tx1"/>
-            </a:solidFill>
-            <a:miter lim="800000"/>
-            <a:headEnd/>
-            <a:tailEnd/>
-          </a:ln>
-          <a:effectLst>
-            <a:outerShdw blurRad="190500" algn="tl" rotWithShape="0">
-              <a:srgbClr val="000000">
-                <a:alpha val="70000"/>
-              </a:srgbClr>
-            </a:outerShdw>
-          </a:effectLst>
-          <a:extLst>
-            <a:ext uri="{909E8E84-426E-40DD-AFC4-6F175D3DCCD1}">
-              <a14:hiddenFill xmlns:a14="http://schemas.microsoft.com/office/drawing/2010/main">
-                <a:solidFill>
-                  <a:schemeClr val="accent1"/>
-                </a:solidFill>
-              </a14:hiddenFill>
-            </a:ext>
-          </a:extLst>
-        </p:spPr>
-      </p:pic>
-      <p:sp>
-        <p:nvSpPr>
-          <p:cNvPr id="5" name="向右箭號 4"/>
-          <p:cNvSpPr/>
-          <p:nvPr/>
-        </p:nvSpPr>
-        <p:spPr>
-          <a:xfrm rot="8377278">
-            <a:off x="3299951" y="2604727"/>
-            <a:ext cx="462116" cy="452284"/>
-          </a:xfrm>
-          <a:prstGeom prst="rightArrow">
-            <a:avLst/>
-          </a:prstGeom>
-        </p:spPr>
-        <p:style>
-          <a:lnRef idx="2">
-            <a:schemeClr val="accent6">
-              <a:shade val="50000"/>
-            </a:schemeClr>
-          </a:lnRef>
-          <a:fillRef idx="1">
-            <a:schemeClr val="accent6"/>
-          </a:fillRef>
-          <a:effectRef idx="0">
-            <a:schemeClr val="accent6"/>
-          </a:effectRef>
-          <a:fontRef idx="minor">
-            <a:schemeClr val="lt1"/>
-          </a:fontRef>
-        </p:style>
-        <p:txBody>
-          <a:bodyPr rtlCol="0" anchor="ctr"/>
-          <a:lstStyle/>
-          <a:p>
-            <a:pPr algn="ctr"/>
-            <a:endParaRPr lang="zh-TW" altLang="en-US"/>
-          </a:p>
-        </p:txBody>
-      </p:sp>
-      <p:sp>
-        <p:nvSpPr>
-          <p:cNvPr id="6" name="矩形 5"/>
-          <p:cNvSpPr/>
-          <p:nvPr/>
-        </p:nvSpPr>
-        <p:spPr>
-          <a:xfrm>
-            <a:off x="5850339" y="2062870"/>
-            <a:ext cx="1642661" cy="667629"/>
-          </a:xfrm>
-          <a:prstGeom prst="rect">
-            <a:avLst/>
-          </a:prstGeom>
-          <a:solidFill>
-            <a:srgbClr val="FF0F0F">
-              <a:alpha val="30196"/>
-            </a:srgbClr>
-          </a:solidFill>
-          <a:ln w="3175">
-            <a:noFill/>
-            <a:prstDash val="sysDot"/>
-          </a:ln>
-        </p:spPr>
-        <p:style>
-          <a:lnRef idx="2">
-            <a:schemeClr val="accent1">
-              <a:shade val="50000"/>
-            </a:schemeClr>
-          </a:lnRef>
-          <a:fillRef idx="1">
-            <a:schemeClr val="accent1"/>
-          </a:fillRef>
-          <a:effectRef idx="0">
-            <a:schemeClr val="accent1"/>
-          </a:effectRef>
-          <a:fontRef idx="minor">
-            <a:schemeClr val="lt1"/>
-          </a:fontRef>
-        </p:style>
-        <p:txBody>
-          <a:bodyPr rtlCol="0" anchor="ctr"/>
-          <a:lstStyle/>
-          <a:p>
-            <a:pPr algn="ctr"/>
-            <a:endParaRPr lang="zh-TW" altLang="en-US"/>
-          </a:p>
-        </p:txBody>
-      </p:sp>
-      <p:sp>
-        <p:nvSpPr>
-          <p:cNvPr id="7" name="矩形 6"/>
-          <p:cNvSpPr/>
-          <p:nvPr/>
-        </p:nvSpPr>
-        <p:spPr>
-          <a:xfrm>
-            <a:off x="5812239" y="3663070"/>
-            <a:ext cx="1642661" cy="667629"/>
-          </a:xfrm>
-          <a:prstGeom prst="rect">
-            <a:avLst/>
-          </a:prstGeom>
-          <a:solidFill>
-            <a:srgbClr val="FF0F0F">
-              <a:alpha val="30196"/>
-            </a:srgbClr>
-          </a:solidFill>
-          <a:ln w="3175">
-            <a:noFill/>
-            <a:prstDash val="sysDot"/>
-          </a:ln>
-        </p:spPr>
-        <p:style>
-          <a:lnRef idx="2">
-            <a:schemeClr val="accent1">
-              <a:shade val="50000"/>
-            </a:schemeClr>
-          </a:lnRef>
-          <a:fillRef idx="1">
-            <a:schemeClr val="accent1"/>
-          </a:fillRef>
-          <a:effectRef idx="0">
-            <a:schemeClr val="accent1"/>
           </a:effectRef>
           <a:fontRef idx="minor">
             <a:schemeClr val="lt1"/>
@@ -8989,15 +9057,10 @@
             <a:ext cx="9144000" cy="392061"/>
           </a:xfrm>
           <a:solidFill>
-            <a:srgbClr val="C00000"/>
+            <a:schemeClr val="bg1">
+              <a:lumMod val="50000"/>
+            </a:schemeClr>
           </a:solidFill>
-          <a:scene3d>
-            <a:camera prst="orthographicFront"/>
-            <a:lightRig rig="threePt" dir="t"/>
-          </a:scene3d>
-          <a:sp3d>
-            <a:bevelT/>
-          </a:sp3d>
         </p:spPr>
         <p:style>
           <a:lnRef idx="1">
@@ -9020,7 +9083,7 @@
           <a:lstStyle/>
           <a:p>
             <a:r>
-              <a:rPr lang="zh-TW" altLang="en-US" sz="2000" b="1" dirty="0" smtClean="0">
+              <a:rPr lang="en-US" altLang="zh-TW" sz="2000" b="1" dirty="0">
                 <a:effectLst>
                   <a:outerShdw blurRad="38100" dist="38100" dir="2700000" algn="tl">
                     <a:srgbClr val="000000">
@@ -9031,10 +9094,10 @@
                 <a:latin typeface="微軟正黑體" panose="020B0604030504040204" pitchFamily="34" charset="-120"/>
                 <a:ea typeface="微軟正黑體" panose="020B0604030504040204" pitchFamily="34" charset="-120"/>
               </a:rPr>
-              <a:t>檔案 </a:t>
-            </a:r>
-            <a:r>
-              <a:rPr lang="en-US" altLang="zh-TW" sz="2000" b="1" dirty="0" smtClean="0">
+              <a:t>Spring 5</a:t>
+            </a:r>
+            <a:r>
+              <a:rPr lang="zh-TW" altLang="en-US" sz="2000" b="1" dirty="0">
                 <a:effectLst>
                   <a:outerShdw blurRad="38100" dist="38100" dir="2700000" algn="tl">
                     <a:srgbClr val="000000">
@@ -9045,7 +9108,49 @@
                 <a:latin typeface="微軟正黑體" panose="020B0604030504040204" pitchFamily="34" charset="-120"/>
                 <a:ea typeface="微軟正黑體" panose="020B0604030504040204" pitchFamily="34" charset="-120"/>
               </a:rPr>
-              <a:t>- GitHub</a:t>
+              <a:t> </a:t>
+            </a:r>
+            <a:r>
+              <a:rPr lang="en-US" altLang="zh-TW" sz="2000" b="1" dirty="0">
+                <a:effectLst>
+                  <a:outerShdw blurRad="38100" dist="38100" dir="2700000" algn="tl">
+                    <a:srgbClr val="000000">
+                      <a:alpha val="43137"/>
+                    </a:srgbClr>
+                  </a:outerShdw>
+                </a:effectLst>
+                <a:latin typeface="微軟正黑體" panose="020B0604030504040204" pitchFamily="34" charset="-120"/>
+                <a:ea typeface="微軟正黑體" panose="020B0604030504040204" pitchFamily="34" charset="-120"/>
+              </a:rPr>
+              <a:t>MVC – </a:t>
+            </a:r>
+            <a:r>
+              <a:rPr lang="zh-TW" altLang="en-US" sz="2000" b="1" dirty="0">
+                <a:effectLst>
+                  <a:outerShdw blurRad="38100" dist="38100" dir="2700000" algn="tl">
+                    <a:srgbClr val="000000">
+                      <a:alpha val="43137"/>
+                    </a:srgbClr>
+                  </a:outerShdw>
+                </a:effectLst>
+                <a:latin typeface="微軟正黑體" panose="020B0604030504040204" pitchFamily="34" charset="-120"/>
+                <a:ea typeface="微軟正黑體" panose="020B0604030504040204" pitchFamily="34" charset="-120"/>
+              </a:rPr>
+              <a:t>零</a:t>
+            </a:r>
+            <a:r>
+              <a:rPr lang="en-US" altLang="zh-TW" sz="2000" b="1" dirty="0">
+                <a:effectLst>
+                  <a:outerShdw blurRad="38100" dist="38100" dir="2700000" algn="tl">
+                    <a:srgbClr val="000000">
+                      <a:alpha val="43137"/>
+                    </a:srgbClr>
+                  </a:outerShdw>
+                </a:effectLst>
+                <a:latin typeface="微軟正黑體" panose="020B0604030504040204" pitchFamily="34" charset="-120"/>
+                <a:ea typeface="微軟正黑體" panose="020B0604030504040204" pitchFamily="34" charset="-120"/>
+              </a:rPr>
+              <a:t>XML</a:t>
             </a:r>
             <a:endParaRPr lang="zh-TW" altLang="en-US" sz="2000" b="1" dirty="0">
               <a:effectLst>
@@ -9063,7 +9168,7 @@
       </p:sp>
       <p:pic>
         <p:nvPicPr>
-          <p:cNvPr id="1026" name="Picture 2"/>
+          <p:cNvPr id="5122" name="Picture 2"/>
           <p:cNvPicPr>
             <a:picLocks noChangeAspect="1" noChangeArrowheads="1"/>
           </p:cNvPicPr>
@@ -9084,8 +9189,8 @@
         </p:blipFill>
         <p:spPr bwMode="auto">
           <a:xfrm>
-            <a:off x="1697038" y="600075"/>
-            <a:ext cx="5267325" cy="3714750"/>
+            <a:off x="5293457" y="812800"/>
+            <a:ext cx="3660042" cy="3757384"/>
           </a:xfrm>
           <a:prstGeom prst="rect">
             <a:avLst/>
@@ -9113,76 +9218,199 @@
                 </a:solidFill>
               </a14:hiddenFill>
             </a:ext>
-            <a:ext uri="{91240B29-F687-4F45-9708-019B960494DF}">
-              <a14:hiddenLine xmlns:a14="http://schemas.microsoft.com/office/drawing/2010/main" w="9525">
-                <a:solidFill>
-                  <a:schemeClr val="tx1"/>
-                </a:solidFill>
-                <a:miter lim="800000"/>
-                <a:headEnd/>
-                <a:tailEnd/>
-              </a14:hiddenLine>
-            </a:ext>
           </a:extLst>
         </p:spPr>
       </p:pic>
-      <p:sp>
-        <p:nvSpPr>
-          <p:cNvPr id="3" name="矩形 2"/>
-          <p:cNvSpPr/>
+      <p:pic>
+        <p:nvPicPr>
+          <p:cNvPr id="4" name="Picture 2"/>
+          <p:cNvPicPr>
+            <a:picLocks noChangeAspect="1" noChangeArrowheads="1"/>
+          </p:cNvPicPr>
           <p:nvPr/>
-        </p:nvSpPr>
-        <p:spPr>
-          <a:xfrm>
-            <a:off x="3035300" y="4774168"/>
-            <a:ext cx="6108700" cy="369332"/>
+        </p:nvPicPr>
+        <p:blipFill>
+          <a:blip r:embed="rId3">
+            <a:extLst>
+              <a:ext uri="{28A0092B-C50C-407E-A947-70E740481C1C}">
+                <a14:useLocalDpi xmlns:a14="http://schemas.microsoft.com/office/drawing/2010/main" val="0"/>
+              </a:ext>
+            </a:extLst>
+          </a:blip>
+          <a:srcRect/>
+          <a:stretch>
+            <a:fillRect/>
+          </a:stretch>
+        </p:blipFill>
+        <p:spPr bwMode="auto">
+          <a:xfrm>
+            <a:off x="95513" y="533283"/>
+            <a:ext cx="4992915" cy="2689567"/>
           </a:xfrm>
           <a:prstGeom prst="rect">
             <a:avLst/>
           </a:prstGeom>
+          <a:ln w="9525">
+            <a:solidFill>
+              <a:schemeClr val="tx1"/>
+            </a:solidFill>
+            <a:miter lim="800000"/>
+            <a:headEnd/>
+            <a:tailEnd/>
+          </a:ln>
+          <a:effectLst>
+            <a:outerShdw blurRad="190500" algn="tl" rotWithShape="0">
+              <a:srgbClr val="000000">
+                <a:alpha val="70000"/>
+              </a:srgbClr>
+            </a:outerShdw>
+          </a:effectLst>
+          <a:extLst>
+            <a:ext uri="{909E8E84-426E-40DD-AFC4-6F175D3DCCD1}">
+              <a14:hiddenFill xmlns:a14="http://schemas.microsoft.com/office/drawing/2010/main">
+                <a:solidFill>
+                  <a:schemeClr val="accent1"/>
+                </a:solidFill>
+              </a14:hiddenFill>
+            </a:ext>
+          </a:extLst>
+        </p:spPr>
+      </p:pic>
+      <p:sp>
+        <p:nvSpPr>
+          <p:cNvPr id="5" name="向右箭號 4"/>
+          <p:cNvSpPr/>
+          <p:nvPr/>
+        </p:nvSpPr>
+        <p:spPr>
+          <a:xfrm rot="8377278">
+            <a:off x="3299951" y="2604727"/>
+            <a:ext cx="462116" cy="452284"/>
+          </a:xfrm>
+          <a:prstGeom prst="rightArrow">
+            <a:avLst/>
+          </a:prstGeom>
         </p:spPr>
         <p:style>
-          <a:lnRef idx="1">
-            <a:schemeClr val="accent2"/>
+          <a:lnRef idx="2">
+            <a:schemeClr val="accent6">
+              <a:shade val="50000"/>
+            </a:schemeClr>
           </a:lnRef>
-          <a:fillRef idx="3">
-            <a:schemeClr val="accent2"/>
+          <a:fillRef idx="1">
+            <a:schemeClr val="accent6"/>
           </a:fillRef>
-          <a:effectRef idx="2">
-            <a:schemeClr val="accent2"/>
+          <a:effectRef idx="0">
+            <a:schemeClr val="accent6"/>
           </a:effectRef>
           <a:fontRef idx="minor">
             <a:schemeClr val="lt1"/>
           </a:fontRef>
         </p:style>
         <p:txBody>
-          <a:bodyPr wrap="square">
-            <a:spAutoFit/>
-          </a:bodyPr>
+          <a:bodyPr rtlCol="0" anchor="ctr"/>
           <a:lstStyle/>
           <a:p>
             <a:pPr algn="ctr"/>
-            <a:r>
-              <a:rPr lang="en-US" altLang="zh-TW" b="1" dirty="0">
-                <a:effectLst>
-                  <a:outerShdw blurRad="38100" dist="38100" dir="2700000" algn="tl">
-                    <a:srgbClr val="000000">
-                      <a:alpha val="43137"/>
-                    </a:srgbClr>
-                  </a:outerShdw>
-                </a:effectLst>
-              </a:rPr>
-              <a:t>https://github.com/sobadrush/Spring5_MVC_Git</a:t>
-            </a:r>
-            <a:endParaRPr lang="zh-TW" altLang="en-US" b="1" dirty="0">
-              <a:effectLst>
-                <a:outerShdw blurRad="38100" dist="38100" dir="2700000" algn="tl">
-                  <a:srgbClr val="000000">
-                    <a:alpha val="43137"/>
-                  </a:srgbClr>
-                </a:outerShdw>
-              </a:effectLst>
-            </a:endParaRPr>
+            <a:endParaRPr lang="zh-TW" altLang="en-US"/>
+          </a:p>
+        </p:txBody>
+      </p:sp>
+      <p:sp>
+        <p:nvSpPr>
+          <p:cNvPr id="6" name="矩形 5"/>
+          <p:cNvSpPr/>
+          <p:nvPr/>
+        </p:nvSpPr>
+        <p:spPr>
+          <a:xfrm>
+            <a:off x="5850339" y="2062870"/>
+            <a:ext cx="1642661" cy="667629"/>
+          </a:xfrm>
+          <a:prstGeom prst="rect">
+            <a:avLst/>
+          </a:prstGeom>
+          <a:solidFill>
+            <a:srgbClr val="FF0F0F">
+              <a:alpha val="30196"/>
+            </a:srgbClr>
+          </a:solidFill>
+          <a:ln w="3175">
+            <a:noFill/>
+            <a:prstDash val="sysDot"/>
+          </a:ln>
+        </p:spPr>
+        <p:style>
+          <a:lnRef idx="2">
+            <a:schemeClr val="accent1">
+              <a:shade val="50000"/>
+            </a:schemeClr>
+          </a:lnRef>
+          <a:fillRef idx="1">
+            <a:schemeClr val="accent1"/>
+          </a:fillRef>
+          <a:effectRef idx="0">
+            <a:schemeClr val="accent1"/>
+          </a:effectRef>
+          <a:fontRef idx="minor">
+            <a:schemeClr val="lt1"/>
+          </a:fontRef>
+        </p:style>
+        <p:txBody>
+          <a:bodyPr rtlCol="0" anchor="ctr"/>
+          <a:lstStyle/>
+          <a:p>
+            <a:pPr algn="ctr"/>
+            <a:endParaRPr lang="zh-TW" altLang="en-US"/>
+          </a:p>
+        </p:txBody>
+      </p:sp>
+      <p:sp>
+        <p:nvSpPr>
+          <p:cNvPr id="7" name="矩形 6"/>
+          <p:cNvSpPr/>
+          <p:nvPr/>
+        </p:nvSpPr>
+        <p:spPr>
+          <a:xfrm>
+            <a:off x="5812239" y="3663070"/>
+            <a:ext cx="1642661" cy="667629"/>
+          </a:xfrm>
+          <a:prstGeom prst="rect">
+            <a:avLst/>
+          </a:prstGeom>
+          <a:solidFill>
+            <a:srgbClr val="FF0F0F">
+              <a:alpha val="30196"/>
+            </a:srgbClr>
+          </a:solidFill>
+          <a:ln w="3175">
+            <a:noFill/>
+            <a:prstDash val="sysDot"/>
+          </a:ln>
+        </p:spPr>
+        <p:style>
+          <a:lnRef idx="2">
+            <a:schemeClr val="accent1">
+              <a:shade val="50000"/>
+            </a:schemeClr>
+          </a:lnRef>
+          <a:fillRef idx="1">
+            <a:schemeClr val="accent1"/>
+          </a:fillRef>
+          <a:effectRef idx="0">
+            <a:schemeClr val="accent1"/>
+          </a:effectRef>
+          <a:fontRef idx="minor">
+            <a:schemeClr val="lt1"/>
+          </a:fontRef>
+        </p:style>
+        <p:txBody>
+          <a:bodyPr rtlCol="0" anchor="ctr"/>
+          <a:lstStyle/>
+          <a:p>
+            <a:pPr algn="ctr"/>
+            <a:endParaRPr lang="zh-TW" altLang="en-US"/>
           </a:p>
         </p:txBody>
       </p:sp>
@@ -9218,29 +9446,23 @@
       </p:grpSpPr>
       <p:sp>
         <p:nvSpPr>
-          <p:cNvPr id="2" name="標題 1"/>
-          <p:cNvSpPr>
-            <a:spLocks noGrp="1"/>
+          <p:cNvPr id="6" name="標題 1"/>
+          <p:cNvSpPr txBox="1">
+            <a:spLocks/>
           </p:cNvSpPr>
-          <p:nvPr>
-            <p:ph type="ctrTitle"/>
-          </p:nvPr>
+          <p:nvPr/>
         </p:nvSpPr>
         <p:spPr>
           <a:xfrm>
-            <a:off x="0" y="-8603"/>
-            <a:ext cx="9144000" cy="392061"/>
-          </a:xfrm>
+            <a:off x="0" y="2228851"/>
+            <a:ext cx="9144000" cy="847724"/>
+          </a:xfrm>
+          <a:prstGeom prst="rect">
+            <a:avLst/>
+          </a:prstGeom>
           <a:solidFill>
-            <a:srgbClr val="C00000"/>
+            <a:srgbClr val="00B0F0"/>
           </a:solidFill>
-          <a:scene3d>
-            <a:camera prst="orthographicFront"/>
-            <a:lightRig rig="threePt" dir="t"/>
-          </a:scene3d>
-          <a:sp3d>
-            <a:bevelT/>
-          </a:sp3d>
         </p:spPr>
         <p:style>
           <a:lnRef idx="1">
@@ -9251,213 +9473,6 @@
           </a:fillRef>
           <a:effectRef idx="2">
             <a:schemeClr val="dk1"/>
-          </a:effectRef>
-          <a:fontRef idx="minor">
-            <a:schemeClr val="lt1"/>
-          </a:fontRef>
-        </p:style>
-        <p:txBody>
-          <a:bodyPr vert="horz" lIns="91440" tIns="45720" rIns="91440" bIns="45720" rtlCol="0" anchor="ctr">
-            <a:noAutofit/>
-          </a:bodyPr>
-          <a:lstStyle/>
-          <a:p>
-            <a:r>
-              <a:rPr lang="zh-TW" altLang="en-US" sz="2000" b="1" dirty="0" smtClean="0">
-                <a:effectLst>
-                  <a:outerShdw blurRad="38100" dist="38100" dir="2700000" algn="tl">
-                    <a:srgbClr val="000000">
-                      <a:alpha val="43137"/>
-                    </a:srgbClr>
-                  </a:outerShdw>
-                </a:effectLst>
-                <a:latin typeface="微軟正黑體" panose="020B0604030504040204" pitchFamily="34" charset="-120"/>
-                <a:ea typeface="微軟正黑體" panose="020B0604030504040204" pitchFamily="34" charset="-120"/>
-              </a:rPr>
-              <a:t>檔案</a:t>
-            </a:r>
-            <a:endParaRPr lang="zh-TW" altLang="en-US" sz="2000" b="1" dirty="0">
-              <a:effectLst>
-                <a:outerShdw blurRad="38100" dist="38100" dir="2700000" algn="tl">
-                  <a:srgbClr val="000000">
-                    <a:alpha val="43137"/>
-                  </a:srgbClr>
-                </a:outerShdw>
-              </a:effectLst>
-              <a:latin typeface="微軟正黑體" panose="020B0604030504040204" pitchFamily="34" charset="-120"/>
-              <a:ea typeface="微軟正黑體" panose="020B0604030504040204" pitchFamily="34" charset="-120"/>
-            </a:endParaRPr>
-          </a:p>
-        </p:txBody>
-      </p:sp>
-      <p:graphicFrame>
-        <p:nvGraphicFramePr>
-          <p:cNvPr id="3" name="物件 2"/>
-          <p:cNvGraphicFramePr>
-            <a:graphicFrameLocks noChangeAspect="1"/>
-          </p:cNvGraphicFramePr>
-          <p:nvPr>
-            <p:extLst>
-              <p:ext uri="{D42A27DB-BD31-4B8C-83A1-F6EECF244321}">
-                <p14:modId xmlns:p14="http://schemas.microsoft.com/office/powerpoint/2010/main" val="3109908064"/>
-              </p:ext>
-            </p:extLst>
-          </p:nvPr>
-        </p:nvGraphicFramePr>
-        <p:xfrm>
-          <a:off x="2120900" y="1778000"/>
-          <a:ext cx="4647738" cy="1727200"/>
-        </p:xfrm>
-        <a:graphic>
-          <a:graphicData uri="http://schemas.openxmlformats.org/presentationml/2006/ole">
-            <mc:AlternateContent xmlns:mc="http://schemas.openxmlformats.org/markup-compatibility/2006">
-              <mc:Choice xmlns:v="urn:schemas-microsoft-com:vml" Requires="v">
-                <p:oleObj spid="_x0000_s2050" name="封裝程式殼層物件" showAsIcon="1" r:id="rId3" imgW="1878840" imgH="698400" progId="Package">
-                  <p:embed/>
-                </p:oleObj>
-              </mc:Choice>
-              <mc:Fallback>
-                <p:oleObj name="封裝程式殼層物件" showAsIcon="1" r:id="rId3" imgW="1878840" imgH="698400" progId="Package">
-                  <p:embed/>
-                  <p:pic>
-                    <p:nvPicPr>
-                      <p:cNvPr id="0" name=""/>
-                      <p:cNvPicPr/>
-                      <p:nvPr/>
-                    </p:nvPicPr>
-                    <p:blipFill>
-                      <a:blip r:embed="rId4"/>
-                      <a:stretch>
-                        <a:fillRect/>
-                      </a:stretch>
-                    </p:blipFill>
-                    <p:spPr>
-                      <a:xfrm>
-                        <a:off x="2120900" y="1778000"/>
-                        <a:ext cx="4647738" cy="1727200"/>
-                      </a:xfrm>
-                      <a:prstGeom prst="rect">
-                        <a:avLst/>
-                      </a:prstGeom>
-                    </p:spPr>
-                  </p:pic>
-                </p:oleObj>
-              </mc:Fallback>
-            </mc:AlternateContent>
-          </a:graphicData>
-        </a:graphic>
-      </p:graphicFrame>
-    </p:spTree>
-    <p:extLst>
-      <p:ext uri="{BB962C8B-B14F-4D97-AF65-F5344CB8AC3E}">
-        <p14:creationId xmlns:p14="http://schemas.microsoft.com/office/powerpoint/2010/main" val="3707352556"/>
-      </p:ext>
-    </p:extLst>
-  </p:cSld>
-  <p:clrMapOvr>
-    <a:masterClrMapping/>
-  </p:clrMapOvr>
-</p:sld>
-</file>
-
-<file path=ppt/slides/slide3.xml><?xml version="1.0" encoding="utf-8"?>
-<p:sld xmlns:a="http://schemas.openxmlformats.org/drawingml/2006/main" xmlns:r="http://schemas.openxmlformats.org/officeDocument/2006/relationships" xmlns:p="http://schemas.openxmlformats.org/presentationml/2006/main">
-  <p:cSld>
-    <p:spTree>
-      <p:nvGrpSpPr>
-        <p:cNvPr id="1" name=""/>
-        <p:cNvGrpSpPr/>
-        <p:nvPr/>
-      </p:nvGrpSpPr>
-      <p:grpSpPr>
-        <a:xfrm>
-          <a:off x="0" y="0"/>
-          <a:ext cx="0" cy="0"/>
-          <a:chOff x="0" y="0"/>
-          <a:chExt cx="0" cy="0"/>
-        </a:xfrm>
-      </p:grpSpPr>
-      <p:pic>
-        <p:nvPicPr>
-          <p:cNvPr id="11266" name="Picture 2"/>
-          <p:cNvPicPr>
-            <a:picLocks noChangeAspect="1" noChangeArrowheads="1"/>
-          </p:cNvPicPr>
-          <p:nvPr/>
-        </p:nvPicPr>
-        <p:blipFill>
-          <a:blip r:embed="rId2">
-            <a:extLst>
-              <a:ext uri="{28A0092B-C50C-407E-A947-70E740481C1C}">
-                <a14:useLocalDpi xmlns:a14="http://schemas.microsoft.com/office/drawing/2010/main" val="0"/>
-              </a:ext>
-            </a:extLst>
-          </a:blip>
-          <a:srcRect/>
-          <a:stretch>
-            <a:fillRect/>
-          </a:stretch>
-        </p:blipFill>
-        <p:spPr bwMode="auto">
-          <a:xfrm>
-            <a:off x="2024977" y="503206"/>
-            <a:ext cx="4718568" cy="4491581"/>
-          </a:xfrm>
-          <a:prstGeom prst="rect">
-            <a:avLst/>
-          </a:prstGeom>
-          <a:ln w="9525">
-            <a:solidFill>
-              <a:schemeClr val="tx1"/>
-            </a:solidFill>
-            <a:miter lim="800000"/>
-            <a:headEnd/>
-            <a:tailEnd/>
-          </a:ln>
-          <a:effectLst>
-            <a:outerShdw blurRad="190500" algn="tl" rotWithShape="0">
-              <a:srgbClr val="000000">
-                <a:alpha val="70000"/>
-              </a:srgbClr>
-            </a:outerShdw>
-          </a:effectLst>
-          <a:extLst>
-            <a:ext uri="{909E8E84-426E-40DD-AFC4-6F175D3DCCD1}">
-              <a14:hiddenFill xmlns:a14="http://schemas.microsoft.com/office/drawing/2010/main">
-                <a:solidFill>
-                  <a:schemeClr val="accent1"/>
-                </a:solidFill>
-              </a14:hiddenFill>
-            </a:ext>
-          </a:extLst>
-        </p:spPr>
-      </p:pic>
-      <p:sp>
-        <p:nvSpPr>
-          <p:cNvPr id="5" name="標題 1"/>
-          <p:cNvSpPr txBox="1">
-            <a:spLocks/>
-          </p:cNvSpPr>
-          <p:nvPr/>
-        </p:nvSpPr>
-        <p:spPr>
-          <a:xfrm>
-            <a:off x="0" y="-8603"/>
-            <a:ext cx="9144000" cy="392061"/>
-          </a:xfrm>
-          <a:prstGeom prst="rect">
-            <a:avLst/>
-          </a:prstGeom>
-        </p:spPr>
-        <p:style>
-          <a:lnRef idx="1">
-            <a:schemeClr val="accent1"/>
-          </a:lnRef>
-          <a:fillRef idx="3">
-            <a:schemeClr val="accent1"/>
-          </a:fillRef>
-          <a:effectRef idx="2">
-            <a:schemeClr val="accent1"/>
           </a:effectRef>
           <a:fontRef idx="minor">
             <a:schemeClr val="lt1"/>
@@ -9565,6 +9580,251 @@
           </a:lstStyle>
           <a:p>
             <a:r>
+              <a:rPr lang="zh-TW" altLang="en-US" sz="3200" b="1" dirty="0" smtClean="0">
+                <a:effectLst>
+                  <a:outerShdw blurRad="38100" dist="38100" dir="2700000" algn="tl">
+                    <a:srgbClr val="000000">
+                      <a:alpha val="43137"/>
+                    </a:srgbClr>
+                  </a:outerShdw>
+                </a:effectLst>
+                <a:latin typeface="微軟正黑體" panose="020B0604030504040204" pitchFamily="34" charset="-120"/>
+                <a:ea typeface="微軟正黑體" panose="020B0604030504040204" pitchFamily="34" charset="-120"/>
+              </a:rPr>
+              <a:t>附錄</a:t>
+            </a:r>
+            <a:endParaRPr lang="zh-TW" altLang="en-US" sz="3200" b="1" dirty="0">
+              <a:effectLst>
+                <a:outerShdw blurRad="38100" dist="38100" dir="2700000" algn="tl">
+                  <a:srgbClr val="000000">
+                    <a:alpha val="43137"/>
+                  </a:srgbClr>
+                </a:outerShdw>
+              </a:effectLst>
+              <a:latin typeface="微軟正黑體" panose="020B0604030504040204" pitchFamily="34" charset="-120"/>
+              <a:ea typeface="微軟正黑體" panose="020B0604030504040204" pitchFamily="34" charset="-120"/>
+            </a:endParaRPr>
+          </a:p>
+        </p:txBody>
+      </p:sp>
+    </p:spTree>
+    <p:extLst>
+      <p:ext uri="{BB962C8B-B14F-4D97-AF65-F5344CB8AC3E}">
+        <p14:creationId xmlns:p14="http://schemas.microsoft.com/office/powerpoint/2010/main" val="405425599"/>
+      </p:ext>
+    </p:extLst>
+  </p:cSld>
+  <p:clrMapOvr>
+    <a:masterClrMapping/>
+  </p:clrMapOvr>
+</p:sld>
+</file>
+
+<file path=ppt/slides/slide3.xml><?xml version="1.0" encoding="utf-8"?>
+<p:sld xmlns:a="http://schemas.openxmlformats.org/drawingml/2006/main" xmlns:r="http://schemas.openxmlformats.org/officeDocument/2006/relationships" xmlns:p="http://schemas.openxmlformats.org/presentationml/2006/main">
+  <p:cSld>
+    <p:spTree>
+      <p:nvGrpSpPr>
+        <p:cNvPr id="1" name=""/>
+        <p:cNvGrpSpPr/>
+        <p:nvPr/>
+      </p:nvGrpSpPr>
+      <p:grpSpPr>
+        <a:xfrm>
+          <a:off x="0" y="0"/>
+          <a:ext cx="0" cy="0"/>
+          <a:chOff x="0" y="0"/>
+          <a:chExt cx="0" cy="0"/>
+        </a:xfrm>
+      </p:grpSpPr>
+      <p:pic>
+        <p:nvPicPr>
+          <p:cNvPr id="11266" name="Picture 2"/>
+          <p:cNvPicPr>
+            <a:picLocks noChangeAspect="1" noChangeArrowheads="1"/>
+          </p:cNvPicPr>
+          <p:nvPr/>
+        </p:nvPicPr>
+        <p:blipFill>
+          <a:blip r:embed="rId2">
+            <a:extLst>
+              <a:ext uri="{28A0092B-C50C-407E-A947-70E740481C1C}">
+                <a14:useLocalDpi xmlns:a14="http://schemas.microsoft.com/office/drawing/2010/main" val="0"/>
+              </a:ext>
+            </a:extLst>
+          </a:blip>
+          <a:srcRect/>
+          <a:stretch>
+            <a:fillRect/>
+          </a:stretch>
+        </p:blipFill>
+        <p:spPr bwMode="auto">
+          <a:xfrm>
+            <a:off x="2024977" y="503206"/>
+            <a:ext cx="4718568" cy="4491581"/>
+          </a:xfrm>
+          <a:prstGeom prst="rect">
+            <a:avLst/>
+          </a:prstGeom>
+          <a:ln w="9525">
+            <a:solidFill>
+              <a:schemeClr val="tx1"/>
+            </a:solidFill>
+            <a:miter lim="800000"/>
+            <a:headEnd/>
+            <a:tailEnd/>
+          </a:ln>
+          <a:effectLst>
+            <a:outerShdw blurRad="190500" algn="tl" rotWithShape="0">
+              <a:srgbClr val="000000">
+                <a:alpha val="70000"/>
+              </a:srgbClr>
+            </a:outerShdw>
+          </a:effectLst>
+          <a:extLst>
+            <a:ext uri="{909E8E84-426E-40DD-AFC4-6F175D3DCCD1}">
+              <a14:hiddenFill xmlns:a14="http://schemas.microsoft.com/office/drawing/2010/main">
+                <a:solidFill>
+                  <a:schemeClr val="accent1"/>
+                </a:solidFill>
+              </a14:hiddenFill>
+            </a:ext>
+          </a:extLst>
+        </p:spPr>
+      </p:pic>
+      <p:sp>
+        <p:nvSpPr>
+          <p:cNvPr id="5" name="標題 1"/>
+          <p:cNvSpPr txBox="1">
+            <a:spLocks/>
+          </p:cNvSpPr>
+          <p:nvPr/>
+        </p:nvSpPr>
+        <p:spPr>
+          <a:xfrm>
+            <a:off x="0" y="-8603"/>
+            <a:ext cx="9144000" cy="392061"/>
+          </a:xfrm>
+          <a:prstGeom prst="rect">
+            <a:avLst/>
+          </a:prstGeom>
+        </p:spPr>
+        <p:style>
+          <a:lnRef idx="1">
+            <a:schemeClr val="accent1"/>
+          </a:lnRef>
+          <a:fillRef idx="3">
+            <a:schemeClr val="accent1"/>
+          </a:fillRef>
+          <a:effectRef idx="2">
+            <a:schemeClr val="accent1"/>
+          </a:effectRef>
+          <a:fontRef idx="minor">
+            <a:schemeClr val="lt1"/>
+          </a:fontRef>
+        </p:style>
+        <p:txBody>
+          <a:bodyPr vert="horz" lIns="91440" tIns="45720" rIns="91440" bIns="45720" rtlCol="0" anchor="ctr">
+            <a:noAutofit/>
+          </a:bodyPr>
+          <a:lstStyle>
+            <a:lvl1pPr algn="ctr" defTabSz="914400" rtl="0" eaLnBrk="1" latinLnBrk="0" hangingPunct="1">
+              <a:spcBef>
+                <a:spcPct val="0"/>
+              </a:spcBef>
+              <a:buNone/>
+              <a:defRPr sz="4400" kern="1200">
+                <a:solidFill>
+                  <a:schemeClr val="lt1"/>
+                </a:solidFill>
+                <a:latin typeface="+mn-lt"/>
+                <a:ea typeface="+mn-ea"/>
+                <a:cs typeface="+mn-cs"/>
+              </a:defRPr>
+            </a:lvl1pPr>
+            <a:lvl2pPr>
+              <a:defRPr>
+                <a:solidFill>
+                  <a:schemeClr val="lt1"/>
+                </a:solidFill>
+                <a:latin typeface="+mn-lt"/>
+                <a:ea typeface="+mn-ea"/>
+                <a:cs typeface="+mn-cs"/>
+              </a:defRPr>
+            </a:lvl2pPr>
+            <a:lvl3pPr>
+              <a:defRPr>
+                <a:solidFill>
+                  <a:schemeClr val="lt1"/>
+                </a:solidFill>
+                <a:latin typeface="+mn-lt"/>
+                <a:ea typeface="+mn-ea"/>
+                <a:cs typeface="+mn-cs"/>
+              </a:defRPr>
+            </a:lvl3pPr>
+            <a:lvl4pPr>
+              <a:defRPr>
+                <a:solidFill>
+                  <a:schemeClr val="lt1"/>
+                </a:solidFill>
+                <a:latin typeface="+mn-lt"/>
+                <a:ea typeface="+mn-ea"/>
+                <a:cs typeface="+mn-cs"/>
+              </a:defRPr>
+            </a:lvl4pPr>
+            <a:lvl5pPr>
+              <a:defRPr>
+                <a:solidFill>
+                  <a:schemeClr val="lt1"/>
+                </a:solidFill>
+                <a:latin typeface="+mn-lt"/>
+                <a:ea typeface="+mn-ea"/>
+                <a:cs typeface="+mn-cs"/>
+              </a:defRPr>
+            </a:lvl5pPr>
+            <a:lvl6pPr>
+              <a:defRPr>
+                <a:solidFill>
+                  <a:schemeClr val="lt1"/>
+                </a:solidFill>
+                <a:latin typeface="+mn-lt"/>
+                <a:ea typeface="+mn-ea"/>
+                <a:cs typeface="+mn-cs"/>
+              </a:defRPr>
+            </a:lvl6pPr>
+            <a:lvl7pPr>
+              <a:defRPr>
+                <a:solidFill>
+                  <a:schemeClr val="lt1"/>
+                </a:solidFill>
+                <a:latin typeface="+mn-lt"/>
+                <a:ea typeface="+mn-ea"/>
+                <a:cs typeface="+mn-cs"/>
+              </a:defRPr>
+            </a:lvl7pPr>
+            <a:lvl8pPr>
+              <a:defRPr>
+                <a:solidFill>
+                  <a:schemeClr val="lt1"/>
+                </a:solidFill>
+                <a:latin typeface="+mn-lt"/>
+                <a:ea typeface="+mn-ea"/>
+                <a:cs typeface="+mn-cs"/>
+              </a:defRPr>
+            </a:lvl8pPr>
+            <a:lvl9pPr>
+              <a:defRPr>
+                <a:solidFill>
+                  <a:schemeClr val="lt1"/>
+                </a:solidFill>
+                <a:latin typeface="+mn-lt"/>
+                <a:ea typeface="+mn-ea"/>
+                <a:cs typeface="+mn-cs"/>
+              </a:defRPr>
+            </a:lvl9pPr>
+          </a:lstStyle>
+          <a:p>
+            <a:r>
               <a:rPr lang="en-US" altLang="zh-TW" sz="2400" smtClean="0">
                 <a:latin typeface="微軟正黑體" panose="020B0604030504040204" pitchFamily="34" charset="-120"/>
                 <a:ea typeface="微軟正黑體" panose="020B0604030504040204" pitchFamily="34" charset="-120"/>
@@ -9701,6 +9961,400 @@
             <a:off x="0" y="-8603"/>
             <a:ext cx="9144000" cy="392061"/>
           </a:xfrm>
+          <a:solidFill>
+            <a:srgbClr val="C00000"/>
+          </a:solidFill>
+          <a:scene3d>
+            <a:camera prst="orthographicFront"/>
+            <a:lightRig rig="threePt" dir="t"/>
+          </a:scene3d>
+          <a:sp3d>
+            <a:bevelT/>
+          </a:sp3d>
+        </p:spPr>
+        <p:style>
+          <a:lnRef idx="1">
+            <a:schemeClr val="dk1"/>
+          </a:lnRef>
+          <a:fillRef idx="3">
+            <a:schemeClr val="dk1"/>
+          </a:fillRef>
+          <a:effectRef idx="2">
+            <a:schemeClr val="dk1"/>
+          </a:effectRef>
+          <a:fontRef idx="minor">
+            <a:schemeClr val="lt1"/>
+          </a:fontRef>
+        </p:style>
+        <p:txBody>
+          <a:bodyPr vert="horz" lIns="91440" tIns="45720" rIns="91440" bIns="45720" rtlCol="0" anchor="ctr">
+            <a:noAutofit/>
+          </a:bodyPr>
+          <a:lstStyle/>
+          <a:p>
+            <a:r>
+              <a:rPr lang="zh-TW" altLang="en-US" sz="2000" b="1" dirty="0" smtClean="0">
+                <a:effectLst>
+                  <a:outerShdw blurRad="38100" dist="38100" dir="2700000" algn="tl">
+                    <a:srgbClr val="000000">
+                      <a:alpha val="43137"/>
+                    </a:srgbClr>
+                  </a:outerShdw>
+                </a:effectLst>
+                <a:latin typeface="微軟正黑體" panose="020B0604030504040204" pitchFamily="34" charset="-120"/>
+                <a:ea typeface="微軟正黑體" panose="020B0604030504040204" pitchFamily="34" charset="-120"/>
+              </a:rPr>
+              <a:t>檔案 </a:t>
+            </a:r>
+            <a:r>
+              <a:rPr lang="en-US" altLang="zh-TW" sz="2000" b="1" dirty="0" smtClean="0">
+                <a:effectLst>
+                  <a:outerShdw blurRad="38100" dist="38100" dir="2700000" algn="tl">
+                    <a:srgbClr val="000000">
+                      <a:alpha val="43137"/>
+                    </a:srgbClr>
+                  </a:outerShdw>
+                </a:effectLst>
+                <a:latin typeface="微軟正黑體" panose="020B0604030504040204" pitchFamily="34" charset="-120"/>
+                <a:ea typeface="微軟正黑體" panose="020B0604030504040204" pitchFamily="34" charset="-120"/>
+              </a:rPr>
+              <a:t>- GitHub</a:t>
+            </a:r>
+            <a:endParaRPr lang="zh-TW" altLang="en-US" sz="2000" b="1" dirty="0">
+              <a:effectLst>
+                <a:outerShdw blurRad="38100" dist="38100" dir="2700000" algn="tl">
+                  <a:srgbClr val="000000">
+                    <a:alpha val="43137"/>
+                  </a:srgbClr>
+                </a:outerShdw>
+              </a:effectLst>
+              <a:latin typeface="微軟正黑體" panose="020B0604030504040204" pitchFamily="34" charset="-120"/>
+              <a:ea typeface="微軟正黑體" panose="020B0604030504040204" pitchFamily="34" charset="-120"/>
+            </a:endParaRPr>
+          </a:p>
+        </p:txBody>
+      </p:sp>
+      <p:pic>
+        <p:nvPicPr>
+          <p:cNvPr id="1026" name="Picture 2"/>
+          <p:cNvPicPr>
+            <a:picLocks noChangeAspect="1" noChangeArrowheads="1"/>
+          </p:cNvPicPr>
+          <p:nvPr/>
+        </p:nvPicPr>
+        <p:blipFill>
+          <a:blip r:embed="rId2">
+            <a:extLst>
+              <a:ext uri="{28A0092B-C50C-407E-A947-70E740481C1C}">
+                <a14:useLocalDpi xmlns:a14="http://schemas.microsoft.com/office/drawing/2010/main" val="0"/>
+              </a:ext>
+            </a:extLst>
+          </a:blip>
+          <a:srcRect/>
+          <a:stretch>
+            <a:fillRect/>
+          </a:stretch>
+        </p:blipFill>
+        <p:spPr bwMode="auto">
+          <a:xfrm>
+            <a:off x="1697038" y="600075"/>
+            <a:ext cx="5267325" cy="3714750"/>
+          </a:xfrm>
+          <a:prstGeom prst="rect">
+            <a:avLst/>
+          </a:prstGeom>
+          <a:ln w="9525">
+            <a:solidFill>
+              <a:schemeClr val="tx1"/>
+            </a:solidFill>
+            <a:miter lim="800000"/>
+            <a:headEnd/>
+            <a:tailEnd/>
+          </a:ln>
+          <a:effectLst>
+            <a:outerShdw blurRad="190500" algn="tl" rotWithShape="0">
+              <a:srgbClr val="000000">
+                <a:alpha val="70000"/>
+              </a:srgbClr>
+            </a:outerShdw>
+          </a:effectLst>
+          <a:extLst>
+            <a:ext uri="{909E8E84-426E-40DD-AFC4-6F175D3DCCD1}">
+              <a14:hiddenFill xmlns:a14="http://schemas.microsoft.com/office/drawing/2010/main">
+                <a:solidFill>
+                  <a:schemeClr val="accent1"/>
+                </a:solidFill>
+              </a14:hiddenFill>
+            </a:ext>
+          </a:extLst>
+        </p:spPr>
+      </p:pic>
+      <p:sp>
+        <p:nvSpPr>
+          <p:cNvPr id="3" name="矩形 2"/>
+          <p:cNvSpPr/>
+          <p:nvPr/>
+        </p:nvSpPr>
+        <p:spPr>
+          <a:xfrm>
+            <a:off x="3035300" y="4774168"/>
+            <a:ext cx="6108700" cy="369332"/>
+          </a:xfrm>
+          <a:prstGeom prst="rect">
+            <a:avLst/>
+          </a:prstGeom>
+        </p:spPr>
+        <p:style>
+          <a:lnRef idx="1">
+            <a:schemeClr val="accent2"/>
+          </a:lnRef>
+          <a:fillRef idx="3">
+            <a:schemeClr val="accent2"/>
+          </a:fillRef>
+          <a:effectRef idx="2">
+            <a:schemeClr val="accent2"/>
+          </a:effectRef>
+          <a:fontRef idx="minor">
+            <a:schemeClr val="lt1"/>
+          </a:fontRef>
+        </p:style>
+        <p:txBody>
+          <a:bodyPr wrap="square">
+            <a:spAutoFit/>
+          </a:bodyPr>
+          <a:lstStyle/>
+          <a:p>
+            <a:pPr algn="ctr"/>
+            <a:r>
+              <a:rPr lang="en-US" altLang="zh-TW" b="1" dirty="0">
+                <a:effectLst>
+                  <a:outerShdw blurRad="38100" dist="38100" dir="2700000" algn="tl">
+                    <a:srgbClr val="000000">
+                      <a:alpha val="43137"/>
+                    </a:srgbClr>
+                  </a:outerShdw>
+                </a:effectLst>
+              </a:rPr>
+              <a:t>https://github.com/sobadrush/Spring5_MVC_Git</a:t>
+            </a:r>
+            <a:endParaRPr lang="zh-TW" altLang="en-US" b="1" dirty="0">
+              <a:effectLst>
+                <a:outerShdw blurRad="38100" dist="38100" dir="2700000" algn="tl">
+                  <a:srgbClr val="000000">
+                    <a:alpha val="43137"/>
+                  </a:srgbClr>
+                </a:outerShdw>
+              </a:effectLst>
+            </a:endParaRPr>
+          </a:p>
+        </p:txBody>
+      </p:sp>
+    </p:spTree>
+    <p:extLst>
+      <p:ext uri="{BB962C8B-B14F-4D97-AF65-F5344CB8AC3E}">
+        <p14:creationId xmlns:p14="http://schemas.microsoft.com/office/powerpoint/2010/main" val="1108628092"/>
+      </p:ext>
+    </p:extLst>
+  </p:cSld>
+  <p:clrMapOvr>
+    <a:masterClrMapping/>
+  </p:clrMapOvr>
+</p:sld>
+</file>
+
+<file path=ppt/slides/slide31.xml><?xml version="1.0" encoding="utf-8"?>
+<p:sld xmlns:a="http://schemas.openxmlformats.org/drawingml/2006/main" xmlns:r="http://schemas.openxmlformats.org/officeDocument/2006/relationships" xmlns:p="http://schemas.openxmlformats.org/presentationml/2006/main">
+  <p:cSld>
+    <p:spTree>
+      <p:nvGrpSpPr>
+        <p:cNvPr id="1" name=""/>
+        <p:cNvGrpSpPr/>
+        <p:nvPr/>
+      </p:nvGrpSpPr>
+      <p:grpSpPr>
+        <a:xfrm>
+          <a:off x="0" y="0"/>
+          <a:ext cx="0" cy="0"/>
+          <a:chOff x="0" y="0"/>
+          <a:chExt cx="0" cy="0"/>
+        </a:xfrm>
+      </p:grpSpPr>
+      <p:sp>
+        <p:nvSpPr>
+          <p:cNvPr id="2" name="標題 1"/>
+          <p:cNvSpPr>
+            <a:spLocks noGrp="1"/>
+          </p:cNvSpPr>
+          <p:nvPr>
+            <p:ph type="ctrTitle"/>
+          </p:nvPr>
+        </p:nvSpPr>
+        <p:spPr>
+          <a:xfrm>
+            <a:off x="0" y="-8603"/>
+            <a:ext cx="9144000" cy="392061"/>
+          </a:xfrm>
+          <a:solidFill>
+            <a:srgbClr val="C00000"/>
+          </a:solidFill>
+          <a:scene3d>
+            <a:camera prst="orthographicFront"/>
+            <a:lightRig rig="threePt" dir="t"/>
+          </a:scene3d>
+          <a:sp3d>
+            <a:bevelT/>
+          </a:sp3d>
+        </p:spPr>
+        <p:style>
+          <a:lnRef idx="1">
+            <a:schemeClr val="dk1"/>
+          </a:lnRef>
+          <a:fillRef idx="3">
+            <a:schemeClr val="dk1"/>
+          </a:fillRef>
+          <a:effectRef idx="2">
+            <a:schemeClr val="dk1"/>
+          </a:effectRef>
+          <a:fontRef idx="minor">
+            <a:schemeClr val="lt1"/>
+          </a:fontRef>
+        </p:style>
+        <p:txBody>
+          <a:bodyPr vert="horz" lIns="91440" tIns="45720" rIns="91440" bIns="45720" rtlCol="0" anchor="ctr">
+            <a:noAutofit/>
+          </a:bodyPr>
+          <a:lstStyle/>
+          <a:p>
+            <a:r>
+              <a:rPr lang="zh-TW" altLang="en-US" sz="2000" b="1" dirty="0" smtClean="0">
+                <a:effectLst>
+                  <a:outerShdw blurRad="38100" dist="38100" dir="2700000" algn="tl">
+                    <a:srgbClr val="000000">
+                      <a:alpha val="43137"/>
+                    </a:srgbClr>
+                  </a:outerShdw>
+                </a:effectLst>
+                <a:latin typeface="微軟正黑體" panose="020B0604030504040204" pitchFamily="34" charset="-120"/>
+                <a:ea typeface="微軟正黑體" panose="020B0604030504040204" pitchFamily="34" charset="-120"/>
+              </a:rPr>
+              <a:t>檔案</a:t>
+            </a:r>
+            <a:endParaRPr lang="zh-TW" altLang="en-US" sz="2000" b="1" dirty="0">
+              <a:effectLst>
+                <a:outerShdw blurRad="38100" dist="38100" dir="2700000" algn="tl">
+                  <a:srgbClr val="000000">
+                    <a:alpha val="43137"/>
+                  </a:srgbClr>
+                </a:outerShdw>
+              </a:effectLst>
+              <a:latin typeface="微軟正黑體" panose="020B0604030504040204" pitchFamily="34" charset="-120"/>
+              <a:ea typeface="微軟正黑體" panose="020B0604030504040204" pitchFamily="34" charset="-120"/>
+            </a:endParaRPr>
+          </a:p>
+        </p:txBody>
+      </p:sp>
+      <p:graphicFrame>
+        <p:nvGraphicFramePr>
+          <p:cNvPr id="3" name="物件 2"/>
+          <p:cNvGraphicFramePr>
+            <a:graphicFrameLocks noChangeAspect="1"/>
+          </p:cNvGraphicFramePr>
+          <p:nvPr>
+            <p:extLst>
+              <p:ext uri="{D42A27DB-BD31-4B8C-83A1-F6EECF244321}">
+                <p14:modId xmlns:p14="http://schemas.microsoft.com/office/powerpoint/2010/main" val="3109908064"/>
+              </p:ext>
+            </p:extLst>
+          </p:nvPr>
+        </p:nvGraphicFramePr>
+        <p:xfrm>
+          <a:off x="2120900" y="1778000"/>
+          <a:ext cx="4647738" cy="1727200"/>
+        </p:xfrm>
+        <a:graphic>
+          <a:graphicData uri="http://schemas.openxmlformats.org/presentationml/2006/ole">
+            <mc:AlternateContent xmlns:mc="http://schemas.openxmlformats.org/markup-compatibility/2006">
+              <mc:Choice xmlns:v="urn:schemas-microsoft-com:vml" Requires="v">
+                <p:oleObj spid="_x0000_s2057" name="封裝程式殼層物件" showAsIcon="1" r:id="rId3" imgW="1878840" imgH="698400" progId="Package">
+                  <p:embed/>
+                </p:oleObj>
+              </mc:Choice>
+              <mc:Fallback>
+                <p:oleObj name="封裝程式殼層物件" showAsIcon="1" r:id="rId3" imgW="1878840" imgH="698400" progId="Package">
+                  <p:embed/>
+                  <p:pic>
+                    <p:nvPicPr>
+                      <p:cNvPr id="0" name=""/>
+                      <p:cNvPicPr/>
+                      <p:nvPr/>
+                    </p:nvPicPr>
+                    <p:blipFill>
+                      <a:blip r:embed="rId4"/>
+                      <a:stretch>
+                        <a:fillRect/>
+                      </a:stretch>
+                    </p:blipFill>
+                    <p:spPr>
+                      <a:xfrm>
+                        <a:off x="2120900" y="1778000"/>
+                        <a:ext cx="4647738" cy="1727200"/>
+                      </a:xfrm>
+                      <a:prstGeom prst="rect">
+                        <a:avLst/>
+                      </a:prstGeom>
+                    </p:spPr>
+                  </p:pic>
+                </p:oleObj>
+              </mc:Fallback>
+            </mc:AlternateContent>
+          </a:graphicData>
+        </a:graphic>
+      </p:graphicFrame>
+    </p:spTree>
+    <p:extLst>
+      <p:ext uri="{BB962C8B-B14F-4D97-AF65-F5344CB8AC3E}">
+        <p14:creationId xmlns:p14="http://schemas.microsoft.com/office/powerpoint/2010/main" val="3707352556"/>
+      </p:ext>
+    </p:extLst>
+  </p:cSld>
+  <p:clrMapOvr>
+    <a:masterClrMapping/>
+  </p:clrMapOvr>
+</p:sld>
+</file>
+
+<file path=ppt/slides/slide32.xml><?xml version="1.0" encoding="utf-8"?>
+<p:sld xmlns:a="http://schemas.openxmlformats.org/drawingml/2006/main" xmlns:r="http://schemas.openxmlformats.org/officeDocument/2006/relationships" xmlns:p="http://schemas.openxmlformats.org/presentationml/2006/main">
+  <p:cSld>
+    <p:spTree>
+      <p:nvGrpSpPr>
+        <p:cNvPr id="1" name=""/>
+        <p:cNvGrpSpPr/>
+        <p:nvPr/>
+      </p:nvGrpSpPr>
+      <p:grpSpPr>
+        <a:xfrm>
+          <a:off x="0" y="0"/>
+          <a:ext cx="0" cy="0"/>
+          <a:chOff x="0" y="0"/>
+          <a:chExt cx="0" cy="0"/>
+        </a:xfrm>
+      </p:grpSpPr>
+      <p:sp>
+        <p:nvSpPr>
+          <p:cNvPr id="2" name="標題 1"/>
+          <p:cNvSpPr>
+            <a:spLocks noGrp="1"/>
+          </p:cNvSpPr>
+          <p:nvPr>
+            <p:ph type="ctrTitle"/>
+          </p:nvPr>
+        </p:nvSpPr>
+        <p:spPr>
+          <a:xfrm>
+            <a:off x="0" y="-8603"/>
+            <a:ext cx="9144000" cy="392061"/>
+          </a:xfrm>
         </p:spPr>
         <p:style>
           <a:lnRef idx="1">
@@ -10169,8 +10823,8 @@
         </p:blipFill>
         <p:spPr bwMode="auto">
           <a:xfrm>
-            <a:off x="1538288" y="1619250"/>
-            <a:ext cx="6067425" cy="1905000"/>
+            <a:off x="573088" y="1377950"/>
+            <a:ext cx="8110125" cy="2546350"/>
           </a:xfrm>
           <a:prstGeom prst="rect">
             <a:avLst/>
@@ -11103,6 +11757,846 @@
           <a:chExt cx="0" cy="0"/>
         </a:xfrm>
       </p:grpSpPr>
+      <p:pic>
+        <p:nvPicPr>
+          <p:cNvPr id="4098" name="Picture 2"/>
+          <p:cNvPicPr>
+            <a:picLocks noChangeAspect="1" noChangeArrowheads="1"/>
+          </p:cNvPicPr>
+          <p:nvPr/>
+        </p:nvPicPr>
+        <p:blipFill>
+          <a:blip r:embed="rId2">
+            <a:extLst>
+              <a:ext uri="{28A0092B-C50C-407E-A947-70E740481C1C}">
+                <a14:useLocalDpi xmlns:a14="http://schemas.microsoft.com/office/drawing/2010/main" val="0"/>
+              </a:ext>
+            </a:extLst>
+          </a:blip>
+          <a:srcRect/>
+          <a:stretch>
+            <a:fillRect/>
+          </a:stretch>
+        </p:blipFill>
+        <p:spPr bwMode="auto">
+          <a:xfrm>
+            <a:off x="355600" y="472329"/>
+            <a:ext cx="8470900" cy="4565815"/>
+          </a:xfrm>
+          <a:prstGeom prst="rect">
+            <a:avLst/>
+          </a:prstGeom>
+          <a:ln w="9525">
+            <a:solidFill>
+              <a:schemeClr val="tx1"/>
+            </a:solidFill>
+            <a:miter lim="800000"/>
+            <a:headEnd/>
+            <a:tailEnd/>
+          </a:ln>
+          <a:effectLst>
+            <a:outerShdw blurRad="190500" algn="tl" rotWithShape="0">
+              <a:srgbClr val="000000">
+                <a:alpha val="70000"/>
+              </a:srgbClr>
+            </a:outerShdw>
+          </a:effectLst>
+          <a:extLst>
+            <a:ext uri="{909E8E84-426E-40DD-AFC4-6F175D3DCCD1}">
+              <a14:hiddenFill xmlns:a14="http://schemas.microsoft.com/office/drawing/2010/main">
+                <a:solidFill>
+                  <a:schemeClr val="accent1"/>
+                </a:solidFill>
+              </a14:hiddenFill>
+            </a:ext>
+            <a:ext uri="{91240B29-F687-4F45-9708-019B960494DF}">
+              <a14:hiddenLine xmlns:a14="http://schemas.microsoft.com/office/drawing/2010/main" w="9525">
+                <a:solidFill>
+                  <a:schemeClr val="tx1"/>
+                </a:solidFill>
+                <a:miter lim="800000"/>
+                <a:headEnd/>
+                <a:tailEnd/>
+              </a14:hiddenLine>
+            </a:ext>
+          </a:extLst>
+        </p:spPr>
+      </p:pic>
+      <p:sp>
+        <p:nvSpPr>
+          <p:cNvPr id="2" name="標題 1"/>
+          <p:cNvSpPr>
+            <a:spLocks noGrp="1"/>
+          </p:cNvSpPr>
+          <p:nvPr>
+            <p:ph type="ctrTitle"/>
+          </p:nvPr>
+        </p:nvSpPr>
+        <p:spPr>
+          <a:xfrm>
+            <a:off x="0" y="-8603"/>
+            <a:ext cx="9144000" cy="392061"/>
+          </a:xfrm>
+        </p:spPr>
+        <p:style>
+          <a:lnRef idx="1">
+            <a:schemeClr val="accent1"/>
+          </a:lnRef>
+          <a:fillRef idx="3">
+            <a:schemeClr val="accent1"/>
+          </a:fillRef>
+          <a:effectRef idx="2">
+            <a:schemeClr val="accent1"/>
+          </a:effectRef>
+          <a:fontRef idx="minor">
+            <a:schemeClr val="lt1"/>
+          </a:fontRef>
+        </p:style>
+        <p:txBody>
+          <a:bodyPr>
+            <a:noAutofit/>
+          </a:bodyPr>
+          <a:lstStyle/>
+          <a:p>
+            <a:r>
+              <a:rPr lang="en-US" altLang="zh-TW" sz="2400" dirty="0" smtClean="0">
+                <a:latin typeface="微軟正黑體" panose="020B0604030504040204" pitchFamily="34" charset="-120"/>
+                <a:ea typeface="微軟正黑體" panose="020B0604030504040204" pitchFamily="34" charset="-120"/>
+              </a:rPr>
+              <a:t>Spring 5</a:t>
+            </a:r>
+            <a:r>
+              <a:rPr lang="zh-TW" altLang="en-US" sz="2400" dirty="0" smtClean="0">
+                <a:latin typeface="微軟正黑體" panose="020B0604030504040204" pitchFamily="34" charset="-120"/>
+                <a:ea typeface="微軟正黑體" panose="020B0604030504040204" pitchFamily="34" charset="-120"/>
+              </a:rPr>
+              <a:t> </a:t>
+            </a:r>
+            <a:r>
+              <a:rPr lang="en-US" altLang="zh-TW" sz="2400" dirty="0" smtClean="0">
+                <a:latin typeface="微軟正黑體" panose="020B0604030504040204" pitchFamily="34" charset="-120"/>
+                <a:ea typeface="微軟正黑體" panose="020B0604030504040204" pitchFamily="34" charset="-120"/>
+              </a:rPr>
+              <a:t>MVC – </a:t>
+            </a:r>
+            <a:r>
+              <a:rPr lang="zh-TW" altLang="en-US" sz="2400" dirty="0" smtClean="0">
+                <a:latin typeface="微軟正黑體" panose="020B0604030504040204" pitchFamily="34" charset="-120"/>
+                <a:ea typeface="微軟正黑體" panose="020B0604030504040204" pitchFamily="34" charset="-120"/>
+              </a:rPr>
+              <a:t>零</a:t>
+            </a:r>
+            <a:r>
+              <a:rPr lang="en-US" altLang="zh-TW" sz="2400" dirty="0" smtClean="0">
+                <a:latin typeface="微軟正黑體" panose="020B0604030504040204" pitchFamily="34" charset="-120"/>
+                <a:ea typeface="微軟正黑體" panose="020B0604030504040204" pitchFamily="34" charset="-120"/>
+              </a:rPr>
+              <a:t>XML</a:t>
+            </a:r>
+            <a:endParaRPr lang="zh-TW" altLang="en-US" sz="2400" dirty="0">
+              <a:latin typeface="微軟正黑體" panose="020B0604030504040204" pitchFamily="34" charset="-120"/>
+              <a:ea typeface="微軟正黑體" panose="020B0604030504040204" pitchFamily="34" charset="-120"/>
+            </a:endParaRPr>
+          </a:p>
+        </p:txBody>
+      </p:sp>
+      <p:sp>
+        <p:nvSpPr>
+          <p:cNvPr id="4" name="矩形 3"/>
+          <p:cNvSpPr/>
+          <p:nvPr/>
+        </p:nvSpPr>
+        <p:spPr>
+          <a:xfrm>
+            <a:off x="75736" y="53889"/>
+            <a:ext cx="1705019" cy="276999"/>
+          </a:xfrm>
+          <a:prstGeom prst="rect">
+            <a:avLst/>
+          </a:prstGeom>
+          <a:solidFill>
+            <a:schemeClr val="bg2">
+              <a:lumMod val="50000"/>
+            </a:schemeClr>
+          </a:solidFill>
+        </p:spPr>
+        <p:style>
+          <a:lnRef idx="0">
+            <a:schemeClr val="dk1"/>
+          </a:lnRef>
+          <a:fillRef idx="3">
+            <a:schemeClr val="dk1"/>
+          </a:fillRef>
+          <a:effectRef idx="3">
+            <a:schemeClr val="dk1"/>
+          </a:effectRef>
+          <a:fontRef idx="minor">
+            <a:schemeClr val="lt1"/>
+          </a:fontRef>
+        </p:style>
+        <p:txBody>
+          <a:bodyPr wrap="none">
+            <a:spAutoFit/>
+          </a:bodyPr>
+          <a:lstStyle/>
+          <a:p>
+            <a:r>
+              <a:rPr lang="en-US" altLang="zh-TW" sz="1200" b="1" i="1" dirty="0"/>
+              <a:t>SpringMVC_Config.java</a:t>
+            </a:r>
+            <a:endParaRPr lang="zh-TW" altLang="en-US" sz="1200" b="1" i="1" dirty="0"/>
+          </a:p>
+        </p:txBody>
+      </p:sp>
+      <p:sp>
+        <p:nvSpPr>
+          <p:cNvPr id="5" name="矩形 4"/>
+          <p:cNvSpPr/>
+          <p:nvPr/>
+        </p:nvSpPr>
+        <p:spPr>
+          <a:xfrm>
+            <a:off x="5910974" y="4008029"/>
+            <a:ext cx="666040" cy="149205"/>
+          </a:xfrm>
+          <a:prstGeom prst="rect">
+            <a:avLst/>
+          </a:prstGeom>
+          <a:solidFill>
+            <a:srgbClr val="FF0F0F">
+              <a:alpha val="30196"/>
+            </a:srgbClr>
+          </a:solidFill>
+          <a:ln w="3175">
+            <a:solidFill>
+              <a:srgbClr val="FF0000"/>
+            </a:solidFill>
+            <a:prstDash val="sysDot"/>
+          </a:ln>
+        </p:spPr>
+        <p:style>
+          <a:lnRef idx="2">
+            <a:schemeClr val="accent1">
+              <a:shade val="50000"/>
+            </a:schemeClr>
+          </a:lnRef>
+          <a:fillRef idx="1">
+            <a:schemeClr val="accent1"/>
+          </a:fillRef>
+          <a:effectRef idx="0">
+            <a:schemeClr val="accent1"/>
+          </a:effectRef>
+          <a:fontRef idx="minor">
+            <a:schemeClr val="lt1"/>
+          </a:fontRef>
+        </p:style>
+        <p:txBody>
+          <a:bodyPr rtlCol="0" anchor="ctr"/>
+          <a:lstStyle/>
+          <a:p>
+            <a:pPr algn="ctr"/>
+            <a:endParaRPr lang="zh-TW" altLang="en-US"/>
+          </a:p>
+        </p:txBody>
+      </p:sp>
+      <p:sp>
+        <p:nvSpPr>
+          <p:cNvPr id="6" name="矩形 5"/>
+          <p:cNvSpPr/>
+          <p:nvPr/>
+        </p:nvSpPr>
+        <p:spPr>
+          <a:xfrm>
+            <a:off x="6627253" y="4011204"/>
+            <a:ext cx="621272" cy="149205"/>
+          </a:xfrm>
+          <a:prstGeom prst="rect">
+            <a:avLst/>
+          </a:prstGeom>
+          <a:solidFill>
+            <a:srgbClr val="FFFF00">
+              <a:alpha val="30196"/>
+            </a:srgbClr>
+          </a:solidFill>
+          <a:ln w="3175">
+            <a:solidFill>
+              <a:srgbClr val="FFFF00"/>
+            </a:solidFill>
+            <a:prstDash val="sysDot"/>
+          </a:ln>
+        </p:spPr>
+        <p:style>
+          <a:lnRef idx="2">
+            <a:schemeClr val="accent1">
+              <a:shade val="50000"/>
+            </a:schemeClr>
+          </a:lnRef>
+          <a:fillRef idx="1">
+            <a:schemeClr val="accent1"/>
+          </a:fillRef>
+          <a:effectRef idx="0">
+            <a:schemeClr val="accent1"/>
+          </a:effectRef>
+          <a:fontRef idx="minor">
+            <a:schemeClr val="lt1"/>
+          </a:fontRef>
+        </p:style>
+        <p:txBody>
+          <a:bodyPr rtlCol="0" anchor="ctr"/>
+          <a:lstStyle/>
+          <a:p>
+            <a:pPr algn="ctr"/>
+            <a:endParaRPr lang="zh-TW" altLang="en-US"/>
+          </a:p>
+        </p:txBody>
+      </p:sp>
+      <p:sp>
+        <p:nvSpPr>
+          <p:cNvPr id="3" name="圓角矩形 2"/>
+          <p:cNvSpPr/>
+          <p:nvPr/>
+        </p:nvSpPr>
+        <p:spPr>
+          <a:xfrm>
+            <a:off x="520700" y="3213100"/>
+            <a:ext cx="8255000" cy="1600200"/>
+          </a:xfrm>
+          <a:prstGeom prst="roundRect">
+            <a:avLst>
+              <a:gd name="adj" fmla="val 9524"/>
+            </a:avLst>
+          </a:prstGeom>
+          <a:noFill/>
+          <a:ln w="19050">
+            <a:solidFill>
+              <a:srgbClr val="FF0000"/>
+            </a:solidFill>
+            <a:prstDash val="dash"/>
+          </a:ln>
+        </p:spPr>
+        <p:style>
+          <a:lnRef idx="2">
+            <a:schemeClr val="accent1">
+              <a:shade val="50000"/>
+            </a:schemeClr>
+          </a:lnRef>
+          <a:fillRef idx="1">
+            <a:schemeClr val="accent1"/>
+          </a:fillRef>
+          <a:effectRef idx="0">
+            <a:schemeClr val="accent1"/>
+          </a:effectRef>
+          <a:fontRef idx="minor">
+            <a:schemeClr val="lt1"/>
+          </a:fontRef>
+        </p:style>
+        <p:txBody>
+          <a:bodyPr rtlCol="0" anchor="ctr"/>
+          <a:lstStyle/>
+          <a:p>
+            <a:pPr algn="ctr"/>
+            <a:endParaRPr lang="zh-TW" altLang="en-US"/>
+          </a:p>
+        </p:txBody>
+      </p:sp>
+      <p:sp>
+        <p:nvSpPr>
+          <p:cNvPr id="7" name="文字方塊 6"/>
+          <p:cNvSpPr txBox="1"/>
+          <p:nvPr/>
+        </p:nvSpPr>
+        <p:spPr>
+          <a:xfrm>
+            <a:off x="5711190" y="3289300"/>
+            <a:ext cx="1573530" cy="461665"/>
+          </a:xfrm>
+          <a:prstGeom prst="rect">
+            <a:avLst/>
+          </a:prstGeom>
+        </p:spPr>
+        <p:style>
+          <a:lnRef idx="3">
+            <a:schemeClr val="lt1"/>
+          </a:lnRef>
+          <a:fillRef idx="1">
+            <a:schemeClr val="accent2"/>
+          </a:fillRef>
+          <a:effectRef idx="1">
+            <a:schemeClr val="accent2"/>
+          </a:effectRef>
+          <a:fontRef idx="minor">
+            <a:schemeClr val="lt1"/>
+          </a:fontRef>
+        </p:style>
+        <p:txBody>
+          <a:bodyPr wrap="square" rtlCol="0">
+            <a:spAutoFit/>
+          </a:bodyPr>
+          <a:lstStyle/>
+          <a:p>
+            <a:r>
+              <a:rPr lang="zh-TW" altLang="en-US" sz="1200" dirty="0" smtClean="0">
+                <a:latin typeface="微軟正黑體" panose="020B0604030504040204" pitchFamily="34" charset="-120"/>
+                <a:ea typeface="微軟正黑體" panose="020B0604030504040204" pitchFamily="34" charset="-120"/>
+              </a:rPr>
+              <a:t>要讓此</a:t>
+            </a:r>
+            <a:r>
+              <a:rPr lang="en-US" altLang="zh-TW" sz="1200" dirty="0" err="1" smtClean="0">
+                <a:latin typeface="微軟正黑體" panose="020B0604030504040204" pitchFamily="34" charset="-120"/>
+                <a:ea typeface="微軟正黑體" panose="020B0604030504040204" pitchFamily="34" charset="-120"/>
+              </a:rPr>
+              <a:t>url</a:t>
+            </a:r>
+            <a:r>
+              <a:rPr lang="zh-TW" altLang="en-US" sz="1200" dirty="0" smtClean="0">
+                <a:latin typeface="微軟正黑體" panose="020B0604030504040204" pitchFamily="34" charset="-120"/>
+                <a:ea typeface="微軟正黑體" panose="020B0604030504040204" pitchFamily="34" charset="-120"/>
+              </a:rPr>
+              <a:t>先過</a:t>
+            </a:r>
+            <a:r>
+              <a:rPr lang="en-US" altLang="zh-TW" sz="1200" b="1" i="1" dirty="0" err="1" smtClean="0">
+                <a:solidFill>
+                  <a:srgbClr val="0000FF"/>
+                </a:solidFill>
+                <a:effectLst>
+                  <a:outerShdw blurRad="38100" dist="38100" dir="2700000" algn="tl">
+                    <a:srgbClr val="000000">
+                      <a:alpha val="43137"/>
+                    </a:srgbClr>
+                  </a:outerShdw>
+                </a:effectLst>
+                <a:latin typeface="微軟正黑體" panose="020B0604030504040204" pitchFamily="34" charset="-120"/>
+                <a:ea typeface="微軟正黑體" panose="020B0604030504040204" pitchFamily="34" charset="-120"/>
+              </a:rPr>
+              <a:t>DispatcherServlet</a:t>
+            </a:r>
+            <a:endParaRPr lang="zh-TW" altLang="en-US" sz="1200" b="1" i="1" dirty="0">
+              <a:solidFill>
+                <a:srgbClr val="0000FF"/>
+              </a:solidFill>
+              <a:effectLst>
+                <a:outerShdw blurRad="38100" dist="38100" dir="2700000" algn="tl">
+                  <a:srgbClr val="000000">
+                    <a:alpha val="43137"/>
+                  </a:srgbClr>
+                </a:outerShdw>
+              </a:effectLst>
+              <a:latin typeface="微軟正黑體" panose="020B0604030504040204" pitchFamily="34" charset="-120"/>
+              <a:ea typeface="微軟正黑體" panose="020B0604030504040204" pitchFamily="34" charset="-120"/>
+            </a:endParaRPr>
+          </a:p>
+        </p:txBody>
+      </p:sp>
+      <p:cxnSp>
+        <p:nvCxnSpPr>
+          <p:cNvPr id="9" name="直線接點 8"/>
+          <p:cNvCxnSpPr>
+            <a:stCxn id="5" idx="0"/>
+            <a:endCxn id="7" idx="2"/>
+          </p:cNvCxnSpPr>
+          <p:nvPr/>
+        </p:nvCxnSpPr>
+        <p:spPr>
+          <a:xfrm flipV="1">
+            <a:off x="6243994" y="3750965"/>
+            <a:ext cx="253961" cy="257064"/>
+          </a:xfrm>
+          <a:prstGeom prst="line">
+            <a:avLst/>
+          </a:prstGeom>
+        </p:spPr>
+        <p:style>
+          <a:lnRef idx="2">
+            <a:schemeClr val="accent2"/>
+          </a:lnRef>
+          <a:fillRef idx="0">
+            <a:schemeClr val="accent2"/>
+          </a:fillRef>
+          <a:effectRef idx="1">
+            <a:schemeClr val="accent2"/>
+          </a:effectRef>
+          <a:fontRef idx="minor">
+            <a:schemeClr val="tx1"/>
+          </a:fontRef>
+        </p:style>
+      </p:cxnSp>
+      <p:sp>
+        <p:nvSpPr>
+          <p:cNvPr id="13" name="矩形 12"/>
+          <p:cNvSpPr/>
+          <p:nvPr/>
+        </p:nvSpPr>
+        <p:spPr>
+          <a:xfrm>
+            <a:off x="2785503" y="4436654"/>
+            <a:ext cx="995922" cy="149205"/>
+          </a:xfrm>
+          <a:prstGeom prst="rect">
+            <a:avLst/>
+          </a:prstGeom>
+          <a:solidFill>
+            <a:srgbClr val="FFFF00">
+              <a:alpha val="30196"/>
+            </a:srgbClr>
+          </a:solidFill>
+          <a:ln w="3175">
+            <a:solidFill>
+              <a:srgbClr val="FFFF00"/>
+            </a:solidFill>
+            <a:prstDash val="sysDot"/>
+          </a:ln>
+        </p:spPr>
+        <p:style>
+          <a:lnRef idx="2">
+            <a:schemeClr val="accent1">
+              <a:shade val="50000"/>
+            </a:schemeClr>
+          </a:lnRef>
+          <a:fillRef idx="1">
+            <a:schemeClr val="accent1"/>
+          </a:fillRef>
+          <a:effectRef idx="0">
+            <a:schemeClr val="accent1"/>
+          </a:effectRef>
+          <a:fontRef idx="minor">
+            <a:schemeClr val="lt1"/>
+          </a:fontRef>
+        </p:style>
+        <p:txBody>
+          <a:bodyPr rtlCol="0" anchor="ctr"/>
+          <a:lstStyle/>
+          <a:p>
+            <a:pPr algn="ctr"/>
+            <a:endParaRPr lang="zh-TW" altLang="en-US"/>
+          </a:p>
+        </p:txBody>
+      </p:sp>
+      <p:sp>
+        <p:nvSpPr>
+          <p:cNvPr id="14" name="矩形 13"/>
+          <p:cNvSpPr/>
+          <p:nvPr/>
+        </p:nvSpPr>
+        <p:spPr>
+          <a:xfrm>
+            <a:off x="5312803" y="4430304"/>
+            <a:ext cx="1397560" cy="149205"/>
+          </a:xfrm>
+          <a:prstGeom prst="rect">
+            <a:avLst/>
+          </a:prstGeom>
+          <a:solidFill>
+            <a:srgbClr val="00B050">
+              <a:alpha val="30196"/>
+            </a:srgbClr>
+          </a:solidFill>
+          <a:ln w="3175">
+            <a:solidFill>
+              <a:srgbClr val="00B050"/>
+            </a:solidFill>
+            <a:prstDash val="sysDot"/>
+          </a:ln>
+        </p:spPr>
+        <p:style>
+          <a:lnRef idx="2">
+            <a:schemeClr val="accent1">
+              <a:shade val="50000"/>
+            </a:schemeClr>
+          </a:lnRef>
+          <a:fillRef idx="1">
+            <a:schemeClr val="accent1"/>
+          </a:fillRef>
+          <a:effectRef idx="0">
+            <a:schemeClr val="accent1"/>
+          </a:effectRef>
+          <a:fontRef idx="minor">
+            <a:schemeClr val="lt1"/>
+          </a:fontRef>
+        </p:style>
+        <p:txBody>
+          <a:bodyPr rtlCol="0" anchor="ctr"/>
+          <a:lstStyle/>
+          <a:p>
+            <a:pPr algn="ctr"/>
+            <a:endParaRPr lang="zh-TW" altLang="en-US"/>
+          </a:p>
+        </p:txBody>
+      </p:sp>
+      <p:sp>
+        <p:nvSpPr>
+          <p:cNvPr id="15" name="矩形 14"/>
+          <p:cNvSpPr/>
+          <p:nvPr/>
+        </p:nvSpPr>
+        <p:spPr>
+          <a:xfrm>
+            <a:off x="3766577" y="4865279"/>
+            <a:ext cx="1862697" cy="149205"/>
+          </a:xfrm>
+          <a:prstGeom prst="rect">
+            <a:avLst/>
+          </a:prstGeom>
+          <a:ln w="9525"/>
+        </p:spPr>
+        <p:style>
+          <a:lnRef idx="3">
+            <a:schemeClr val="lt1"/>
+          </a:lnRef>
+          <a:fillRef idx="1">
+            <a:schemeClr val="accent6"/>
+          </a:fillRef>
+          <a:effectRef idx="1">
+            <a:schemeClr val="accent6"/>
+          </a:effectRef>
+          <a:fontRef idx="minor">
+            <a:schemeClr val="lt1"/>
+          </a:fontRef>
+        </p:style>
+        <p:txBody>
+          <a:bodyPr rtlCol="0" anchor="ctr"/>
+          <a:lstStyle/>
+          <a:p>
+            <a:pPr algn="ctr"/>
+            <a:r>
+              <a:rPr lang="zh-TW" altLang="en-US" sz="900" b="1" dirty="0" smtClean="0">
+                <a:solidFill>
+                  <a:srgbClr val="0000FF"/>
+                </a:solidFill>
+              </a:rPr>
+              <a:t>將以</a:t>
+            </a:r>
+            <a:r>
+              <a:rPr lang="en-US" altLang="zh-TW" sz="900" b="1" i="1" dirty="0" smtClean="0">
+                <a:solidFill>
+                  <a:srgbClr val="FFFF00"/>
+                </a:solidFill>
+              </a:rPr>
+              <a:t>resources</a:t>
+            </a:r>
+            <a:r>
+              <a:rPr lang="zh-TW" altLang="en-US" sz="900" b="1" dirty="0" smtClean="0">
+                <a:solidFill>
+                  <a:srgbClr val="0000FF"/>
+                </a:solidFill>
+              </a:rPr>
+              <a:t>打頭的請求映射到</a:t>
+            </a:r>
+            <a:endParaRPr lang="zh-TW" altLang="en-US" sz="900" b="1" dirty="0">
+              <a:solidFill>
+                <a:srgbClr val="0000FF"/>
+              </a:solidFill>
+            </a:endParaRPr>
+          </a:p>
+        </p:txBody>
+      </p:sp>
+      <p:sp>
+        <p:nvSpPr>
+          <p:cNvPr id="11" name="手繪多邊形 10"/>
+          <p:cNvSpPr/>
+          <p:nvPr/>
+        </p:nvSpPr>
+        <p:spPr>
+          <a:xfrm>
+            <a:off x="3243263" y="4591050"/>
+            <a:ext cx="519112" cy="361950"/>
+          </a:xfrm>
+          <a:custGeom>
+            <a:avLst/>
+            <a:gdLst>
+              <a:gd name="connsiteX0" fmla="*/ 0 w 519112"/>
+              <a:gd name="connsiteY0" fmla="*/ 0 h 361950"/>
+              <a:gd name="connsiteX1" fmla="*/ 76200 w 519112"/>
+              <a:gd name="connsiteY1" fmla="*/ 147638 h 361950"/>
+              <a:gd name="connsiteX2" fmla="*/ 228600 w 519112"/>
+              <a:gd name="connsiteY2" fmla="*/ 290513 h 361950"/>
+              <a:gd name="connsiteX3" fmla="*/ 519112 w 519112"/>
+              <a:gd name="connsiteY3" fmla="*/ 361950 h 361950"/>
+            </a:gdLst>
+            <a:ahLst/>
+            <a:cxnLst>
+              <a:cxn ang="0">
+                <a:pos x="connsiteX0" y="connsiteY0"/>
+              </a:cxn>
+              <a:cxn ang="0">
+                <a:pos x="connsiteX1" y="connsiteY1"/>
+              </a:cxn>
+              <a:cxn ang="0">
+                <a:pos x="connsiteX2" y="connsiteY2"/>
+              </a:cxn>
+              <a:cxn ang="0">
+                <a:pos x="connsiteX3" y="connsiteY3"/>
+              </a:cxn>
+            </a:cxnLst>
+            <a:rect l="l" t="t" r="r" b="b"/>
+            <a:pathLst>
+              <a:path w="519112" h="361950">
+                <a:moveTo>
+                  <a:pt x="0" y="0"/>
+                </a:moveTo>
+                <a:cubicBezTo>
+                  <a:pt x="19050" y="49609"/>
+                  <a:pt x="38100" y="99219"/>
+                  <a:pt x="76200" y="147638"/>
+                </a:cubicBezTo>
+                <a:cubicBezTo>
+                  <a:pt x="114300" y="196057"/>
+                  <a:pt x="154781" y="254794"/>
+                  <a:pt x="228600" y="290513"/>
+                </a:cubicBezTo>
+                <a:cubicBezTo>
+                  <a:pt x="302419" y="326232"/>
+                  <a:pt x="472281" y="351631"/>
+                  <a:pt x="519112" y="361950"/>
+                </a:cubicBezTo>
+              </a:path>
+            </a:pathLst>
+          </a:custGeom>
+        </p:spPr>
+        <p:style>
+          <a:lnRef idx="1">
+            <a:schemeClr val="accent5"/>
+          </a:lnRef>
+          <a:fillRef idx="0">
+            <a:schemeClr val="accent5"/>
+          </a:fillRef>
+          <a:effectRef idx="0">
+            <a:schemeClr val="accent5"/>
+          </a:effectRef>
+          <a:fontRef idx="minor">
+            <a:schemeClr val="tx1"/>
+          </a:fontRef>
+        </p:style>
+        <p:txBody>
+          <a:bodyPr rtlCol="0" anchor="ctr"/>
+          <a:lstStyle/>
+          <a:p>
+            <a:pPr algn="ctr"/>
+            <a:endParaRPr lang="zh-TW" altLang="en-US"/>
+          </a:p>
+        </p:txBody>
+      </p:sp>
+      <p:sp>
+        <p:nvSpPr>
+          <p:cNvPr id="12" name="手繪多邊形 11"/>
+          <p:cNvSpPr/>
+          <p:nvPr/>
+        </p:nvSpPr>
+        <p:spPr>
+          <a:xfrm>
+            <a:off x="5614988" y="4595813"/>
+            <a:ext cx="571500" cy="357187"/>
+          </a:xfrm>
+          <a:custGeom>
+            <a:avLst/>
+            <a:gdLst>
+              <a:gd name="connsiteX0" fmla="*/ 0 w 571500"/>
+              <a:gd name="connsiteY0" fmla="*/ 357187 h 357187"/>
+              <a:gd name="connsiteX1" fmla="*/ 347662 w 571500"/>
+              <a:gd name="connsiteY1" fmla="*/ 314325 h 357187"/>
+              <a:gd name="connsiteX2" fmla="*/ 528637 w 571500"/>
+              <a:gd name="connsiteY2" fmla="*/ 204787 h 357187"/>
+              <a:gd name="connsiteX3" fmla="*/ 571500 w 571500"/>
+              <a:gd name="connsiteY3" fmla="*/ 0 h 357187"/>
+            </a:gdLst>
+            <a:ahLst/>
+            <a:cxnLst>
+              <a:cxn ang="0">
+                <a:pos x="connsiteX0" y="connsiteY0"/>
+              </a:cxn>
+              <a:cxn ang="0">
+                <a:pos x="connsiteX1" y="connsiteY1"/>
+              </a:cxn>
+              <a:cxn ang="0">
+                <a:pos x="connsiteX2" y="connsiteY2"/>
+              </a:cxn>
+              <a:cxn ang="0">
+                <a:pos x="connsiteX3" y="connsiteY3"/>
+              </a:cxn>
+            </a:cxnLst>
+            <a:rect l="l" t="t" r="r" b="b"/>
+            <a:pathLst>
+              <a:path w="571500" h="357187">
+                <a:moveTo>
+                  <a:pt x="0" y="357187"/>
+                </a:moveTo>
+                <a:cubicBezTo>
+                  <a:pt x="129778" y="348456"/>
+                  <a:pt x="259556" y="339725"/>
+                  <a:pt x="347662" y="314325"/>
+                </a:cubicBezTo>
+                <a:cubicBezTo>
+                  <a:pt x="435768" y="288925"/>
+                  <a:pt x="491331" y="257174"/>
+                  <a:pt x="528637" y="204787"/>
+                </a:cubicBezTo>
+                <a:cubicBezTo>
+                  <a:pt x="565943" y="152400"/>
+                  <a:pt x="568721" y="76200"/>
+                  <a:pt x="571500" y="0"/>
+                </a:cubicBezTo>
+              </a:path>
+            </a:pathLst>
+          </a:custGeom>
+          <a:ln>
+            <a:headEnd type="none" w="med" len="med"/>
+            <a:tailEnd type="triangle" w="med" len="med"/>
+          </a:ln>
+        </p:spPr>
+        <p:style>
+          <a:lnRef idx="1">
+            <a:schemeClr val="accent5"/>
+          </a:lnRef>
+          <a:fillRef idx="0">
+            <a:schemeClr val="accent5"/>
+          </a:fillRef>
+          <a:effectRef idx="0">
+            <a:schemeClr val="accent5"/>
+          </a:effectRef>
+          <a:fontRef idx="minor">
+            <a:schemeClr val="tx1"/>
+          </a:fontRef>
+        </p:style>
+        <p:txBody>
+          <a:bodyPr rtlCol="0" anchor="ctr"/>
+          <a:lstStyle/>
+          <a:p>
+            <a:pPr algn="ctr"/>
+            <a:endParaRPr lang="zh-TW" altLang="en-US"/>
+          </a:p>
+        </p:txBody>
+      </p:sp>
+    </p:spTree>
+    <p:extLst>
+      <p:ext uri="{BB962C8B-B14F-4D97-AF65-F5344CB8AC3E}">
+        <p14:creationId xmlns:p14="http://schemas.microsoft.com/office/powerpoint/2010/main" val="2204688240"/>
+      </p:ext>
+    </p:extLst>
+  </p:cSld>
+  <p:clrMapOvr>
+    <a:masterClrMapping/>
+  </p:clrMapOvr>
+</p:sld>
+</file>
+
+<file path=ppt/slides/slide8.xml><?xml version="1.0" encoding="utf-8"?>
+<p:sld xmlns:a="http://schemas.openxmlformats.org/drawingml/2006/main" xmlns:r="http://schemas.openxmlformats.org/officeDocument/2006/relationships" xmlns:p="http://schemas.openxmlformats.org/presentationml/2006/main">
+  <p:cSld>
+    <p:spTree>
+      <p:nvGrpSpPr>
+        <p:cNvPr id="1" name=""/>
+        <p:cNvGrpSpPr/>
+        <p:nvPr/>
+      </p:nvGrpSpPr>
+      <p:grpSpPr>
+        <a:xfrm>
+          <a:off x="0" y="0"/>
+          <a:ext cx="0" cy="0"/>
+          <a:chOff x="0" y="0"/>
+          <a:chExt cx="0" cy="0"/>
+        </a:xfrm>
+      </p:grpSpPr>
       <p:sp>
         <p:nvSpPr>
           <p:cNvPr id="2" name="標題 1"/>
@@ -11707,103 +13201,6 @@
 </p:sld>
 </file>
 
-<file path=ppt/slides/slide8.xml><?xml version="1.0" encoding="utf-8"?>
-<p:sld xmlns:a="http://schemas.openxmlformats.org/drawingml/2006/main" xmlns:r="http://schemas.openxmlformats.org/officeDocument/2006/relationships" xmlns:p="http://schemas.openxmlformats.org/presentationml/2006/main">
-  <p:cSld>
-    <p:spTree>
-      <p:nvGrpSpPr>
-        <p:cNvPr id="1" name=""/>
-        <p:cNvGrpSpPr/>
-        <p:nvPr/>
-      </p:nvGrpSpPr>
-      <p:grpSpPr>
-        <a:xfrm>
-          <a:off x="0" y="0"/>
-          <a:ext cx="0" cy="0"/>
-          <a:chOff x="0" y="0"/>
-          <a:chExt cx="0" cy="0"/>
-        </a:xfrm>
-      </p:grpSpPr>
-      <p:sp>
-        <p:nvSpPr>
-          <p:cNvPr id="2" name="標題 1"/>
-          <p:cNvSpPr>
-            <a:spLocks noGrp="1"/>
-          </p:cNvSpPr>
-          <p:nvPr>
-            <p:ph type="ctrTitle"/>
-          </p:nvPr>
-        </p:nvSpPr>
-        <p:spPr>
-          <a:xfrm>
-            <a:off x="0" y="2054943"/>
-            <a:ext cx="9144000" cy="1306461"/>
-          </a:xfrm>
-        </p:spPr>
-        <p:style>
-          <a:lnRef idx="1">
-            <a:schemeClr val="accent5"/>
-          </a:lnRef>
-          <a:fillRef idx="3">
-            <a:schemeClr val="accent5"/>
-          </a:fillRef>
-          <a:effectRef idx="2">
-            <a:schemeClr val="accent5"/>
-          </a:effectRef>
-          <a:fontRef idx="minor">
-            <a:schemeClr val="lt1"/>
-          </a:fontRef>
-        </p:style>
-        <p:txBody>
-          <a:bodyPr>
-            <a:noAutofit/>
-          </a:bodyPr>
-          <a:lstStyle/>
-          <a:p>
-            <a:r>
-              <a:rPr lang="en-US" altLang="zh-TW" sz="3600" b="1" i="1" dirty="0" smtClean="0">
-                <a:effectLst>
-                  <a:outerShdw blurRad="38100" dist="38100" dir="2700000" algn="tl">
-                    <a:srgbClr val="000000">
-                      <a:alpha val="43137"/>
-                    </a:srgbClr>
-                  </a:outerShdw>
-                </a:effectLst>
-                <a:latin typeface="微軟正黑體" panose="020B0604030504040204" pitchFamily="34" charset="-120"/>
-                <a:ea typeface="微軟正黑體" panose="020B0604030504040204" pitchFamily="34" charset="-120"/>
-              </a:rPr>
-              <a:t>VO</a:t>
-            </a:r>
-            <a:endParaRPr lang="zh-TW" altLang="en-US" sz="3600" b="1" i="1" dirty="0">
-              <a:solidFill>
-                <a:srgbClr val="FF0F0F"/>
-              </a:solidFill>
-              <a:effectLst>
-                <a:outerShdw blurRad="38100" dist="38100" dir="2700000" algn="tl">
-                  <a:srgbClr val="000000">
-                    <a:alpha val="43137"/>
-                  </a:srgbClr>
-                </a:outerShdw>
-              </a:effectLst>
-              <a:latin typeface="微軟正黑體" panose="020B0604030504040204" pitchFamily="34" charset="-120"/>
-              <a:ea typeface="微軟正黑體" panose="020B0604030504040204" pitchFamily="34" charset="-120"/>
-            </a:endParaRPr>
-          </a:p>
-        </p:txBody>
-      </p:sp>
-    </p:spTree>
-    <p:extLst>
-      <p:ext uri="{BB962C8B-B14F-4D97-AF65-F5344CB8AC3E}">
-        <p14:creationId xmlns:p14="http://schemas.microsoft.com/office/powerpoint/2010/main" val="3886106614"/>
-      </p:ext>
-    </p:extLst>
-  </p:cSld>
-  <p:clrMapOvr>
-    <a:masterClrMapping/>
-  </p:clrMapOvr>
-</p:sld>
-</file>
-
 <file path=ppt/slides/slide9.xml><?xml version="1.0" encoding="utf-8"?>
 <p:sld xmlns:a="http://schemas.openxmlformats.org/drawingml/2006/main" xmlns:r="http://schemas.openxmlformats.org/officeDocument/2006/relationships" xmlns:p="http://schemas.openxmlformats.org/presentationml/2006/main">
   <p:cSld>
@@ -11833,19 +13230,19 @@
         </p:nvSpPr>
         <p:spPr>
           <a:xfrm>
-            <a:off x="0" y="-8603"/>
-            <a:ext cx="9144000" cy="392061"/>
+            <a:off x="0" y="2054943"/>
+            <a:ext cx="9144000" cy="1306461"/>
           </a:xfrm>
         </p:spPr>
         <p:style>
           <a:lnRef idx="1">
-            <a:schemeClr val="accent1"/>
+            <a:schemeClr val="accent5"/>
           </a:lnRef>
           <a:fillRef idx="3">
-            <a:schemeClr val="accent1"/>
+            <a:schemeClr val="accent5"/>
           </a:fillRef>
           <a:effectRef idx="2">
-            <a:schemeClr val="accent1"/>
+            <a:schemeClr val="accent5"/>
           </a:effectRef>
           <a:fontRef idx="minor">
             <a:schemeClr val="lt1"/>
@@ -11858,412 +13255,40 @@
           <a:lstStyle/>
           <a:p>
             <a:r>
-              <a:rPr lang="en-US" altLang="zh-TW" sz="2400" dirty="0" smtClean="0">
-                <a:latin typeface="微軟正黑體" panose="020B0604030504040204" pitchFamily="34" charset="-120"/>
-                <a:ea typeface="微軟正黑體" panose="020B0604030504040204" pitchFamily="34" charset="-120"/>
-              </a:rPr>
-              <a:t>Spring 5</a:t>
-            </a:r>
-            <a:r>
-              <a:rPr lang="zh-TW" altLang="en-US" sz="2400" dirty="0" smtClean="0">
-                <a:latin typeface="微軟正黑體" panose="020B0604030504040204" pitchFamily="34" charset="-120"/>
-                <a:ea typeface="微軟正黑體" panose="020B0604030504040204" pitchFamily="34" charset="-120"/>
-              </a:rPr>
-              <a:t> </a:t>
-            </a:r>
-            <a:r>
-              <a:rPr lang="en-US" altLang="zh-TW" sz="2400" dirty="0" smtClean="0">
-                <a:latin typeface="微軟正黑體" panose="020B0604030504040204" pitchFamily="34" charset="-120"/>
-                <a:ea typeface="微軟正黑體" panose="020B0604030504040204" pitchFamily="34" charset="-120"/>
-              </a:rPr>
-              <a:t>MVC – </a:t>
-            </a:r>
-            <a:r>
-              <a:rPr lang="zh-TW" altLang="en-US" sz="2400" dirty="0" smtClean="0">
-                <a:latin typeface="微軟正黑體" panose="020B0604030504040204" pitchFamily="34" charset="-120"/>
-                <a:ea typeface="微軟正黑體" panose="020B0604030504040204" pitchFamily="34" charset="-120"/>
-              </a:rPr>
-              <a:t>零</a:t>
-            </a:r>
-            <a:r>
-              <a:rPr lang="en-US" altLang="zh-TW" sz="2400" dirty="0" smtClean="0">
-                <a:latin typeface="微軟正黑體" panose="020B0604030504040204" pitchFamily="34" charset="-120"/>
-                <a:ea typeface="微軟正黑體" panose="020B0604030504040204" pitchFamily="34" charset="-120"/>
-              </a:rPr>
-              <a:t>XML</a:t>
-            </a:r>
-            <a:endParaRPr lang="zh-TW" altLang="en-US" sz="2400" dirty="0">
+              <a:rPr lang="en-US" altLang="zh-TW" sz="3600" b="1" i="1" dirty="0" smtClean="0">
+                <a:effectLst>
+                  <a:outerShdw blurRad="38100" dist="38100" dir="2700000" algn="tl">
+                    <a:srgbClr val="000000">
+                      <a:alpha val="43137"/>
+                    </a:srgbClr>
+                  </a:outerShdw>
+                </a:effectLst>
+                <a:latin typeface="微軟正黑體" panose="020B0604030504040204" pitchFamily="34" charset="-120"/>
+                <a:ea typeface="微軟正黑體" panose="020B0604030504040204" pitchFamily="34" charset="-120"/>
+              </a:rPr>
+              <a:t>VO</a:t>
+            </a:r>
+            <a:endParaRPr lang="zh-TW" altLang="en-US" sz="3600" b="1" i="1" dirty="0">
+              <a:solidFill>
+                <a:srgbClr val="FF0F0F"/>
+              </a:solidFill>
+              <a:effectLst>
+                <a:outerShdw blurRad="38100" dist="38100" dir="2700000" algn="tl">
+                  <a:srgbClr val="000000">
+                    <a:alpha val="43137"/>
+                  </a:srgbClr>
+                </a:outerShdw>
+              </a:effectLst>
               <a:latin typeface="微軟正黑體" panose="020B0604030504040204" pitchFamily="34" charset="-120"/>
               <a:ea typeface="微軟正黑體" panose="020B0604030504040204" pitchFamily="34" charset="-120"/>
             </a:endParaRPr>
           </a:p>
         </p:txBody>
       </p:sp>
-      <p:sp>
-        <p:nvSpPr>
-          <p:cNvPr id="4" name="矩形 3"/>
-          <p:cNvSpPr/>
-          <p:nvPr/>
-        </p:nvSpPr>
-        <p:spPr>
-          <a:xfrm>
-            <a:off x="75736" y="34225"/>
-            <a:ext cx="1074638" cy="307777"/>
-          </a:xfrm>
-          <a:prstGeom prst="rect">
-            <a:avLst/>
-          </a:prstGeom>
-        </p:spPr>
-        <p:style>
-          <a:lnRef idx="1">
-            <a:schemeClr val="accent4"/>
-          </a:lnRef>
-          <a:fillRef idx="2">
-            <a:schemeClr val="accent4"/>
-          </a:fillRef>
-          <a:effectRef idx="1">
-            <a:schemeClr val="accent4"/>
-          </a:effectRef>
-          <a:fontRef idx="minor">
-            <a:schemeClr val="dk1"/>
-          </a:fontRef>
-        </p:style>
-        <p:txBody>
-          <a:bodyPr wrap="square">
-            <a:spAutoFit/>
-          </a:bodyPr>
-          <a:lstStyle/>
-          <a:p>
-            <a:pPr algn="ctr"/>
-            <a:r>
-              <a:rPr lang="en-US" altLang="zh-TW" sz="1400" b="1" i="1" dirty="0" smtClean="0"/>
-              <a:t>VO</a:t>
-            </a:r>
-            <a:endParaRPr lang="zh-TW" altLang="en-US" sz="1400" b="1" i="1" dirty="0"/>
-          </a:p>
-        </p:txBody>
-      </p:sp>
-      <p:pic>
-        <p:nvPicPr>
-          <p:cNvPr id="12290" name="Picture 2"/>
-          <p:cNvPicPr>
-            <a:picLocks noChangeAspect="1" noChangeArrowheads="1"/>
-          </p:cNvPicPr>
-          <p:nvPr/>
-        </p:nvPicPr>
-        <p:blipFill>
-          <a:blip r:embed="rId2">
-            <a:extLst>
-              <a:ext uri="{28A0092B-C50C-407E-A947-70E740481C1C}">
-                <a14:useLocalDpi xmlns:a14="http://schemas.microsoft.com/office/drawing/2010/main" val="0"/>
-              </a:ext>
-            </a:extLst>
-          </a:blip>
-          <a:srcRect/>
-          <a:stretch>
-            <a:fillRect/>
-          </a:stretch>
-        </p:blipFill>
-        <p:spPr bwMode="auto">
-          <a:xfrm>
-            <a:off x="444142" y="828675"/>
-            <a:ext cx="4676775" cy="1657350"/>
-          </a:xfrm>
-          <a:prstGeom prst="rect">
-            <a:avLst/>
-          </a:prstGeom>
-          <a:ln w="9525">
-            <a:solidFill>
-              <a:schemeClr val="tx1"/>
-            </a:solidFill>
-            <a:miter lim="800000"/>
-            <a:headEnd/>
-            <a:tailEnd/>
-          </a:ln>
-          <a:effectLst>
-            <a:outerShdw blurRad="190500" algn="tl" rotWithShape="0">
-              <a:srgbClr val="000000">
-                <a:alpha val="70000"/>
-              </a:srgbClr>
-            </a:outerShdw>
-          </a:effectLst>
-          <a:extLst>
-            <a:ext uri="{909E8E84-426E-40DD-AFC4-6F175D3DCCD1}">
-              <a14:hiddenFill xmlns:a14="http://schemas.microsoft.com/office/drawing/2010/main">
-                <a:solidFill>
-                  <a:schemeClr val="accent1"/>
-                </a:solidFill>
-              </a14:hiddenFill>
-            </a:ext>
-          </a:extLst>
-        </p:spPr>
-      </p:pic>
-      <p:pic>
-        <p:nvPicPr>
-          <p:cNvPr id="12291" name="Picture 3"/>
-          <p:cNvPicPr>
-            <a:picLocks noChangeAspect="1" noChangeArrowheads="1"/>
-          </p:cNvPicPr>
-          <p:nvPr/>
-        </p:nvPicPr>
-        <p:blipFill>
-          <a:blip r:embed="rId3">
-            <a:extLst>
-              <a:ext uri="{28A0092B-C50C-407E-A947-70E740481C1C}">
-                <a14:useLocalDpi xmlns:a14="http://schemas.microsoft.com/office/drawing/2010/main" val="0"/>
-              </a:ext>
-            </a:extLst>
-          </a:blip>
-          <a:srcRect/>
-          <a:stretch>
-            <a:fillRect/>
-          </a:stretch>
-        </p:blipFill>
-        <p:spPr bwMode="auto">
-          <a:xfrm>
-            <a:off x="4070709" y="2787292"/>
-            <a:ext cx="4581525" cy="2085975"/>
-          </a:xfrm>
-          <a:prstGeom prst="rect">
-            <a:avLst/>
-          </a:prstGeom>
-          <a:ln w="9525">
-            <a:solidFill>
-              <a:schemeClr val="tx1"/>
-            </a:solidFill>
-            <a:miter lim="800000"/>
-            <a:headEnd/>
-            <a:tailEnd/>
-          </a:ln>
-          <a:effectLst>
-            <a:outerShdw blurRad="190500" algn="tl" rotWithShape="0">
-              <a:srgbClr val="000000">
-                <a:alpha val="70000"/>
-              </a:srgbClr>
-            </a:outerShdw>
-          </a:effectLst>
-          <a:extLst>
-            <a:ext uri="{909E8E84-426E-40DD-AFC4-6F175D3DCCD1}">
-              <a14:hiddenFill xmlns:a14="http://schemas.microsoft.com/office/drawing/2010/main">
-                <a:solidFill>
-                  <a:schemeClr val="accent1"/>
-                </a:solidFill>
-              </a14:hiddenFill>
-            </a:ext>
-          </a:extLst>
-        </p:spPr>
-      </p:pic>
-      <p:sp>
-        <p:nvSpPr>
-          <p:cNvPr id="14" name="矩形 13"/>
-          <p:cNvSpPr/>
-          <p:nvPr/>
-        </p:nvSpPr>
-        <p:spPr>
-          <a:xfrm>
-            <a:off x="765892" y="2282273"/>
-            <a:ext cx="2183785" cy="152191"/>
-          </a:xfrm>
-          <a:prstGeom prst="rect">
-            <a:avLst/>
-          </a:prstGeom>
-          <a:solidFill>
-            <a:srgbClr val="FF0F0F">
-              <a:alpha val="30196"/>
-            </a:srgbClr>
-          </a:solidFill>
-          <a:ln w="3175">
-            <a:solidFill>
-              <a:srgbClr val="FF0000"/>
-            </a:solidFill>
-            <a:prstDash val="sysDot"/>
-          </a:ln>
-        </p:spPr>
-        <p:style>
-          <a:lnRef idx="2">
-            <a:schemeClr val="accent1">
-              <a:shade val="50000"/>
-            </a:schemeClr>
-          </a:lnRef>
-          <a:fillRef idx="1">
-            <a:schemeClr val="accent1"/>
-          </a:fillRef>
-          <a:effectRef idx="0">
-            <a:schemeClr val="accent1"/>
-          </a:effectRef>
-          <a:fontRef idx="minor">
-            <a:schemeClr val="lt1"/>
-          </a:fontRef>
-        </p:style>
-        <p:txBody>
-          <a:bodyPr rtlCol="0" anchor="ctr"/>
-          <a:lstStyle/>
-          <a:p>
-            <a:pPr algn="ctr"/>
-            <a:endParaRPr lang="zh-TW" altLang="en-US"/>
-          </a:p>
-        </p:txBody>
-      </p:sp>
-      <p:sp>
-        <p:nvSpPr>
-          <p:cNvPr id="15" name="矩形 14"/>
-          <p:cNvSpPr/>
-          <p:nvPr/>
-        </p:nvSpPr>
-        <p:spPr>
-          <a:xfrm>
-            <a:off x="4433324" y="4633655"/>
-            <a:ext cx="1839657" cy="184151"/>
-          </a:xfrm>
-          <a:prstGeom prst="rect">
-            <a:avLst/>
-          </a:prstGeom>
-          <a:solidFill>
-            <a:srgbClr val="FF0F0F">
-              <a:alpha val="30196"/>
-            </a:srgbClr>
-          </a:solidFill>
-          <a:ln w="3175">
-            <a:solidFill>
-              <a:srgbClr val="FF0000"/>
-            </a:solidFill>
-            <a:prstDash val="sysDot"/>
-          </a:ln>
-        </p:spPr>
-        <p:style>
-          <a:lnRef idx="2">
-            <a:schemeClr val="accent1">
-              <a:shade val="50000"/>
-            </a:schemeClr>
-          </a:lnRef>
-          <a:fillRef idx="1">
-            <a:schemeClr val="accent1"/>
-          </a:fillRef>
-          <a:effectRef idx="0">
-            <a:schemeClr val="accent1"/>
-          </a:effectRef>
-          <a:fontRef idx="minor">
-            <a:schemeClr val="lt1"/>
-          </a:fontRef>
-        </p:style>
-        <p:txBody>
-          <a:bodyPr rtlCol="0" anchor="ctr"/>
-          <a:lstStyle/>
-          <a:p>
-            <a:pPr algn="ctr"/>
-            <a:endParaRPr lang="zh-TW" altLang="en-US"/>
-          </a:p>
-        </p:txBody>
-      </p:sp>
-      <p:sp>
-        <p:nvSpPr>
-          <p:cNvPr id="16" name="矩形 15"/>
-          <p:cNvSpPr/>
-          <p:nvPr/>
-        </p:nvSpPr>
-        <p:spPr>
-          <a:xfrm>
-            <a:off x="1591802" y="822180"/>
-            <a:ext cx="649953" cy="226431"/>
-          </a:xfrm>
-          <a:prstGeom prst="rect">
-            <a:avLst/>
-          </a:prstGeom>
-          <a:solidFill>
-            <a:srgbClr val="00B050">
-              <a:alpha val="30196"/>
-            </a:srgbClr>
-          </a:solidFill>
-          <a:ln w="3175">
-            <a:solidFill>
-              <a:srgbClr val="92D050"/>
-            </a:solidFill>
-            <a:prstDash val="sysDot"/>
-          </a:ln>
-        </p:spPr>
-        <p:style>
-          <a:lnRef idx="2">
-            <a:schemeClr val="accent1">
-              <a:shade val="50000"/>
-            </a:schemeClr>
-          </a:lnRef>
-          <a:fillRef idx="1">
-            <a:schemeClr val="accent1"/>
-          </a:fillRef>
-          <a:effectRef idx="0">
-            <a:schemeClr val="accent1"/>
-          </a:effectRef>
-          <a:fontRef idx="minor">
-            <a:schemeClr val="lt1"/>
-          </a:fontRef>
-        </p:style>
-        <p:txBody>
-          <a:bodyPr rtlCol="0" anchor="ctr"/>
-          <a:lstStyle/>
-          <a:p>
-            <a:pPr algn="ctr"/>
-            <a:endParaRPr lang="zh-TW" altLang="en-US"/>
-          </a:p>
-        </p:txBody>
-      </p:sp>
-      <p:sp>
-        <p:nvSpPr>
-          <p:cNvPr id="17" name="矩形 16"/>
-          <p:cNvSpPr/>
-          <p:nvPr/>
-        </p:nvSpPr>
-        <p:spPr>
-          <a:xfrm>
-            <a:off x="5160912" y="2798463"/>
-            <a:ext cx="649953" cy="226431"/>
-          </a:xfrm>
-          <a:prstGeom prst="rect">
-            <a:avLst/>
-          </a:prstGeom>
-          <a:solidFill>
-            <a:schemeClr val="accent6">
-              <a:lumMod val="75000"/>
-              <a:alpha val="30196"/>
-            </a:schemeClr>
-          </a:solidFill>
-          <a:ln w="3175">
-            <a:solidFill>
-              <a:schemeClr val="accent6">
-                <a:lumMod val="75000"/>
-              </a:schemeClr>
-            </a:solidFill>
-            <a:prstDash val="sysDot"/>
-          </a:ln>
-        </p:spPr>
-        <p:style>
-          <a:lnRef idx="2">
-            <a:schemeClr val="accent1">
-              <a:shade val="50000"/>
-            </a:schemeClr>
-          </a:lnRef>
-          <a:fillRef idx="1">
-            <a:schemeClr val="accent1"/>
-          </a:fillRef>
-          <a:effectRef idx="0">
-            <a:schemeClr val="accent1"/>
-          </a:effectRef>
-          <a:fontRef idx="minor">
-            <a:schemeClr val="lt1"/>
-          </a:fontRef>
-        </p:style>
-        <p:txBody>
-          <a:bodyPr rtlCol="0" anchor="ctr"/>
-          <a:lstStyle/>
-          <a:p>
-            <a:pPr algn="ctr"/>
-            <a:endParaRPr lang="zh-TW" altLang="en-US"/>
-          </a:p>
-        </p:txBody>
-      </p:sp>
     </p:spTree>
     <p:extLst>
       <p:ext uri="{BB962C8B-B14F-4D97-AF65-F5344CB8AC3E}">
-        <p14:creationId xmlns:p14="http://schemas.microsoft.com/office/powerpoint/2010/main" val="1838521546"/>
+        <p14:creationId xmlns:p14="http://schemas.microsoft.com/office/powerpoint/2010/main" val="3886106614"/>
       </p:ext>
     </p:extLst>
   </p:cSld>

--- a/說明文件/Spring 5 MVC – 零XML.pptx
+++ b/說明文件/Spring 5 MVC – 零XML.pptx
@@ -3131,87 +3131,9 @@
           <a:chExt cx="0" cy="0"/>
         </a:xfrm>
       </p:grpSpPr>
-      <p:sp>
-        <p:nvSpPr>
-          <p:cNvPr id="2" name="標題 1"/>
-          <p:cNvSpPr>
-            <a:spLocks noGrp="1"/>
-          </p:cNvSpPr>
-          <p:nvPr>
-            <p:ph type="ctrTitle"/>
-          </p:nvPr>
-        </p:nvSpPr>
-        <p:spPr>
-          <a:xfrm>
-            <a:off x="0" y="-8603"/>
-            <a:ext cx="9144000" cy="392061"/>
-          </a:xfrm>
-        </p:spPr>
-        <p:style>
-          <a:lnRef idx="1">
-            <a:schemeClr val="accent1"/>
-          </a:lnRef>
-          <a:fillRef idx="3">
-            <a:schemeClr val="accent1"/>
-          </a:fillRef>
-          <a:effectRef idx="2">
-            <a:schemeClr val="accent1"/>
-          </a:effectRef>
-          <a:fontRef idx="minor">
-            <a:schemeClr val="lt1"/>
-          </a:fontRef>
-        </p:style>
-        <p:txBody>
-          <a:bodyPr>
-            <a:noAutofit/>
-          </a:bodyPr>
-          <a:lstStyle/>
-          <a:p>
-            <a:r>
-              <a:rPr lang="en-US" altLang="zh-TW" sz="2400" dirty="0" smtClean="0">
-                <a:latin typeface="微軟正黑體" panose="020B0604030504040204" pitchFamily="34" charset="-120"/>
-                <a:ea typeface="微軟正黑體" panose="020B0604030504040204" pitchFamily="34" charset="-120"/>
-              </a:rPr>
-              <a:t>Spring 5</a:t>
-            </a:r>
-            <a:r>
-              <a:rPr lang="zh-TW" altLang="en-US" sz="2400" dirty="0" smtClean="0">
-                <a:latin typeface="微軟正黑體" panose="020B0604030504040204" pitchFamily="34" charset="-120"/>
-                <a:ea typeface="微軟正黑體" panose="020B0604030504040204" pitchFamily="34" charset="-120"/>
-              </a:rPr>
-              <a:t> </a:t>
-            </a:r>
-            <a:r>
-              <a:rPr lang="en-US" altLang="zh-TW" sz="2400" dirty="0" smtClean="0">
-                <a:latin typeface="微軟正黑體" panose="020B0604030504040204" pitchFamily="34" charset="-120"/>
-                <a:ea typeface="微軟正黑體" panose="020B0604030504040204" pitchFamily="34" charset="-120"/>
-              </a:rPr>
-              <a:t>MVC – </a:t>
-            </a:r>
-            <a:r>
-              <a:rPr lang="zh-TW" altLang="en-US" sz="2400" dirty="0" smtClean="0">
-                <a:latin typeface="微軟正黑體" panose="020B0604030504040204" pitchFamily="34" charset="-120"/>
-                <a:ea typeface="微軟正黑體" panose="020B0604030504040204" pitchFamily="34" charset="-120"/>
-              </a:rPr>
-              <a:t>零</a:t>
-            </a:r>
-            <a:r>
-              <a:rPr lang="en-US" altLang="zh-TW" sz="2400" dirty="0" smtClean="0">
-                <a:latin typeface="微軟正黑體" panose="020B0604030504040204" pitchFamily="34" charset="-120"/>
-                <a:ea typeface="微軟正黑體" panose="020B0604030504040204" pitchFamily="34" charset="-120"/>
-              </a:rPr>
-              <a:t>XML</a:t>
-            </a:r>
-            <a:endParaRPr lang="zh-TW" altLang="en-US" sz="2400" dirty="0">
-              <a:latin typeface="微軟正黑體" panose="020B0604030504040204" pitchFamily="34" charset="-120"/>
-              <a:ea typeface="微軟正黑體" panose="020B0604030504040204" pitchFamily="34" charset="-120"/>
-            </a:endParaRPr>
-          </a:p>
-        </p:txBody>
-      </p:sp>
       <p:pic>
         <p:nvPicPr>
-          <p:cNvPr id="1026" name="Picture 2"/>
+          <p:cNvPr id="3074" name="Picture 2"/>
           <p:cNvPicPr>
             <a:picLocks noChangeAspect="1" noChangeArrowheads="1"/>
           </p:cNvPicPr>
@@ -3232,8 +3154,201 @@
         </p:blipFill>
         <p:spPr bwMode="auto">
           <a:xfrm>
-            <a:off x="890332" y="456292"/>
-            <a:ext cx="2216047" cy="4621624"/>
+            <a:off x="526654" y="412750"/>
+            <a:ext cx="2159396" cy="4705350"/>
+          </a:xfrm>
+          <a:prstGeom prst="rect">
+            <a:avLst/>
+          </a:prstGeom>
+          <a:ln w="9525">
+            <a:solidFill>
+              <a:schemeClr val="tx1"/>
+            </a:solidFill>
+            <a:miter lim="800000"/>
+            <a:headEnd/>
+            <a:tailEnd/>
+          </a:ln>
+          <a:effectLst>
+            <a:outerShdw blurRad="190500" algn="tl" rotWithShape="0">
+              <a:srgbClr val="000000">
+                <a:alpha val="70000"/>
+              </a:srgbClr>
+            </a:outerShdw>
+          </a:effectLst>
+          <a:extLst>
+            <a:ext uri="{909E8E84-426E-40DD-AFC4-6F175D3DCCD1}">
+              <a14:hiddenFill xmlns:a14="http://schemas.microsoft.com/office/drawing/2010/main">
+                <a:solidFill>
+                  <a:schemeClr val="accent1"/>
+                </a:solidFill>
+              </a14:hiddenFill>
+            </a:ext>
+            <a:ext uri="{91240B29-F687-4F45-9708-019B960494DF}">
+              <a14:hiddenLine xmlns:a14="http://schemas.microsoft.com/office/drawing/2010/main" w="9525">
+                <a:solidFill>
+                  <a:schemeClr val="tx1"/>
+                </a:solidFill>
+                <a:miter lim="800000"/>
+                <a:headEnd/>
+                <a:tailEnd/>
+              </a14:hiddenLine>
+            </a:ext>
+          </a:extLst>
+        </p:spPr>
+      </p:pic>
+      <p:sp>
+        <p:nvSpPr>
+          <p:cNvPr id="2" name="標題 1"/>
+          <p:cNvSpPr>
+            <a:spLocks noGrp="1"/>
+          </p:cNvSpPr>
+          <p:nvPr>
+            <p:ph type="ctrTitle"/>
+          </p:nvPr>
+        </p:nvSpPr>
+        <p:spPr>
+          <a:xfrm>
+            <a:off x="0" y="-8603"/>
+            <a:ext cx="9144000" cy="392061"/>
+          </a:xfrm>
+        </p:spPr>
+        <p:style>
+          <a:lnRef idx="1">
+            <a:schemeClr val="accent1"/>
+          </a:lnRef>
+          <a:fillRef idx="3">
+            <a:schemeClr val="accent1"/>
+          </a:fillRef>
+          <a:effectRef idx="2">
+            <a:schemeClr val="accent1"/>
+          </a:effectRef>
+          <a:fontRef idx="minor">
+            <a:schemeClr val="lt1"/>
+          </a:fontRef>
+        </p:style>
+        <p:txBody>
+          <a:bodyPr>
+            <a:noAutofit/>
+          </a:bodyPr>
+          <a:lstStyle/>
+          <a:p>
+            <a:r>
+              <a:rPr lang="en-US" altLang="zh-TW" sz="2400" dirty="0" smtClean="0">
+                <a:latin typeface="微軟正黑體" panose="020B0604030504040204" pitchFamily="34" charset="-120"/>
+                <a:ea typeface="微軟正黑體" panose="020B0604030504040204" pitchFamily="34" charset="-120"/>
+              </a:rPr>
+              <a:t>Spring 5</a:t>
+            </a:r>
+            <a:r>
+              <a:rPr lang="zh-TW" altLang="en-US" sz="2400" dirty="0" smtClean="0">
+                <a:latin typeface="微軟正黑體" panose="020B0604030504040204" pitchFamily="34" charset="-120"/>
+                <a:ea typeface="微軟正黑體" panose="020B0604030504040204" pitchFamily="34" charset="-120"/>
+              </a:rPr>
+              <a:t> </a:t>
+            </a:r>
+            <a:r>
+              <a:rPr lang="en-US" altLang="zh-TW" sz="2400" dirty="0" smtClean="0">
+                <a:latin typeface="微軟正黑體" panose="020B0604030504040204" pitchFamily="34" charset="-120"/>
+                <a:ea typeface="微軟正黑體" panose="020B0604030504040204" pitchFamily="34" charset="-120"/>
+              </a:rPr>
+              <a:t>MVC – </a:t>
+            </a:r>
+            <a:r>
+              <a:rPr lang="zh-TW" altLang="en-US" sz="2400" dirty="0" smtClean="0">
+                <a:latin typeface="微軟正黑體" panose="020B0604030504040204" pitchFamily="34" charset="-120"/>
+                <a:ea typeface="微軟正黑體" panose="020B0604030504040204" pitchFamily="34" charset="-120"/>
+              </a:rPr>
+              <a:t>零</a:t>
+            </a:r>
+            <a:r>
+              <a:rPr lang="en-US" altLang="zh-TW" sz="2400" dirty="0" smtClean="0">
+                <a:latin typeface="微軟正黑體" panose="020B0604030504040204" pitchFamily="34" charset="-120"/>
+                <a:ea typeface="微軟正黑體" panose="020B0604030504040204" pitchFamily="34" charset="-120"/>
+              </a:rPr>
+              <a:t>XML</a:t>
+            </a:r>
+            <a:endParaRPr lang="zh-TW" altLang="en-US" sz="2400" dirty="0">
+              <a:latin typeface="微軟正黑體" panose="020B0604030504040204" pitchFamily="34" charset="-120"/>
+              <a:ea typeface="微軟正黑體" panose="020B0604030504040204" pitchFamily="34" charset="-120"/>
+            </a:endParaRPr>
+          </a:p>
+        </p:txBody>
+      </p:sp>
+      <p:sp>
+        <p:nvSpPr>
+          <p:cNvPr id="3" name="文字方塊 2"/>
+          <p:cNvSpPr txBox="1"/>
+          <p:nvPr/>
+        </p:nvSpPr>
+        <p:spPr>
+          <a:xfrm>
+            <a:off x="85725" y="47625"/>
+            <a:ext cx="1047750" cy="276999"/>
+          </a:xfrm>
+          <a:prstGeom prst="rect">
+            <a:avLst/>
+          </a:prstGeom>
+        </p:spPr>
+        <p:style>
+          <a:lnRef idx="0">
+            <a:schemeClr val="accent2"/>
+          </a:lnRef>
+          <a:fillRef idx="3">
+            <a:schemeClr val="accent2"/>
+          </a:fillRef>
+          <a:effectRef idx="3">
+            <a:schemeClr val="accent2"/>
+          </a:effectRef>
+          <a:fontRef idx="minor">
+            <a:schemeClr val="lt1"/>
+          </a:fontRef>
+        </p:style>
+        <p:txBody>
+          <a:bodyPr wrap="square" rtlCol="0">
+            <a:spAutoFit/>
+          </a:bodyPr>
+          <a:lstStyle/>
+          <a:p>
+            <a:pPr algn="ctr"/>
+            <a:r>
+              <a:rPr lang="zh-TW" altLang="en-US" sz="1200" b="1" dirty="0" smtClean="0">
+                <a:latin typeface="微軟正黑體" panose="020B0604030504040204" pitchFamily="34" charset="-120"/>
+                <a:ea typeface="微軟正黑體" panose="020B0604030504040204" pitchFamily="34" charset="-120"/>
+              </a:rPr>
+              <a:t>目錄結構</a:t>
+            </a:r>
+            <a:endParaRPr lang="zh-TW" altLang="en-US" sz="1200" b="1" dirty="0">
+              <a:latin typeface="微軟正黑體" panose="020B0604030504040204" pitchFamily="34" charset="-120"/>
+              <a:ea typeface="微軟正黑體" panose="020B0604030504040204" pitchFamily="34" charset="-120"/>
+            </a:endParaRPr>
+          </a:p>
+        </p:txBody>
+      </p:sp>
+      <p:pic>
+        <p:nvPicPr>
+          <p:cNvPr id="1027" name="Picture 3"/>
+          <p:cNvPicPr>
+            <a:picLocks noChangeAspect="1" noChangeArrowheads="1"/>
+          </p:cNvPicPr>
+          <p:nvPr/>
+        </p:nvPicPr>
+        <p:blipFill>
+          <a:blip r:embed="rId3">
+            <a:extLst>
+              <a:ext uri="{28A0092B-C50C-407E-A947-70E740481C1C}">
+                <a14:useLocalDpi xmlns:a14="http://schemas.microsoft.com/office/drawing/2010/main" val="0"/>
+              </a:ext>
+            </a:extLst>
+          </a:blip>
+          <a:srcRect/>
+          <a:stretch>
+            <a:fillRect/>
+          </a:stretch>
+        </p:blipFill>
+        <p:spPr bwMode="auto">
+          <a:xfrm>
+            <a:off x="3735705" y="1352550"/>
+            <a:ext cx="2419350" cy="762000"/>
           </a:xfrm>
           <a:prstGeom prst="rect">
             <a:avLst/>
@@ -3266,118 +3381,13 @@
       </p:pic>
       <p:sp>
         <p:nvSpPr>
-          <p:cNvPr id="3" name="文字方塊 2"/>
-          <p:cNvSpPr txBox="1"/>
-          <p:nvPr/>
-        </p:nvSpPr>
-        <p:spPr>
-          <a:xfrm>
-            <a:off x="85725" y="47625"/>
-            <a:ext cx="1047750" cy="276999"/>
-          </a:xfrm>
-          <a:prstGeom prst="rect">
-            <a:avLst/>
-          </a:prstGeom>
-        </p:spPr>
-        <p:style>
-          <a:lnRef idx="0">
-            <a:schemeClr val="accent2"/>
-          </a:lnRef>
-          <a:fillRef idx="3">
-            <a:schemeClr val="accent2"/>
-          </a:fillRef>
-          <a:effectRef idx="3">
-            <a:schemeClr val="accent2"/>
-          </a:effectRef>
-          <a:fontRef idx="minor">
-            <a:schemeClr val="lt1"/>
-          </a:fontRef>
-        </p:style>
-        <p:txBody>
-          <a:bodyPr wrap="square" rtlCol="0">
-            <a:spAutoFit/>
-          </a:bodyPr>
-          <a:lstStyle/>
-          <a:p>
-            <a:pPr algn="ctr"/>
-            <a:r>
-              <a:rPr lang="zh-TW" altLang="en-US" sz="1200" b="1" dirty="0" smtClean="0">
-                <a:latin typeface="微軟正黑體" panose="020B0604030504040204" pitchFamily="34" charset="-120"/>
-                <a:ea typeface="微軟正黑體" panose="020B0604030504040204" pitchFamily="34" charset="-120"/>
-              </a:rPr>
-              <a:t>目錄結構</a:t>
-            </a:r>
-            <a:endParaRPr lang="zh-TW" altLang="en-US" sz="1200" b="1" dirty="0">
-              <a:latin typeface="微軟正黑體" panose="020B0604030504040204" pitchFamily="34" charset="-120"/>
-              <a:ea typeface="微軟正黑體" panose="020B0604030504040204" pitchFamily="34" charset="-120"/>
-            </a:endParaRPr>
-          </a:p>
-        </p:txBody>
-      </p:sp>
-      <p:pic>
-        <p:nvPicPr>
-          <p:cNvPr id="1027" name="Picture 3"/>
-          <p:cNvPicPr>
-            <a:picLocks noChangeAspect="1" noChangeArrowheads="1"/>
-          </p:cNvPicPr>
-          <p:nvPr/>
-        </p:nvPicPr>
-        <p:blipFill>
-          <a:blip r:embed="rId3">
-            <a:extLst>
-              <a:ext uri="{28A0092B-C50C-407E-A947-70E740481C1C}">
-                <a14:useLocalDpi xmlns:a14="http://schemas.microsoft.com/office/drawing/2010/main" val="0"/>
-              </a:ext>
-            </a:extLst>
-          </a:blip>
-          <a:srcRect/>
-          <a:stretch>
-            <a:fillRect/>
-          </a:stretch>
-        </p:blipFill>
-        <p:spPr bwMode="auto">
-          <a:xfrm>
-            <a:off x="3735705" y="1352550"/>
-            <a:ext cx="2419350" cy="762000"/>
-          </a:xfrm>
-          <a:prstGeom prst="rect">
-            <a:avLst/>
-          </a:prstGeom>
-          <a:ln w="9525">
-            <a:solidFill>
-              <a:schemeClr val="tx1"/>
-            </a:solidFill>
-            <a:miter lim="800000"/>
-            <a:headEnd/>
-            <a:tailEnd/>
-          </a:ln>
-          <a:effectLst>
-            <a:outerShdw blurRad="190500" algn="tl" rotWithShape="0">
-              <a:srgbClr val="000000">
-                <a:alpha val="70000"/>
-              </a:srgbClr>
-            </a:outerShdw>
-          </a:effectLst>
-          <a:extLst>
-            <a:ext uri="{909E8E84-426E-40DD-AFC4-6F175D3DCCD1}">
-              <a14:hiddenFill xmlns:a14="http://schemas.microsoft.com/office/drawing/2010/main">
-                <a:solidFill>
-                  <a:schemeClr val="accent1"/>
-                </a:solidFill>
-              </a14:hiddenFill>
-            </a:ext>
-          </a:extLst>
-        </p:spPr>
-      </p:pic>
-      <p:sp>
-        <p:nvSpPr>
           <p:cNvPr id="6" name="矩形 5"/>
           <p:cNvSpPr/>
           <p:nvPr/>
         </p:nvSpPr>
         <p:spPr>
           <a:xfrm>
-            <a:off x="1288355" y="1856904"/>
+            <a:off x="862905" y="1558454"/>
             <a:ext cx="868106" cy="131916"/>
           </a:xfrm>
           <a:prstGeom prst="rect">
@@ -3430,12 +3440,14 @@
           <p:nvPr/>
         </p:nvCxnSpPr>
         <p:spPr>
-          <a:xfrm flipV="1">
-            <a:off x="2156461" y="1733550"/>
-            <a:ext cx="1579244" cy="189312"/>
+          <a:xfrm>
+            <a:off x="1731011" y="1624412"/>
+            <a:ext cx="2004694" cy="109138"/>
           </a:xfrm>
           <a:prstGeom prst="bentConnector3">
-            <a:avLst/>
+            <a:avLst>
+              <a:gd name="adj1" fmla="val 56969"/>
+            </a:avLst>
           </a:prstGeom>
           <a:ln w="28575">
             <a:solidFill>
@@ -10275,7 +10287,7 @@
           <a:graphicData uri="http://schemas.openxmlformats.org/presentationml/2006/ole">
             <mc:AlternateContent xmlns:mc="http://schemas.openxmlformats.org/markup-compatibility/2006">
               <mc:Choice xmlns:v="urn:schemas-microsoft-com:vml" Requires="v">
-                <p:oleObj spid="_x0000_s2057" name="封裝程式殼層物件" showAsIcon="1" r:id="rId3" imgW="1878840" imgH="698400" progId="Package">
+                <p:oleObj spid="_x0000_s2059" name="封裝程式殼層物件" showAsIcon="1" r:id="rId3" imgW="1878840" imgH="698400" progId="Package">
                   <p:embed/>
                 </p:oleObj>
               </mc:Choice>
@@ -11808,16 +11820,6 @@
                   <a:schemeClr val="accent1"/>
                 </a:solidFill>
               </a14:hiddenFill>
-            </a:ext>
-            <a:ext uri="{91240B29-F687-4F45-9708-019B960494DF}">
-              <a14:hiddenLine xmlns:a14="http://schemas.microsoft.com/office/drawing/2010/main" w="9525">
-                <a:solidFill>
-                  <a:schemeClr val="tx1"/>
-                </a:solidFill>
-                <a:miter lim="800000"/>
-                <a:headEnd/>
-                <a:tailEnd/>
-              </a14:hiddenLine>
             </a:ext>
           </a:extLst>
         </p:spPr>
